--- a/PyThon/GetStarted/Numpy/Doc/Python NumPy.pptx
+++ b/PyThon/GetStarted/Numpy/Doc/Python NumPy.pptx
@@ -5,10 +5,10 @@
     <p:sldMasterId id="2147483660" r:id="rId1"/>
   </p:sldMasterIdLst>
   <p:notesMasterIdLst>
-    <p:notesMasterId r:id="rId36"/>
+    <p:notesMasterId r:id="rId54"/>
   </p:notesMasterIdLst>
   <p:handoutMasterIdLst>
-    <p:handoutMasterId r:id="rId37"/>
+    <p:handoutMasterId r:id="rId55"/>
   </p:handoutMasterIdLst>
   <p:sldIdLst>
     <p:sldId id="263" r:id="rId2"/>
@@ -45,6 +45,24 @@
     <p:sldId id="295" r:id="rId33"/>
     <p:sldId id="296" r:id="rId34"/>
     <p:sldId id="301" r:id="rId35"/>
+    <p:sldId id="302" r:id="rId36"/>
+    <p:sldId id="303" r:id="rId37"/>
+    <p:sldId id="304" r:id="rId38"/>
+    <p:sldId id="306" r:id="rId39"/>
+    <p:sldId id="307" r:id="rId40"/>
+    <p:sldId id="308" r:id="rId41"/>
+    <p:sldId id="309" r:id="rId42"/>
+    <p:sldId id="310" r:id="rId43"/>
+    <p:sldId id="311" r:id="rId44"/>
+    <p:sldId id="312" r:id="rId45"/>
+    <p:sldId id="313" r:id="rId46"/>
+    <p:sldId id="314" r:id="rId47"/>
+    <p:sldId id="315" r:id="rId48"/>
+    <p:sldId id="316" r:id="rId49"/>
+    <p:sldId id="317" r:id="rId50"/>
+    <p:sldId id="318" r:id="rId51"/>
+    <p:sldId id="319" r:id="rId52"/>
+    <p:sldId id="320" r:id="rId53"/>
   </p:sldIdLst>
   <p:sldSz cx="12192000" cy="6858000"/>
   <p:notesSz cx="6858000" cy="9144000"/>
@@ -236,7 +254,7 @@
           <a:p>
             <a:fld id="{8F741D12-1BA0-4D16-B253-39E4DA7AD69F}" type="datetimeFigureOut">
               <a:rPr lang="en-US" smtClean="0"/>
-              <a:t>12/14/2022</a:t>
+              <a:t>12/23/2022</a:t>
             </a:fld>
             <a:endParaRPr lang="en-US"/>
           </a:p>
@@ -401,7 +419,7 @@
           <a:p>
             <a:fld id="{DBD0E036-A0EF-40EA-AC2B-818A5F8CFC1C}" type="datetimeFigureOut">
               <a:rPr lang="en-US" smtClean="0"/>
-              <a:t>12/14/2022</a:t>
+              <a:t>12/23/2022</a:t>
             </a:fld>
             <a:endParaRPr lang="en-US"/>
           </a:p>
@@ -5949,15 +5967,7 @@
             <a:pPr lvl="1"/>
             <a:r>
               <a:rPr lang="en-US" sz="2400" dirty="0"/>
-              <a:t>A </a:t>
-            </a:r>
-            <a:r>
-              <a:rPr lang="en-US" sz="2400" dirty="0" err="1"/>
-              <a:t>ValueError</a:t>
-            </a:r>
-            <a:r>
-              <a:rPr lang="en-US" sz="2400" dirty="0"/>
-              <a:t> is raised if trying to create 33 or more dimension.</a:t>
+              <a:t>A ValueError is raised if trying to create 33 or more dimension.</a:t>
             </a:r>
           </a:p>
         </p:txBody>
@@ -6333,13 +6343,13 @@
   <p:clrMapOvr>
     <a:masterClrMapping/>
   </p:clrMapOvr>
-  <mc:AlternateContent xmlns:mc="http://schemas.openxmlformats.org/markup-compatibility/2006">
-    <mc:Choice xmlns:p14="http://schemas.microsoft.com/office/powerpoint/2010/main" Requires="p14">
+  <mc:AlternateContent xmlns:mc="http://schemas.openxmlformats.org/markup-compatibility/2006" xmlns:p14="http://schemas.microsoft.com/office/powerpoint/2010/main">
+    <mc:Choice Requires="p14">
       <p:transition spd="med" p14:dur="700">
         <p:fade/>
       </p:transition>
     </mc:Choice>
-    <mc:Fallback>
+    <mc:Fallback xmlns="">
       <p:transition spd="med">
         <p:fade/>
       </p:transition>
@@ -6903,13 +6913,13 @@
   <p:clrMapOvr>
     <a:masterClrMapping/>
   </p:clrMapOvr>
-  <mc:AlternateContent xmlns:mc="http://schemas.openxmlformats.org/markup-compatibility/2006">
-    <mc:Choice xmlns:p14="http://schemas.microsoft.com/office/powerpoint/2010/main" Requires="p14">
+  <mc:AlternateContent xmlns:mc="http://schemas.openxmlformats.org/markup-compatibility/2006" xmlns:p14="http://schemas.microsoft.com/office/powerpoint/2010/main">
+    <mc:Choice Requires="p14">
       <p:transition spd="med" p14:dur="700">
         <p:fade/>
       </p:transition>
     </mc:Choice>
-    <mc:Fallback>
+    <mc:Fallback xmlns="">
       <p:transition spd="med">
         <p:fade/>
       </p:transition>
@@ -7729,13 +7739,13 @@
   <p:clrMapOvr>
     <a:masterClrMapping/>
   </p:clrMapOvr>
-  <mc:AlternateContent xmlns:mc="http://schemas.openxmlformats.org/markup-compatibility/2006">
-    <mc:Choice xmlns:p14="http://schemas.microsoft.com/office/powerpoint/2010/main" Requires="p14">
+  <mc:AlternateContent xmlns:mc="http://schemas.openxmlformats.org/markup-compatibility/2006" xmlns:p14="http://schemas.microsoft.com/office/powerpoint/2010/main">
+    <mc:Choice Requires="p14">
       <p:transition spd="med" p14:dur="700">
         <p:fade/>
       </p:transition>
     </mc:Choice>
-    <mc:Fallback>
+    <mc:Fallback xmlns="">
       <p:transition spd="med">
         <p:fade/>
       </p:transition>
@@ -9167,13 +9177,13 @@
   <p:clrMapOvr>
     <a:masterClrMapping/>
   </p:clrMapOvr>
-  <mc:AlternateContent xmlns:mc="http://schemas.openxmlformats.org/markup-compatibility/2006">
-    <mc:Choice xmlns:p14="http://schemas.microsoft.com/office/powerpoint/2010/main" Requires="p14">
+  <mc:AlternateContent xmlns:mc="http://schemas.openxmlformats.org/markup-compatibility/2006" xmlns:p14="http://schemas.microsoft.com/office/powerpoint/2010/main">
+    <mc:Choice Requires="p14">
       <p:transition spd="med" p14:dur="700">
         <p:fade/>
       </p:transition>
     </mc:Choice>
-    <mc:Fallback>
+    <mc:Fallback xmlns="">
       <p:transition spd="med">
         <p:fade/>
       </p:transition>
@@ -10026,15 +10036,7 @@
           <a:p>
             <a:r>
               <a:rPr lang="en-US" dirty="0"/>
-              <a:t>If a type is given in which elements can't be casted then NumPy will raise a </a:t>
-            </a:r>
-            <a:r>
-              <a:rPr lang="en-US" dirty="0" err="1"/>
-              <a:t>ValueError</a:t>
-            </a:r>
-            <a:r>
-              <a:rPr lang="en-US" dirty="0"/>
-              <a:t>.</a:t>
+              <a:t>If a type is given in which elements can't be casted then NumPy will raise a ValueError.</a:t>
             </a:r>
           </a:p>
         </p:txBody>
@@ -10401,15 +10403,7 @@
             </a:pPr>
             <a:r>
               <a:rPr lang="en-US" dirty="0"/>
-              <a:t>&gt;&gt; </a:t>
-            </a:r>
-            <a:r>
-              <a:rPr lang="en-US" dirty="0" err="1"/>
-              <a:t>ValueError</a:t>
-            </a:r>
-            <a:r>
-              <a:rPr lang="en-US" dirty="0"/>
-              <a:t>: invalid literal for int() with base 10: 'a'</a:t>
+              <a:t>&gt;&gt; ValueError: invalid literal for int() with base 10: 'a'</a:t>
             </a:r>
           </a:p>
         </p:txBody>
@@ -15750,15 +15744,7 @@
             </a:pPr>
             <a:r>
               <a:rPr lang="en-US" dirty="0"/>
-              <a:t>&gt;&gt;  </a:t>
-            </a:r>
-            <a:r>
-              <a:rPr lang="en-US" dirty="0" err="1"/>
-              <a:t>ValueError</a:t>
-            </a:r>
-            <a:r>
-              <a:rPr lang="en-US" dirty="0"/>
-              <a:t>: cannot reshape array of size 8 into shape (3,3)</a:t>
+              <a:t>&gt;&gt;  ValueError: cannot reshape array of size 8 into shape (3,3)</a:t>
             </a:r>
           </a:p>
         </p:txBody>
@@ -16145,7 +16131,7 @@
           <a:lstStyle/>
           <a:p>
             <a:r>
-              <a:rPr lang="en-US" sz="2800" dirty="0"/>
+              <a:rPr lang="en-US" sz="2400" dirty="0"/>
               <a:t>Flattening array means converting a multidimensional array into a 1D array.</a:t>
             </a:r>
           </a:p>
@@ -16312,6 +16298,1741 @@
     <p:extLst>
       <p:ext uri="{BB962C8B-B14F-4D97-AF65-F5344CB8AC3E}">
         <p14:creationId xmlns:p14="http://schemas.microsoft.com/office/powerpoint/2010/main" val="2640827054"/>
+      </p:ext>
+    </p:extLst>
+  </p:cSld>
+  <p:clrMapOvr>
+    <a:masterClrMapping/>
+  </p:clrMapOvr>
+  <mc:AlternateContent xmlns:mc="http://schemas.openxmlformats.org/markup-compatibility/2006" xmlns:p14="http://schemas.microsoft.com/office/powerpoint/2010/main">
+    <mc:Choice Requires="p14">
+      <p:transition spd="med" p14:dur="700">
+        <p:fade/>
+      </p:transition>
+    </mc:Choice>
+    <mc:Fallback xmlns="">
+      <p:transition spd="med">
+        <p:fade/>
+      </p:transition>
+    </mc:Fallback>
+  </mc:AlternateContent>
+</p:sld>
+</file>
+
+<file path=ppt/slides/slide35.xml><?xml version="1.0" encoding="utf-8"?>
+<p:sld xmlns:a="http://schemas.openxmlformats.org/drawingml/2006/main" xmlns:r="http://schemas.openxmlformats.org/officeDocument/2006/relationships" xmlns:p="http://schemas.openxmlformats.org/presentationml/2006/main">
+  <p:cSld>
+    <p:spTree>
+      <p:nvGrpSpPr>
+        <p:cNvPr id="1" name=""/>
+        <p:cNvGrpSpPr/>
+        <p:nvPr/>
+      </p:nvGrpSpPr>
+      <p:grpSpPr>
+        <a:xfrm>
+          <a:off x="0" y="0"/>
+          <a:ext cx="0" cy="0"/>
+          <a:chOff x="0" y="0"/>
+          <a:chExt cx="0" cy="0"/>
+        </a:xfrm>
+      </p:grpSpPr>
+      <p:sp>
+        <p:nvSpPr>
+          <p:cNvPr id="8" name="Title 7">
+            <a:extLst>
+              <a:ext uri="{FF2B5EF4-FFF2-40B4-BE49-F238E27FC236}">
+                <a16:creationId xmlns:a16="http://schemas.microsoft.com/office/drawing/2014/main" id="{387D7099-AFBE-10F2-AF19-0F407F4FA8BE}"/>
+              </a:ext>
+            </a:extLst>
+          </p:cNvPr>
+          <p:cNvSpPr>
+            <a:spLocks noGrp="1"/>
+          </p:cNvSpPr>
+          <p:nvPr>
+            <p:ph type="title"/>
+          </p:nvPr>
+        </p:nvSpPr>
+        <p:spPr/>
+        <p:txBody>
+          <a:bodyPr>
+            <a:normAutofit/>
+          </a:bodyPr>
+          <a:lstStyle/>
+          <a:p>
+            <a:r>
+              <a:rPr lang="en-US" dirty="0"/>
+              <a:t>NumPy Array Iterating</a:t>
+            </a:r>
+          </a:p>
+        </p:txBody>
+      </p:sp>
+      <p:sp>
+        <p:nvSpPr>
+          <p:cNvPr id="9" name="Content Placeholder 8">
+            <a:extLst>
+              <a:ext uri="{FF2B5EF4-FFF2-40B4-BE49-F238E27FC236}">
+                <a16:creationId xmlns:a16="http://schemas.microsoft.com/office/drawing/2014/main" id="{DB1E90FB-32E9-0050-48A9-671AC084797E}"/>
+              </a:ext>
+            </a:extLst>
+          </p:cNvPr>
+          <p:cNvSpPr>
+            <a:spLocks noGrp="1"/>
+          </p:cNvSpPr>
+          <p:nvPr>
+            <p:ph sz="half" idx="1"/>
+          </p:nvPr>
+        </p:nvSpPr>
+        <p:spPr/>
+        <p:txBody>
+          <a:bodyPr>
+            <a:normAutofit/>
+          </a:bodyPr>
+          <a:lstStyle/>
+          <a:p>
+            <a:r>
+              <a:rPr lang="en-US" sz="2400" dirty="0"/>
+              <a:t>Iterating means going through elements one by one.</a:t>
+            </a:r>
+          </a:p>
+          <a:p>
+            <a:r>
+              <a:rPr lang="en-US" sz="2400" dirty="0"/>
+              <a:t>We use </a:t>
+            </a:r>
+            <a:r>
+              <a:rPr lang="en-US" sz="2400" dirty="0">
+                <a:solidFill>
+                  <a:srgbClr val="FF0000"/>
+                </a:solidFill>
+              </a:rPr>
+              <a:t>for</a:t>
+            </a:r>
+            <a:r>
+              <a:rPr lang="en-US" sz="2400" dirty="0"/>
+              <a:t> to loop through the </a:t>
+            </a:r>
+            <a:r>
+              <a:rPr lang="en-US" sz="2400" dirty="0" err="1"/>
+              <a:t>ndarray</a:t>
+            </a:r>
+            <a:endParaRPr lang="en-US" sz="2400" dirty="0"/>
+          </a:p>
+        </p:txBody>
+      </p:sp>
+      <p:pic>
+        <p:nvPicPr>
+          <p:cNvPr id="12" name="Content Placeholder 11">
+            <a:extLst>
+              <a:ext uri="{FF2B5EF4-FFF2-40B4-BE49-F238E27FC236}">
+                <a16:creationId xmlns:a16="http://schemas.microsoft.com/office/drawing/2014/main" id="{CAA5FB1E-2832-7891-C0E1-6947A456C787}"/>
+              </a:ext>
+            </a:extLst>
+          </p:cNvPr>
+          <p:cNvPicPr>
+            <a:picLocks noGrp="1" noChangeAspect="1"/>
+          </p:cNvPicPr>
+          <p:nvPr>
+            <p:ph sz="half" idx="2"/>
+          </p:nvPr>
+        </p:nvPicPr>
+        <p:blipFill>
+          <a:blip r:embed="rId2"/>
+          <a:stretch>
+            <a:fillRect/>
+          </a:stretch>
+        </p:blipFill>
+        <p:spPr>
+          <a:xfrm>
+            <a:off x="6386806" y="1690688"/>
+            <a:ext cx="5293198" cy="2834659"/>
+          </a:xfrm>
+        </p:spPr>
+      </p:pic>
+      <p:sp>
+        <p:nvSpPr>
+          <p:cNvPr id="5" name="Date Placeholder 4">
+            <a:extLst>
+              <a:ext uri="{FF2B5EF4-FFF2-40B4-BE49-F238E27FC236}">
+                <a16:creationId xmlns:a16="http://schemas.microsoft.com/office/drawing/2014/main" id="{8EE41AE3-73AD-35DA-7F56-B85C656DE194}"/>
+              </a:ext>
+            </a:extLst>
+          </p:cNvPr>
+          <p:cNvSpPr>
+            <a:spLocks noGrp="1"/>
+          </p:cNvSpPr>
+          <p:nvPr>
+            <p:ph type="dt" sz="half" idx="10"/>
+          </p:nvPr>
+        </p:nvSpPr>
+        <p:spPr/>
+        <p:txBody>
+          <a:bodyPr/>
+          <a:lstStyle/>
+          <a:p>
+            <a:r>
+              <a:rPr lang="en-US"/>
+              <a:t>12/14/2022</a:t>
+            </a:r>
+          </a:p>
+        </p:txBody>
+      </p:sp>
+      <p:sp>
+        <p:nvSpPr>
+          <p:cNvPr id="6" name="Footer Placeholder 5">
+            <a:extLst>
+              <a:ext uri="{FF2B5EF4-FFF2-40B4-BE49-F238E27FC236}">
+                <a16:creationId xmlns:a16="http://schemas.microsoft.com/office/drawing/2014/main" id="{C0CC6570-F6D0-B6CE-4D4A-675FF1D94AB0}"/>
+              </a:ext>
+            </a:extLst>
+          </p:cNvPr>
+          <p:cNvSpPr>
+            <a:spLocks noGrp="1"/>
+          </p:cNvSpPr>
+          <p:nvPr>
+            <p:ph type="ftr" sz="quarter" idx="11"/>
+          </p:nvPr>
+        </p:nvSpPr>
+        <p:spPr/>
+        <p:txBody>
+          <a:bodyPr/>
+          <a:lstStyle/>
+          <a:p>
+            <a:r>
+              <a:rPr lang="en-US"/>
+              <a:t>Pham Trung Kien - Python NumPy</a:t>
+            </a:r>
+            <a:endParaRPr lang="en-US" dirty="0"/>
+          </a:p>
+        </p:txBody>
+      </p:sp>
+      <p:sp>
+        <p:nvSpPr>
+          <p:cNvPr id="7" name="Slide Number Placeholder 6">
+            <a:extLst>
+              <a:ext uri="{FF2B5EF4-FFF2-40B4-BE49-F238E27FC236}">
+                <a16:creationId xmlns:a16="http://schemas.microsoft.com/office/drawing/2014/main" id="{62C3A041-7306-FB23-4F4A-CA3D7E0CC2A0}"/>
+              </a:ext>
+            </a:extLst>
+          </p:cNvPr>
+          <p:cNvSpPr>
+            <a:spLocks noGrp="1"/>
+          </p:cNvSpPr>
+          <p:nvPr>
+            <p:ph type="sldNum" sz="quarter" idx="12"/>
+          </p:nvPr>
+        </p:nvSpPr>
+        <p:spPr/>
+        <p:txBody>
+          <a:bodyPr/>
+          <a:lstStyle/>
+          <a:p>
+            <a:fld id="{C62155A9-2BEA-4E1A-A809-3AB570F0F126}" type="slidenum">
+              <a:rPr lang="en-US" smtClean="0"/>
+              <a:pPr/>
+              <a:t>35</a:t>
+            </a:fld>
+            <a:endParaRPr lang="en-US"/>
+          </a:p>
+        </p:txBody>
+      </p:sp>
+      <p:sp>
+        <p:nvSpPr>
+          <p:cNvPr id="14" name="TextBox 13">
+            <a:extLst>
+              <a:ext uri="{FF2B5EF4-FFF2-40B4-BE49-F238E27FC236}">
+                <a16:creationId xmlns:a16="http://schemas.microsoft.com/office/drawing/2014/main" id="{949C531D-A4A8-8D4F-23AC-3F04032BB6D5}"/>
+              </a:ext>
+            </a:extLst>
+          </p:cNvPr>
+          <p:cNvSpPr txBox="1"/>
+          <p:nvPr/>
+        </p:nvSpPr>
+        <p:spPr>
+          <a:xfrm>
+            <a:off x="6386806" y="4525347"/>
+            <a:ext cx="1178949" cy="923330"/>
+          </a:xfrm>
+          <a:prstGeom prst="rect">
+            <a:avLst/>
+          </a:prstGeom>
+          <a:noFill/>
+          <a:ln>
+            <a:solidFill>
+              <a:schemeClr val="bg2"/>
+            </a:solidFill>
+          </a:ln>
+        </p:spPr>
+        <p:txBody>
+          <a:bodyPr wrap="square">
+            <a:spAutoFit/>
+          </a:bodyPr>
+          <a:lstStyle/>
+          <a:p>
+            <a:r>
+              <a:rPr lang="en-US" dirty="0"/>
+              <a:t>&gt;&gt; 1</a:t>
+            </a:r>
+          </a:p>
+          <a:p>
+            <a:r>
+              <a:rPr lang="en-US" dirty="0"/>
+              <a:t>     2</a:t>
+            </a:r>
+          </a:p>
+          <a:p>
+            <a:r>
+              <a:rPr lang="en-US" dirty="0"/>
+              <a:t>     3</a:t>
+            </a:r>
+          </a:p>
+        </p:txBody>
+      </p:sp>
+    </p:spTree>
+    <p:extLst>
+      <p:ext uri="{BB962C8B-B14F-4D97-AF65-F5344CB8AC3E}">
+        <p14:creationId xmlns:p14="http://schemas.microsoft.com/office/powerpoint/2010/main" val="3601548837"/>
+      </p:ext>
+    </p:extLst>
+  </p:cSld>
+  <p:clrMapOvr>
+    <a:masterClrMapping/>
+  </p:clrMapOvr>
+  <mc:AlternateContent xmlns:mc="http://schemas.openxmlformats.org/markup-compatibility/2006" xmlns:p14="http://schemas.microsoft.com/office/powerpoint/2010/main">
+    <mc:Choice Requires="p14">
+      <p:transition spd="med" p14:dur="700">
+        <p:fade/>
+      </p:transition>
+    </mc:Choice>
+    <mc:Fallback xmlns="">
+      <p:transition spd="med">
+        <p:fade/>
+      </p:transition>
+    </mc:Fallback>
+  </mc:AlternateContent>
+</p:sld>
+</file>
+
+<file path=ppt/slides/slide36.xml><?xml version="1.0" encoding="utf-8"?>
+<p:sld xmlns:a="http://schemas.openxmlformats.org/drawingml/2006/main" xmlns:r="http://schemas.openxmlformats.org/officeDocument/2006/relationships" xmlns:p="http://schemas.openxmlformats.org/presentationml/2006/main">
+  <p:cSld>
+    <p:spTree>
+      <p:nvGrpSpPr>
+        <p:cNvPr id="1" name=""/>
+        <p:cNvGrpSpPr/>
+        <p:nvPr/>
+      </p:nvGrpSpPr>
+      <p:grpSpPr>
+        <a:xfrm>
+          <a:off x="0" y="0"/>
+          <a:ext cx="0" cy="0"/>
+          <a:chOff x="0" y="0"/>
+          <a:chExt cx="0" cy="0"/>
+        </a:xfrm>
+      </p:grpSpPr>
+      <p:sp>
+        <p:nvSpPr>
+          <p:cNvPr id="8" name="Title 7">
+            <a:extLst>
+              <a:ext uri="{FF2B5EF4-FFF2-40B4-BE49-F238E27FC236}">
+                <a16:creationId xmlns:a16="http://schemas.microsoft.com/office/drawing/2014/main" id="{3A2B4216-F292-2162-72D4-BAA2F4DC9E2E}"/>
+              </a:ext>
+            </a:extLst>
+          </p:cNvPr>
+          <p:cNvSpPr>
+            <a:spLocks noGrp="1"/>
+          </p:cNvSpPr>
+          <p:nvPr>
+            <p:ph type="title"/>
+          </p:nvPr>
+        </p:nvSpPr>
+        <p:spPr/>
+        <p:txBody>
+          <a:bodyPr/>
+          <a:lstStyle/>
+          <a:p>
+            <a:r>
+              <a:rPr lang="en-US" sz="3200" dirty="0"/>
+              <a:t>Iterating</a:t>
+            </a:r>
+            <a:r>
+              <a:rPr lang="en-US" dirty="0"/>
+              <a:t> n-D Arrays (n &gt; 1)</a:t>
+            </a:r>
+          </a:p>
+        </p:txBody>
+      </p:sp>
+      <p:sp>
+        <p:nvSpPr>
+          <p:cNvPr id="11" name="Text Placeholder 10">
+            <a:extLst>
+              <a:ext uri="{FF2B5EF4-FFF2-40B4-BE49-F238E27FC236}">
+                <a16:creationId xmlns:a16="http://schemas.microsoft.com/office/drawing/2014/main" id="{41E3B08F-75E5-0CAD-7FF4-58440148A515}"/>
+              </a:ext>
+            </a:extLst>
+          </p:cNvPr>
+          <p:cNvSpPr>
+            <a:spLocks noGrp="1"/>
+          </p:cNvSpPr>
+          <p:nvPr>
+            <p:ph type="body" idx="1"/>
+          </p:nvPr>
+        </p:nvSpPr>
+        <p:spPr/>
+        <p:txBody>
+          <a:bodyPr/>
+          <a:lstStyle/>
+          <a:p>
+            <a:r>
+              <a:rPr lang="en-US" dirty="0"/>
+              <a:t>2-d array</a:t>
+            </a:r>
+          </a:p>
+        </p:txBody>
+      </p:sp>
+      <p:sp>
+        <p:nvSpPr>
+          <p:cNvPr id="12" name="Content Placeholder 11">
+            <a:extLst>
+              <a:ext uri="{FF2B5EF4-FFF2-40B4-BE49-F238E27FC236}">
+                <a16:creationId xmlns:a16="http://schemas.microsoft.com/office/drawing/2014/main" id="{03D22FEA-DD8C-5B43-3FB9-C6AE8941B753}"/>
+              </a:ext>
+            </a:extLst>
+          </p:cNvPr>
+          <p:cNvSpPr>
+            <a:spLocks noGrp="1"/>
+          </p:cNvSpPr>
+          <p:nvPr>
+            <p:ph sz="half" idx="2"/>
+          </p:nvPr>
+        </p:nvSpPr>
+        <p:spPr/>
+        <p:txBody>
+          <a:bodyPr/>
+          <a:lstStyle/>
+          <a:p>
+            <a:r>
+              <a:rPr lang="en-US" dirty="0"/>
+              <a:t>In a 2-D array it will go through all the rows.</a:t>
+            </a:r>
+          </a:p>
+        </p:txBody>
+      </p:sp>
+      <p:sp>
+        <p:nvSpPr>
+          <p:cNvPr id="13" name="Text Placeholder 12">
+            <a:extLst>
+              <a:ext uri="{FF2B5EF4-FFF2-40B4-BE49-F238E27FC236}">
+                <a16:creationId xmlns:a16="http://schemas.microsoft.com/office/drawing/2014/main" id="{FD23FB8E-2267-CC7A-10FA-F5B49797B976}"/>
+              </a:ext>
+            </a:extLst>
+          </p:cNvPr>
+          <p:cNvSpPr>
+            <a:spLocks noGrp="1"/>
+          </p:cNvSpPr>
+          <p:nvPr>
+            <p:ph type="body" sz="quarter" idx="3"/>
+          </p:nvPr>
+        </p:nvSpPr>
+        <p:spPr/>
+        <p:txBody>
+          <a:bodyPr/>
+          <a:lstStyle/>
+          <a:p>
+            <a:r>
+              <a:rPr lang="en-US" dirty="0"/>
+              <a:t>3-d array</a:t>
+            </a:r>
+          </a:p>
+        </p:txBody>
+      </p:sp>
+      <p:sp>
+        <p:nvSpPr>
+          <p:cNvPr id="14" name="Content Placeholder 13">
+            <a:extLst>
+              <a:ext uri="{FF2B5EF4-FFF2-40B4-BE49-F238E27FC236}">
+                <a16:creationId xmlns:a16="http://schemas.microsoft.com/office/drawing/2014/main" id="{797B1C34-08CC-69FB-3A34-B3E0EC6DFEF7}"/>
+              </a:ext>
+            </a:extLst>
+          </p:cNvPr>
+          <p:cNvSpPr>
+            <a:spLocks noGrp="1"/>
+          </p:cNvSpPr>
+          <p:nvPr>
+            <p:ph sz="quarter" idx="4"/>
+          </p:nvPr>
+        </p:nvSpPr>
+        <p:spPr/>
+        <p:txBody>
+          <a:bodyPr/>
+          <a:lstStyle/>
+          <a:p>
+            <a:r>
+              <a:rPr lang="en-US" dirty="0"/>
+              <a:t>In a 3-D array it will go through all the 2-D arrays.</a:t>
+            </a:r>
+          </a:p>
+        </p:txBody>
+      </p:sp>
+      <p:sp>
+        <p:nvSpPr>
+          <p:cNvPr id="5" name="Date Placeholder 4">
+            <a:extLst>
+              <a:ext uri="{FF2B5EF4-FFF2-40B4-BE49-F238E27FC236}">
+                <a16:creationId xmlns:a16="http://schemas.microsoft.com/office/drawing/2014/main" id="{D2D8192C-ED32-9C95-BB7D-6658022D69BE}"/>
+              </a:ext>
+            </a:extLst>
+          </p:cNvPr>
+          <p:cNvSpPr>
+            <a:spLocks noGrp="1"/>
+          </p:cNvSpPr>
+          <p:nvPr>
+            <p:ph type="dt" sz="half" idx="10"/>
+          </p:nvPr>
+        </p:nvSpPr>
+        <p:spPr/>
+        <p:txBody>
+          <a:bodyPr/>
+          <a:lstStyle/>
+          <a:p>
+            <a:r>
+              <a:rPr lang="en-US"/>
+              <a:t>12/14/2022</a:t>
+            </a:r>
+          </a:p>
+        </p:txBody>
+      </p:sp>
+      <p:sp>
+        <p:nvSpPr>
+          <p:cNvPr id="6" name="Footer Placeholder 5">
+            <a:extLst>
+              <a:ext uri="{FF2B5EF4-FFF2-40B4-BE49-F238E27FC236}">
+                <a16:creationId xmlns:a16="http://schemas.microsoft.com/office/drawing/2014/main" id="{B77156E0-19A3-FD18-25E3-D893D2F2B027}"/>
+              </a:ext>
+            </a:extLst>
+          </p:cNvPr>
+          <p:cNvSpPr>
+            <a:spLocks noGrp="1"/>
+          </p:cNvSpPr>
+          <p:nvPr>
+            <p:ph type="ftr" sz="quarter" idx="11"/>
+          </p:nvPr>
+        </p:nvSpPr>
+        <p:spPr/>
+        <p:txBody>
+          <a:bodyPr/>
+          <a:lstStyle/>
+          <a:p>
+            <a:r>
+              <a:rPr lang="en-US"/>
+              <a:t>Pham Trung Kien - Python NumPy</a:t>
+            </a:r>
+            <a:endParaRPr lang="en-US" dirty="0"/>
+          </a:p>
+        </p:txBody>
+      </p:sp>
+      <p:sp>
+        <p:nvSpPr>
+          <p:cNvPr id="7" name="Slide Number Placeholder 6">
+            <a:extLst>
+              <a:ext uri="{FF2B5EF4-FFF2-40B4-BE49-F238E27FC236}">
+                <a16:creationId xmlns:a16="http://schemas.microsoft.com/office/drawing/2014/main" id="{4765B08F-33A3-D7F9-A246-AEE7A9779909}"/>
+              </a:ext>
+            </a:extLst>
+          </p:cNvPr>
+          <p:cNvSpPr>
+            <a:spLocks noGrp="1"/>
+          </p:cNvSpPr>
+          <p:nvPr>
+            <p:ph type="sldNum" sz="quarter" idx="12"/>
+          </p:nvPr>
+        </p:nvSpPr>
+        <p:spPr/>
+        <p:txBody>
+          <a:bodyPr/>
+          <a:lstStyle/>
+          <a:p>
+            <a:fld id="{C62155A9-2BEA-4E1A-A809-3AB570F0F126}" type="slidenum">
+              <a:rPr lang="en-US" smtClean="0"/>
+              <a:pPr/>
+              <a:t>36</a:t>
+            </a:fld>
+            <a:endParaRPr lang="en-US"/>
+          </a:p>
+        </p:txBody>
+      </p:sp>
+      <p:pic>
+        <p:nvPicPr>
+          <p:cNvPr id="18" name="Picture 17">
+            <a:extLst>
+              <a:ext uri="{FF2B5EF4-FFF2-40B4-BE49-F238E27FC236}">
+                <a16:creationId xmlns:a16="http://schemas.microsoft.com/office/drawing/2014/main" id="{532AB1D6-F270-D868-B200-C48525ECA9B8}"/>
+              </a:ext>
+            </a:extLst>
+          </p:cNvPr>
+          <p:cNvPicPr>
+            <a:picLocks noChangeAspect="1"/>
+          </p:cNvPicPr>
+          <p:nvPr/>
+        </p:nvPicPr>
+        <p:blipFill>
+          <a:blip r:embed="rId2"/>
+          <a:stretch>
+            <a:fillRect/>
+          </a:stretch>
+        </p:blipFill>
+        <p:spPr>
+          <a:xfrm>
+            <a:off x="6096000" y="2982733"/>
+            <a:ext cx="3815687" cy="3085972"/>
+          </a:xfrm>
+          <a:prstGeom prst="rect">
+            <a:avLst/>
+          </a:prstGeom>
+        </p:spPr>
+      </p:pic>
+      <p:pic>
+        <p:nvPicPr>
+          <p:cNvPr id="22" name="Picture 21">
+            <a:extLst>
+              <a:ext uri="{FF2B5EF4-FFF2-40B4-BE49-F238E27FC236}">
+                <a16:creationId xmlns:a16="http://schemas.microsoft.com/office/drawing/2014/main" id="{0BF52157-EA31-A234-B3FC-DFBB51E070F6}"/>
+              </a:ext>
+            </a:extLst>
+          </p:cNvPr>
+          <p:cNvPicPr>
+            <a:picLocks noChangeAspect="1"/>
+          </p:cNvPicPr>
+          <p:nvPr/>
+        </p:nvPicPr>
+        <p:blipFill>
+          <a:blip r:embed="rId3"/>
+          <a:stretch>
+            <a:fillRect/>
+          </a:stretch>
+        </p:blipFill>
+        <p:spPr>
+          <a:xfrm>
+            <a:off x="227770" y="2973253"/>
+            <a:ext cx="3053625" cy="2137537"/>
+          </a:xfrm>
+          <a:prstGeom prst="rect">
+            <a:avLst/>
+          </a:prstGeom>
+        </p:spPr>
+      </p:pic>
+      <p:sp>
+        <p:nvSpPr>
+          <p:cNvPr id="24" name="TextBox 23">
+            <a:extLst>
+              <a:ext uri="{FF2B5EF4-FFF2-40B4-BE49-F238E27FC236}">
+                <a16:creationId xmlns:a16="http://schemas.microsoft.com/office/drawing/2014/main" id="{CEF5CC5A-A96C-6001-9418-26F2100DE144}"/>
+              </a:ext>
+            </a:extLst>
+          </p:cNvPr>
+          <p:cNvSpPr txBox="1"/>
+          <p:nvPr/>
+        </p:nvSpPr>
+        <p:spPr>
+          <a:xfrm>
+            <a:off x="3281395" y="2954075"/>
+            <a:ext cx="1103993" cy="646331"/>
+          </a:xfrm>
+          <a:prstGeom prst="rect">
+            <a:avLst/>
+          </a:prstGeom>
+          <a:noFill/>
+          <a:ln>
+            <a:solidFill>
+              <a:schemeClr val="bg2"/>
+            </a:solidFill>
+          </a:ln>
+        </p:spPr>
+        <p:txBody>
+          <a:bodyPr wrap="square">
+            <a:spAutoFit/>
+          </a:bodyPr>
+          <a:lstStyle/>
+          <a:p>
+            <a:r>
+              <a:rPr lang="en-US" dirty="0"/>
+              <a:t>[1 2 3]</a:t>
+            </a:r>
+          </a:p>
+          <a:p>
+            <a:r>
+              <a:rPr lang="en-US" dirty="0"/>
+              <a:t>[4 5 6]</a:t>
+            </a:r>
+          </a:p>
+        </p:txBody>
+      </p:sp>
+      <p:sp>
+        <p:nvSpPr>
+          <p:cNvPr id="26" name="TextBox 25">
+            <a:extLst>
+              <a:ext uri="{FF2B5EF4-FFF2-40B4-BE49-F238E27FC236}">
+                <a16:creationId xmlns:a16="http://schemas.microsoft.com/office/drawing/2014/main" id="{ED875C22-6B30-48E5-D363-1A00ACBC4CEE}"/>
+              </a:ext>
+            </a:extLst>
+          </p:cNvPr>
+          <p:cNvSpPr txBox="1"/>
+          <p:nvPr/>
+        </p:nvSpPr>
+        <p:spPr>
+          <a:xfrm>
+            <a:off x="9911687" y="3000241"/>
+            <a:ext cx="1793810" cy="1200329"/>
+          </a:xfrm>
+          <a:prstGeom prst="rect">
+            <a:avLst/>
+          </a:prstGeom>
+          <a:noFill/>
+          <a:ln>
+            <a:solidFill>
+              <a:schemeClr val="bg2"/>
+            </a:solidFill>
+          </a:ln>
+        </p:spPr>
+        <p:txBody>
+          <a:bodyPr wrap="square">
+            <a:spAutoFit/>
+          </a:bodyPr>
+          <a:lstStyle/>
+          <a:p>
+            <a:r>
+              <a:rPr lang="en-US" dirty="0"/>
+              <a:t>[[1 2 3]</a:t>
+            </a:r>
+          </a:p>
+          <a:p>
+            <a:r>
+              <a:rPr lang="en-US" dirty="0"/>
+              <a:t> [4 5 6]]</a:t>
+            </a:r>
+          </a:p>
+          <a:p>
+            <a:r>
+              <a:rPr lang="en-US" dirty="0"/>
+              <a:t>[[ 7  8  9]</a:t>
+            </a:r>
+          </a:p>
+          <a:p>
+            <a:r>
+              <a:rPr lang="en-US" dirty="0"/>
+              <a:t> [10 11 12]]</a:t>
+            </a:r>
+          </a:p>
+        </p:txBody>
+      </p:sp>
+    </p:spTree>
+    <p:extLst>
+      <p:ext uri="{BB962C8B-B14F-4D97-AF65-F5344CB8AC3E}">
+        <p14:creationId xmlns:p14="http://schemas.microsoft.com/office/powerpoint/2010/main" val="115608638"/>
+      </p:ext>
+    </p:extLst>
+  </p:cSld>
+  <p:clrMapOvr>
+    <a:masterClrMapping/>
+  </p:clrMapOvr>
+  <mc:AlternateContent xmlns:mc="http://schemas.openxmlformats.org/markup-compatibility/2006" xmlns:p14="http://schemas.microsoft.com/office/powerpoint/2010/main">
+    <mc:Choice Requires="p14">
+      <p:transition spd="med" p14:dur="700">
+        <p:fade/>
+      </p:transition>
+    </mc:Choice>
+    <mc:Fallback xmlns="">
+      <p:transition spd="med">
+        <p:fade/>
+      </p:transition>
+    </mc:Fallback>
+  </mc:AlternateContent>
+</p:sld>
+</file>
+
+<file path=ppt/slides/slide37.xml><?xml version="1.0" encoding="utf-8"?>
+<p:sld xmlns:a="http://schemas.openxmlformats.org/drawingml/2006/main" xmlns:r="http://schemas.openxmlformats.org/officeDocument/2006/relationships" xmlns:p="http://schemas.openxmlformats.org/presentationml/2006/main">
+  <p:cSld>
+    <p:spTree>
+      <p:nvGrpSpPr>
+        <p:cNvPr id="1" name=""/>
+        <p:cNvGrpSpPr/>
+        <p:nvPr/>
+      </p:nvGrpSpPr>
+      <p:grpSpPr>
+        <a:xfrm>
+          <a:off x="0" y="0"/>
+          <a:ext cx="0" cy="0"/>
+          <a:chOff x="0" y="0"/>
+          <a:chExt cx="0" cy="0"/>
+        </a:xfrm>
+      </p:grpSpPr>
+      <p:sp>
+        <p:nvSpPr>
+          <p:cNvPr id="8" name="Title 7">
+            <a:extLst>
+              <a:ext uri="{FF2B5EF4-FFF2-40B4-BE49-F238E27FC236}">
+                <a16:creationId xmlns:a16="http://schemas.microsoft.com/office/drawing/2014/main" id="{3A2B4216-F292-2162-72D4-BAA2F4DC9E2E}"/>
+              </a:ext>
+            </a:extLst>
+          </p:cNvPr>
+          <p:cNvSpPr>
+            <a:spLocks noGrp="1"/>
+          </p:cNvSpPr>
+          <p:nvPr>
+            <p:ph type="title"/>
+          </p:nvPr>
+        </p:nvSpPr>
+        <p:spPr/>
+        <p:txBody>
+          <a:bodyPr/>
+          <a:lstStyle/>
+          <a:p>
+            <a:r>
+              <a:rPr lang="en-US" sz="3200" dirty="0"/>
+              <a:t>Iterating</a:t>
+            </a:r>
+            <a:r>
+              <a:rPr lang="en-US" dirty="0"/>
+              <a:t> n-D Arrays (n &gt; 1)</a:t>
+            </a:r>
+          </a:p>
+        </p:txBody>
+      </p:sp>
+      <p:sp>
+        <p:nvSpPr>
+          <p:cNvPr id="12" name="Content Placeholder 11">
+            <a:extLst>
+              <a:ext uri="{FF2B5EF4-FFF2-40B4-BE49-F238E27FC236}">
+                <a16:creationId xmlns:a16="http://schemas.microsoft.com/office/drawing/2014/main" id="{03D22FEA-DD8C-5B43-3FB9-C6AE8941B753}"/>
+              </a:ext>
+            </a:extLst>
+          </p:cNvPr>
+          <p:cNvSpPr>
+            <a:spLocks noGrp="1"/>
+          </p:cNvSpPr>
+          <p:nvPr>
+            <p:ph idx="1"/>
+          </p:nvPr>
+        </p:nvSpPr>
+        <p:spPr>
+          <a:xfrm>
+            <a:off x="862013" y="2057400"/>
+            <a:ext cx="4866983" cy="3895531"/>
+          </a:xfrm>
+        </p:spPr>
+        <p:txBody>
+          <a:bodyPr>
+            <a:normAutofit/>
+          </a:bodyPr>
+          <a:lstStyle/>
+          <a:p>
+            <a:r>
+              <a:rPr lang="en-US" sz="2400" dirty="0"/>
+              <a:t>If we iterate on a n-D array it will go through n-1th dimension one by one.</a:t>
+            </a:r>
+          </a:p>
+        </p:txBody>
+      </p:sp>
+      <p:sp>
+        <p:nvSpPr>
+          <p:cNvPr id="5" name="Date Placeholder 4">
+            <a:extLst>
+              <a:ext uri="{FF2B5EF4-FFF2-40B4-BE49-F238E27FC236}">
+                <a16:creationId xmlns:a16="http://schemas.microsoft.com/office/drawing/2014/main" id="{D2D8192C-ED32-9C95-BB7D-6658022D69BE}"/>
+              </a:ext>
+            </a:extLst>
+          </p:cNvPr>
+          <p:cNvSpPr>
+            <a:spLocks noGrp="1"/>
+          </p:cNvSpPr>
+          <p:nvPr>
+            <p:ph type="dt" sz="half" idx="10"/>
+          </p:nvPr>
+        </p:nvSpPr>
+        <p:spPr/>
+        <p:txBody>
+          <a:bodyPr/>
+          <a:lstStyle/>
+          <a:p>
+            <a:r>
+              <a:rPr lang="en-US"/>
+              <a:t>12/14/2022</a:t>
+            </a:r>
+          </a:p>
+        </p:txBody>
+      </p:sp>
+      <p:sp>
+        <p:nvSpPr>
+          <p:cNvPr id="6" name="Footer Placeholder 5">
+            <a:extLst>
+              <a:ext uri="{FF2B5EF4-FFF2-40B4-BE49-F238E27FC236}">
+                <a16:creationId xmlns:a16="http://schemas.microsoft.com/office/drawing/2014/main" id="{B77156E0-19A3-FD18-25E3-D893D2F2B027}"/>
+              </a:ext>
+            </a:extLst>
+          </p:cNvPr>
+          <p:cNvSpPr>
+            <a:spLocks noGrp="1"/>
+          </p:cNvSpPr>
+          <p:nvPr>
+            <p:ph type="ftr" sz="quarter" idx="11"/>
+          </p:nvPr>
+        </p:nvSpPr>
+        <p:spPr/>
+        <p:txBody>
+          <a:bodyPr/>
+          <a:lstStyle/>
+          <a:p>
+            <a:r>
+              <a:rPr lang="en-US"/>
+              <a:t>Pham Trung Kien - Python NumPy</a:t>
+            </a:r>
+            <a:endParaRPr lang="en-US" dirty="0"/>
+          </a:p>
+        </p:txBody>
+      </p:sp>
+      <p:sp>
+        <p:nvSpPr>
+          <p:cNvPr id="7" name="Slide Number Placeholder 6">
+            <a:extLst>
+              <a:ext uri="{FF2B5EF4-FFF2-40B4-BE49-F238E27FC236}">
+                <a16:creationId xmlns:a16="http://schemas.microsoft.com/office/drawing/2014/main" id="{4765B08F-33A3-D7F9-A246-AEE7A9779909}"/>
+              </a:ext>
+            </a:extLst>
+          </p:cNvPr>
+          <p:cNvSpPr>
+            <a:spLocks noGrp="1"/>
+          </p:cNvSpPr>
+          <p:nvPr>
+            <p:ph type="sldNum" sz="quarter" idx="12"/>
+          </p:nvPr>
+        </p:nvSpPr>
+        <p:spPr/>
+        <p:txBody>
+          <a:bodyPr/>
+          <a:lstStyle/>
+          <a:p>
+            <a:fld id="{C62155A9-2BEA-4E1A-A809-3AB570F0F126}" type="slidenum">
+              <a:rPr lang="en-US" smtClean="0"/>
+              <a:pPr/>
+              <a:t>37</a:t>
+            </a:fld>
+            <a:endParaRPr lang="en-US"/>
+          </a:p>
+        </p:txBody>
+      </p:sp>
+      <p:grpSp>
+        <p:nvGrpSpPr>
+          <p:cNvPr id="4" name="Group 3">
+            <a:extLst>
+              <a:ext uri="{FF2B5EF4-FFF2-40B4-BE49-F238E27FC236}">
+                <a16:creationId xmlns:a16="http://schemas.microsoft.com/office/drawing/2014/main" id="{39DC9DA0-E7F3-76DF-696B-82EB31454002}"/>
+              </a:ext>
+            </a:extLst>
+          </p:cNvPr>
+          <p:cNvGrpSpPr/>
+          <p:nvPr/>
+        </p:nvGrpSpPr>
+        <p:grpSpPr>
+          <a:xfrm>
+            <a:off x="6096000" y="1758488"/>
+            <a:ext cx="5371322" cy="2743864"/>
+            <a:chOff x="227770" y="2954075"/>
+            <a:chExt cx="4157618" cy="2156715"/>
+          </a:xfrm>
+        </p:grpSpPr>
+        <p:pic>
+          <p:nvPicPr>
+            <p:cNvPr id="22" name="Picture 21">
+              <a:extLst>
+                <a:ext uri="{FF2B5EF4-FFF2-40B4-BE49-F238E27FC236}">
+                  <a16:creationId xmlns:a16="http://schemas.microsoft.com/office/drawing/2014/main" id="{0BF52157-EA31-A234-B3FC-DFBB51E070F6}"/>
+                </a:ext>
+              </a:extLst>
+            </p:cNvPr>
+            <p:cNvPicPr>
+              <a:picLocks noChangeAspect="1"/>
+            </p:cNvPicPr>
+            <p:nvPr/>
+          </p:nvPicPr>
+          <p:blipFill>
+            <a:blip r:embed="rId2"/>
+            <a:stretch>
+              <a:fillRect/>
+            </a:stretch>
+          </p:blipFill>
+          <p:spPr>
+            <a:xfrm>
+              <a:off x="227770" y="2973253"/>
+              <a:ext cx="3053625" cy="2137537"/>
+            </a:xfrm>
+            <a:prstGeom prst="rect">
+              <a:avLst/>
+            </a:prstGeom>
+          </p:spPr>
+        </p:pic>
+        <p:sp>
+          <p:nvSpPr>
+            <p:cNvPr id="24" name="TextBox 23">
+              <a:extLst>
+                <a:ext uri="{FF2B5EF4-FFF2-40B4-BE49-F238E27FC236}">
+                  <a16:creationId xmlns:a16="http://schemas.microsoft.com/office/drawing/2014/main" id="{CEF5CC5A-A96C-6001-9418-26F2100DE144}"/>
+                </a:ext>
+              </a:extLst>
+            </p:cNvPr>
+            <p:cNvSpPr txBox="1"/>
+            <p:nvPr/>
+          </p:nvSpPr>
+          <p:spPr>
+            <a:xfrm>
+              <a:off x="3281395" y="2954075"/>
+              <a:ext cx="1103993" cy="646331"/>
+            </a:xfrm>
+            <a:prstGeom prst="rect">
+              <a:avLst/>
+            </a:prstGeom>
+            <a:noFill/>
+            <a:ln>
+              <a:solidFill>
+                <a:schemeClr val="bg2"/>
+              </a:solidFill>
+            </a:ln>
+          </p:spPr>
+          <p:txBody>
+            <a:bodyPr wrap="square">
+              <a:spAutoFit/>
+            </a:bodyPr>
+            <a:lstStyle/>
+            <a:p>
+              <a:r>
+                <a:rPr lang="en-US" dirty="0"/>
+                <a:t>[1 2 3]</a:t>
+              </a:r>
+            </a:p>
+            <a:p>
+              <a:r>
+                <a:rPr lang="en-US" dirty="0"/>
+                <a:t>[4 5 6]</a:t>
+              </a:r>
+            </a:p>
+          </p:txBody>
+        </p:sp>
+      </p:grpSp>
+    </p:spTree>
+    <p:extLst>
+      <p:ext uri="{BB962C8B-B14F-4D97-AF65-F5344CB8AC3E}">
+        <p14:creationId xmlns:p14="http://schemas.microsoft.com/office/powerpoint/2010/main" val="1690266140"/>
+      </p:ext>
+    </p:extLst>
+  </p:cSld>
+  <p:clrMapOvr>
+    <a:masterClrMapping/>
+  </p:clrMapOvr>
+  <mc:AlternateContent xmlns:mc="http://schemas.openxmlformats.org/markup-compatibility/2006" xmlns:p14="http://schemas.microsoft.com/office/powerpoint/2010/main">
+    <mc:Choice Requires="p14">
+      <p:transition spd="med" p14:dur="700">
+        <p:fade/>
+      </p:transition>
+    </mc:Choice>
+    <mc:Fallback xmlns="">
+      <p:transition spd="med">
+        <p:fade/>
+      </p:transition>
+    </mc:Fallback>
+  </mc:AlternateContent>
+</p:sld>
+</file>
+
+<file path=ppt/slides/slide38.xml><?xml version="1.0" encoding="utf-8"?>
+<p:sld xmlns:a="http://schemas.openxmlformats.org/drawingml/2006/main" xmlns:r="http://schemas.openxmlformats.org/officeDocument/2006/relationships" xmlns:p="http://schemas.openxmlformats.org/presentationml/2006/main">
+  <p:cSld>
+    <p:spTree>
+      <p:nvGrpSpPr>
+        <p:cNvPr id="1" name=""/>
+        <p:cNvGrpSpPr/>
+        <p:nvPr/>
+      </p:nvGrpSpPr>
+      <p:grpSpPr>
+        <a:xfrm>
+          <a:off x="0" y="0"/>
+          <a:ext cx="0" cy="0"/>
+          <a:chOff x="0" y="0"/>
+          <a:chExt cx="0" cy="0"/>
+        </a:xfrm>
+      </p:grpSpPr>
+      <p:sp>
+        <p:nvSpPr>
+          <p:cNvPr id="2" name="Title 1">
+            <a:extLst>
+              <a:ext uri="{FF2B5EF4-FFF2-40B4-BE49-F238E27FC236}">
+                <a16:creationId xmlns:a16="http://schemas.microsoft.com/office/drawing/2014/main" id="{26CB645B-EA62-3C96-DB99-8D32AF1D78F9}"/>
+              </a:ext>
+            </a:extLst>
+          </p:cNvPr>
+          <p:cNvSpPr>
+            <a:spLocks noGrp="1"/>
+          </p:cNvSpPr>
+          <p:nvPr>
+            <p:ph type="title"/>
+          </p:nvPr>
+        </p:nvSpPr>
+        <p:spPr/>
+        <p:txBody>
+          <a:bodyPr/>
+          <a:lstStyle/>
+          <a:p>
+            <a:endParaRPr lang="en-US"/>
+          </a:p>
+        </p:txBody>
+      </p:sp>
+      <p:sp>
+        <p:nvSpPr>
+          <p:cNvPr id="3" name="Content Placeholder 2">
+            <a:extLst>
+              <a:ext uri="{FF2B5EF4-FFF2-40B4-BE49-F238E27FC236}">
+                <a16:creationId xmlns:a16="http://schemas.microsoft.com/office/drawing/2014/main" id="{FF3EAFA8-C37D-1DB7-6782-59CF21C8C98A}"/>
+              </a:ext>
+            </a:extLst>
+          </p:cNvPr>
+          <p:cNvSpPr>
+            <a:spLocks noGrp="1"/>
+          </p:cNvSpPr>
+          <p:nvPr>
+            <p:ph sz="half" idx="1"/>
+          </p:nvPr>
+        </p:nvSpPr>
+        <p:spPr/>
+        <p:txBody>
+          <a:bodyPr>
+            <a:normAutofit/>
+          </a:bodyPr>
+          <a:lstStyle/>
+          <a:p>
+            <a:r>
+              <a:rPr lang="en-US" sz="2400" dirty="0"/>
+              <a:t>To return the actual values, the scalars, we have to iterate the arrays in each dimension.</a:t>
+            </a:r>
+          </a:p>
+          <a:p>
+            <a:endParaRPr lang="en-US" sz="2400" dirty="0"/>
+          </a:p>
+        </p:txBody>
+      </p:sp>
+      <p:sp>
+        <p:nvSpPr>
+          <p:cNvPr id="4" name="Content Placeholder 3">
+            <a:extLst>
+              <a:ext uri="{FF2B5EF4-FFF2-40B4-BE49-F238E27FC236}">
+                <a16:creationId xmlns:a16="http://schemas.microsoft.com/office/drawing/2014/main" id="{29C83EC3-2C50-E57E-161A-83BEAB72A691}"/>
+              </a:ext>
+            </a:extLst>
+          </p:cNvPr>
+          <p:cNvSpPr>
+            <a:spLocks noGrp="1"/>
+          </p:cNvSpPr>
+          <p:nvPr>
+            <p:ph sz="half" idx="2"/>
+          </p:nvPr>
+        </p:nvSpPr>
+        <p:spPr/>
+        <p:txBody>
+          <a:bodyPr>
+            <a:normAutofit/>
+          </a:bodyPr>
+          <a:lstStyle/>
+          <a:p>
+            <a:r>
+              <a:rPr lang="en-US" sz="2400" dirty="0"/>
+              <a:t>The function </a:t>
+            </a:r>
+            <a:r>
+              <a:rPr lang="en-US" sz="1600" b="0" i="0" dirty="0" err="1">
+                <a:solidFill>
+                  <a:srgbClr val="DC143C"/>
+                </a:solidFill>
+                <a:effectLst/>
+                <a:latin typeface="Consolas" panose="020B0609020204030204" pitchFamily="49" charset="0"/>
+              </a:rPr>
+              <a:t>nditer</a:t>
+            </a:r>
+            <a:r>
+              <a:rPr lang="en-US" sz="1600" dirty="0">
+                <a:solidFill>
+                  <a:srgbClr val="DC143C"/>
+                </a:solidFill>
+                <a:latin typeface="Consolas" panose="020B0609020204030204" pitchFamily="49" charset="0"/>
+              </a:rPr>
+              <a:t>()</a:t>
+            </a:r>
+            <a:r>
+              <a:rPr lang="en-US" sz="2400" dirty="0"/>
+              <a:t> helps looping through the array without worrying about write a bunch of </a:t>
+            </a:r>
+            <a:r>
+              <a:rPr lang="en-US" sz="2400" dirty="0" err="1"/>
+              <a:t>foops</a:t>
+            </a:r>
+            <a:endParaRPr lang="en-US" sz="2400" dirty="0"/>
+          </a:p>
+          <a:p>
+            <a:pPr marL="0" indent="0">
+              <a:buNone/>
+            </a:pPr>
+            <a:endParaRPr lang="en-US" sz="2400" dirty="0"/>
+          </a:p>
+        </p:txBody>
+      </p:sp>
+      <p:sp>
+        <p:nvSpPr>
+          <p:cNvPr id="5" name="Date Placeholder 4">
+            <a:extLst>
+              <a:ext uri="{FF2B5EF4-FFF2-40B4-BE49-F238E27FC236}">
+                <a16:creationId xmlns:a16="http://schemas.microsoft.com/office/drawing/2014/main" id="{B0487299-159E-137B-649D-95E73686BADC}"/>
+              </a:ext>
+            </a:extLst>
+          </p:cNvPr>
+          <p:cNvSpPr>
+            <a:spLocks noGrp="1"/>
+          </p:cNvSpPr>
+          <p:nvPr>
+            <p:ph type="dt" sz="half" idx="10"/>
+          </p:nvPr>
+        </p:nvSpPr>
+        <p:spPr/>
+        <p:txBody>
+          <a:bodyPr/>
+          <a:lstStyle/>
+          <a:p>
+            <a:r>
+              <a:rPr lang="en-US"/>
+              <a:t>12/14/2022</a:t>
+            </a:r>
+          </a:p>
+        </p:txBody>
+      </p:sp>
+      <p:sp>
+        <p:nvSpPr>
+          <p:cNvPr id="6" name="Footer Placeholder 5">
+            <a:extLst>
+              <a:ext uri="{FF2B5EF4-FFF2-40B4-BE49-F238E27FC236}">
+                <a16:creationId xmlns:a16="http://schemas.microsoft.com/office/drawing/2014/main" id="{3B5C27D1-9D61-5906-24F4-3197AF23519E}"/>
+              </a:ext>
+            </a:extLst>
+          </p:cNvPr>
+          <p:cNvSpPr>
+            <a:spLocks noGrp="1"/>
+          </p:cNvSpPr>
+          <p:nvPr>
+            <p:ph type="ftr" sz="quarter" idx="11"/>
+          </p:nvPr>
+        </p:nvSpPr>
+        <p:spPr/>
+        <p:txBody>
+          <a:bodyPr/>
+          <a:lstStyle/>
+          <a:p>
+            <a:r>
+              <a:rPr lang="en-US"/>
+              <a:t>Pham Trung Kien - Python NumPy</a:t>
+            </a:r>
+            <a:endParaRPr lang="en-US" dirty="0"/>
+          </a:p>
+        </p:txBody>
+      </p:sp>
+      <p:sp>
+        <p:nvSpPr>
+          <p:cNvPr id="7" name="Slide Number Placeholder 6">
+            <a:extLst>
+              <a:ext uri="{FF2B5EF4-FFF2-40B4-BE49-F238E27FC236}">
+                <a16:creationId xmlns:a16="http://schemas.microsoft.com/office/drawing/2014/main" id="{7BD3D718-6F77-24EE-D9C8-4CFBAE506B3E}"/>
+              </a:ext>
+            </a:extLst>
+          </p:cNvPr>
+          <p:cNvSpPr>
+            <a:spLocks noGrp="1"/>
+          </p:cNvSpPr>
+          <p:nvPr>
+            <p:ph type="sldNum" sz="quarter" idx="12"/>
+          </p:nvPr>
+        </p:nvSpPr>
+        <p:spPr/>
+        <p:txBody>
+          <a:bodyPr/>
+          <a:lstStyle/>
+          <a:p>
+            <a:fld id="{C62155A9-2BEA-4E1A-A809-3AB570F0F126}" type="slidenum">
+              <a:rPr lang="en-US" smtClean="0"/>
+              <a:pPr/>
+              <a:t>38</a:t>
+            </a:fld>
+            <a:endParaRPr lang="en-US"/>
+          </a:p>
+        </p:txBody>
+      </p:sp>
+      <p:pic>
+        <p:nvPicPr>
+          <p:cNvPr id="8" name="Picture 7">
+            <a:extLst>
+              <a:ext uri="{FF2B5EF4-FFF2-40B4-BE49-F238E27FC236}">
+                <a16:creationId xmlns:a16="http://schemas.microsoft.com/office/drawing/2014/main" id="{20F63495-00B6-C1D8-081A-FDC81397F683}"/>
+              </a:ext>
+            </a:extLst>
+          </p:cNvPr>
+          <p:cNvPicPr>
+            <a:picLocks noChangeAspect="1"/>
+          </p:cNvPicPr>
+          <p:nvPr/>
+        </p:nvPicPr>
+        <p:blipFill>
+          <a:blip r:embed="rId2"/>
+          <a:stretch>
+            <a:fillRect/>
+          </a:stretch>
+        </p:blipFill>
+        <p:spPr>
+          <a:xfrm>
+            <a:off x="838200" y="2961069"/>
+            <a:ext cx="5001208" cy="1582254"/>
+          </a:xfrm>
+          <a:prstGeom prst="rect">
+            <a:avLst/>
+          </a:prstGeom>
+        </p:spPr>
+      </p:pic>
+      <p:pic>
+        <p:nvPicPr>
+          <p:cNvPr id="12" name="Picture 11">
+            <a:extLst>
+              <a:ext uri="{FF2B5EF4-FFF2-40B4-BE49-F238E27FC236}">
+                <a16:creationId xmlns:a16="http://schemas.microsoft.com/office/drawing/2014/main" id="{C055F1DD-A432-9A6A-5EC9-44943C98577A}"/>
+              </a:ext>
+            </a:extLst>
+          </p:cNvPr>
+          <p:cNvPicPr>
+            <a:picLocks noChangeAspect="1"/>
+          </p:cNvPicPr>
+          <p:nvPr/>
+        </p:nvPicPr>
+        <p:blipFill>
+          <a:blip r:embed="rId3"/>
+          <a:stretch>
+            <a:fillRect/>
+          </a:stretch>
+        </p:blipFill>
+        <p:spPr>
+          <a:xfrm>
+            <a:off x="6272708" y="3225727"/>
+            <a:ext cx="5773113" cy="1595584"/>
+          </a:xfrm>
+          <a:prstGeom prst="rect">
+            <a:avLst/>
+          </a:prstGeom>
+        </p:spPr>
+      </p:pic>
+      <p:sp>
+        <p:nvSpPr>
+          <p:cNvPr id="15" name="TextBox 14">
+            <a:extLst>
+              <a:ext uri="{FF2B5EF4-FFF2-40B4-BE49-F238E27FC236}">
+                <a16:creationId xmlns:a16="http://schemas.microsoft.com/office/drawing/2014/main" id="{C59ECC7E-AD7F-76D6-57AA-56E9AE8387D8}"/>
+              </a:ext>
+            </a:extLst>
+          </p:cNvPr>
+          <p:cNvSpPr txBox="1"/>
+          <p:nvPr/>
+        </p:nvSpPr>
+        <p:spPr>
+          <a:xfrm>
+            <a:off x="6272708" y="4821311"/>
+            <a:ext cx="5773113" cy="369332"/>
+          </a:xfrm>
+          <a:prstGeom prst="rect">
+            <a:avLst/>
+          </a:prstGeom>
+          <a:noFill/>
+          <a:ln>
+            <a:solidFill>
+              <a:schemeClr val="bg2"/>
+            </a:solidFill>
+          </a:ln>
+        </p:spPr>
+        <p:txBody>
+          <a:bodyPr wrap="square">
+            <a:spAutoFit/>
+          </a:bodyPr>
+          <a:lstStyle/>
+          <a:p>
+            <a:r>
+              <a:rPr lang="en-US" dirty="0"/>
+              <a:t>1 2 3 4 5 6 7 8</a:t>
+            </a:r>
+          </a:p>
+        </p:txBody>
+      </p:sp>
+      <p:sp>
+        <p:nvSpPr>
+          <p:cNvPr id="16" name="TextBox 15">
+            <a:extLst>
+              <a:ext uri="{FF2B5EF4-FFF2-40B4-BE49-F238E27FC236}">
+                <a16:creationId xmlns:a16="http://schemas.microsoft.com/office/drawing/2014/main" id="{C931AF0A-B4AA-2A9A-4380-B179C1870653}"/>
+              </a:ext>
+            </a:extLst>
+          </p:cNvPr>
+          <p:cNvSpPr txBox="1"/>
+          <p:nvPr/>
+        </p:nvSpPr>
+        <p:spPr>
+          <a:xfrm>
+            <a:off x="838200" y="4537399"/>
+            <a:ext cx="5001208" cy="369332"/>
+          </a:xfrm>
+          <a:prstGeom prst="rect">
+            <a:avLst/>
+          </a:prstGeom>
+          <a:noFill/>
+          <a:ln>
+            <a:solidFill>
+              <a:schemeClr val="bg2"/>
+            </a:solidFill>
+          </a:ln>
+        </p:spPr>
+        <p:txBody>
+          <a:bodyPr wrap="square">
+            <a:spAutoFit/>
+          </a:bodyPr>
+          <a:lstStyle/>
+          <a:p>
+            <a:r>
+              <a:rPr lang="en-US" dirty="0"/>
+              <a:t>1 2 3 4 5 6 7 8</a:t>
+            </a:r>
+          </a:p>
+        </p:txBody>
+      </p:sp>
+    </p:spTree>
+    <p:extLst>
+      <p:ext uri="{BB962C8B-B14F-4D97-AF65-F5344CB8AC3E}">
+        <p14:creationId xmlns:p14="http://schemas.microsoft.com/office/powerpoint/2010/main" val="3184265003"/>
+      </p:ext>
+    </p:extLst>
+  </p:cSld>
+  <p:clrMapOvr>
+    <a:masterClrMapping/>
+  </p:clrMapOvr>
+  <mc:AlternateContent xmlns:mc="http://schemas.openxmlformats.org/markup-compatibility/2006" xmlns:p14="http://schemas.microsoft.com/office/powerpoint/2010/main">
+    <mc:Choice Requires="p14">
+      <p:transition spd="med" p14:dur="700">
+        <p:fade/>
+      </p:transition>
+    </mc:Choice>
+    <mc:Fallback xmlns="">
+      <p:transition spd="med">
+        <p:fade/>
+      </p:transition>
+    </mc:Fallback>
+  </mc:AlternateContent>
+</p:sld>
+</file>
+
+<file path=ppt/slides/slide39.xml><?xml version="1.0" encoding="utf-8"?>
+<p:sld xmlns:a="http://schemas.openxmlformats.org/drawingml/2006/main" xmlns:r="http://schemas.openxmlformats.org/officeDocument/2006/relationships" xmlns:p="http://schemas.openxmlformats.org/presentationml/2006/main">
+  <p:cSld>
+    <p:spTree>
+      <p:nvGrpSpPr>
+        <p:cNvPr id="1" name=""/>
+        <p:cNvGrpSpPr/>
+        <p:nvPr/>
+      </p:nvGrpSpPr>
+      <p:grpSpPr>
+        <a:xfrm>
+          <a:off x="0" y="0"/>
+          <a:ext cx="0" cy="0"/>
+          <a:chOff x="0" y="0"/>
+          <a:chExt cx="0" cy="0"/>
+        </a:xfrm>
+      </p:grpSpPr>
+      <p:sp>
+        <p:nvSpPr>
+          <p:cNvPr id="8" name="Title 7">
+            <a:extLst>
+              <a:ext uri="{FF2B5EF4-FFF2-40B4-BE49-F238E27FC236}">
+                <a16:creationId xmlns:a16="http://schemas.microsoft.com/office/drawing/2014/main" id="{3A2B4216-F292-2162-72D4-BAA2F4DC9E2E}"/>
+              </a:ext>
+            </a:extLst>
+          </p:cNvPr>
+          <p:cNvSpPr>
+            <a:spLocks noGrp="1"/>
+          </p:cNvSpPr>
+          <p:nvPr>
+            <p:ph type="title"/>
+          </p:nvPr>
+        </p:nvSpPr>
+        <p:spPr/>
+        <p:txBody>
+          <a:bodyPr/>
+          <a:lstStyle/>
+          <a:p>
+            <a:r>
+              <a:rPr lang="en-US" sz="3200" dirty="0"/>
+              <a:t>Iterating Array With Different Data Types</a:t>
+            </a:r>
+            <a:endParaRPr lang="en-US" dirty="0"/>
+          </a:p>
+        </p:txBody>
+      </p:sp>
+      <p:sp>
+        <p:nvSpPr>
+          <p:cNvPr id="12" name="Content Placeholder 11">
+            <a:extLst>
+              <a:ext uri="{FF2B5EF4-FFF2-40B4-BE49-F238E27FC236}">
+                <a16:creationId xmlns:a16="http://schemas.microsoft.com/office/drawing/2014/main" id="{03D22FEA-DD8C-5B43-3FB9-C6AE8941B753}"/>
+              </a:ext>
+            </a:extLst>
+          </p:cNvPr>
+          <p:cNvSpPr>
+            <a:spLocks noGrp="1"/>
+          </p:cNvSpPr>
+          <p:nvPr>
+            <p:ph idx="1"/>
+          </p:nvPr>
+        </p:nvSpPr>
+        <p:spPr>
+          <a:xfrm>
+            <a:off x="862013" y="2057400"/>
+            <a:ext cx="5233987" cy="3895531"/>
+          </a:xfrm>
+        </p:spPr>
+        <p:txBody>
+          <a:bodyPr>
+            <a:normAutofit lnSpcReduction="10000"/>
+          </a:bodyPr>
+          <a:lstStyle/>
+          <a:p>
+            <a:r>
+              <a:rPr lang="en-US" sz="2400" dirty="0"/>
+              <a:t>We can use </a:t>
+            </a:r>
+            <a:r>
+              <a:rPr lang="en-US" sz="1400" b="0" i="0" dirty="0" err="1">
+                <a:solidFill>
+                  <a:srgbClr val="DC143C"/>
+                </a:solidFill>
+                <a:effectLst/>
+                <a:latin typeface="Consolas" panose="020B0609020204030204" pitchFamily="49" charset="0"/>
+              </a:rPr>
+              <a:t>op_dtypes</a:t>
+            </a:r>
+            <a:r>
+              <a:rPr lang="en-US" sz="1400" b="0" i="0" dirty="0">
+                <a:solidFill>
+                  <a:srgbClr val="DC143C"/>
+                </a:solidFill>
+                <a:effectLst/>
+                <a:latin typeface="Consolas" panose="020B0609020204030204" pitchFamily="49" charset="0"/>
+              </a:rPr>
+              <a:t> </a:t>
+            </a:r>
+            <a:r>
+              <a:rPr lang="en-US" sz="2400" dirty="0"/>
+              <a:t>argument and pass it the expected datatype to change the datatype of elements while iterating.</a:t>
+            </a:r>
+          </a:p>
+          <a:p>
+            <a:r>
+              <a:rPr lang="en-US" sz="2400" dirty="0"/>
+              <a:t>NumPy does not change the data type of the original element.</a:t>
+            </a:r>
+          </a:p>
+          <a:p>
+            <a:r>
+              <a:rPr lang="en-US" sz="2400" dirty="0"/>
+              <a:t>In order to change data type of the element, in </a:t>
+            </a:r>
+            <a:r>
+              <a:rPr lang="en-US" sz="2400" dirty="0" err="1"/>
+              <a:t>nditer</a:t>
+            </a:r>
+            <a:r>
+              <a:rPr lang="en-US" sz="2400" dirty="0"/>
+              <a:t>() we pass </a:t>
+            </a:r>
+            <a:r>
+              <a:rPr lang="en-US" sz="1400" b="0" i="0" dirty="0">
+                <a:solidFill>
+                  <a:srgbClr val="DC143C"/>
+                </a:solidFill>
+                <a:effectLst/>
+                <a:latin typeface="Consolas" panose="020B0609020204030204" pitchFamily="49" charset="0"/>
+              </a:rPr>
+              <a:t>flags=['buffered']</a:t>
+            </a:r>
+            <a:r>
+              <a:rPr lang="en-US" sz="2400" dirty="0"/>
+              <a:t>.</a:t>
+            </a:r>
+          </a:p>
+        </p:txBody>
+      </p:sp>
+      <p:sp>
+        <p:nvSpPr>
+          <p:cNvPr id="5" name="Date Placeholder 4">
+            <a:extLst>
+              <a:ext uri="{FF2B5EF4-FFF2-40B4-BE49-F238E27FC236}">
+                <a16:creationId xmlns:a16="http://schemas.microsoft.com/office/drawing/2014/main" id="{D2D8192C-ED32-9C95-BB7D-6658022D69BE}"/>
+              </a:ext>
+            </a:extLst>
+          </p:cNvPr>
+          <p:cNvSpPr>
+            <a:spLocks noGrp="1"/>
+          </p:cNvSpPr>
+          <p:nvPr>
+            <p:ph type="dt" sz="half" idx="10"/>
+          </p:nvPr>
+        </p:nvSpPr>
+        <p:spPr/>
+        <p:txBody>
+          <a:bodyPr/>
+          <a:lstStyle/>
+          <a:p>
+            <a:r>
+              <a:rPr lang="en-US"/>
+              <a:t>12/14/2022</a:t>
+            </a:r>
+          </a:p>
+        </p:txBody>
+      </p:sp>
+      <p:sp>
+        <p:nvSpPr>
+          <p:cNvPr id="6" name="Footer Placeholder 5">
+            <a:extLst>
+              <a:ext uri="{FF2B5EF4-FFF2-40B4-BE49-F238E27FC236}">
+                <a16:creationId xmlns:a16="http://schemas.microsoft.com/office/drawing/2014/main" id="{B77156E0-19A3-FD18-25E3-D893D2F2B027}"/>
+              </a:ext>
+            </a:extLst>
+          </p:cNvPr>
+          <p:cNvSpPr>
+            <a:spLocks noGrp="1"/>
+          </p:cNvSpPr>
+          <p:nvPr>
+            <p:ph type="ftr" sz="quarter" idx="11"/>
+          </p:nvPr>
+        </p:nvSpPr>
+        <p:spPr/>
+        <p:txBody>
+          <a:bodyPr/>
+          <a:lstStyle/>
+          <a:p>
+            <a:r>
+              <a:rPr lang="en-US"/>
+              <a:t>Pham Trung Kien - Python NumPy</a:t>
+            </a:r>
+            <a:endParaRPr lang="en-US" dirty="0"/>
+          </a:p>
+        </p:txBody>
+      </p:sp>
+      <p:sp>
+        <p:nvSpPr>
+          <p:cNvPr id="7" name="Slide Number Placeholder 6">
+            <a:extLst>
+              <a:ext uri="{FF2B5EF4-FFF2-40B4-BE49-F238E27FC236}">
+                <a16:creationId xmlns:a16="http://schemas.microsoft.com/office/drawing/2014/main" id="{4765B08F-33A3-D7F9-A246-AEE7A9779909}"/>
+              </a:ext>
+            </a:extLst>
+          </p:cNvPr>
+          <p:cNvSpPr>
+            <a:spLocks noGrp="1"/>
+          </p:cNvSpPr>
+          <p:nvPr>
+            <p:ph type="sldNum" sz="quarter" idx="12"/>
+          </p:nvPr>
+        </p:nvSpPr>
+        <p:spPr/>
+        <p:txBody>
+          <a:bodyPr/>
+          <a:lstStyle/>
+          <a:p>
+            <a:fld id="{C62155A9-2BEA-4E1A-A809-3AB570F0F126}" type="slidenum">
+              <a:rPr lang="en-US" smtClean="0"/>
+              <a:pPr/>
+              <a:t>39</a:t>
+            </a:fld>
+            <a:endParaRPr lang="en-US"/>
+          </a:p>
+        </p:txBody>
+      </p:sp>
+      <p:pic>
+        <p:nvPicPr>
+          <p:cNvPr id="3" name="Picture 2">
+            <a:extLst>
+              <a:ext uri="{FF2B5EF4-FFF2-40B4-BE49-F238E27FC236}">
+                <a16:creationId xmlns:a16="http://schemas.microsoft.com/office/drawing/2014/main" id="{5629FEDA-783B-4565-C003-0B572C8E3D1E}"/>
+              </a:ext>
+            </a:extLst>
+          </p:cNvPr>
+          <p:cNvPicPr>
+            <a:picLocks noChangeAspect="1"/>
+          </p:cNvPicPr>
+          <p:nvPr/>
+        </p:nvPicPr>
+        <p:blipFill>
+          <a:blip r:embed="rId2"/>
+          <a:stretch>
+            <a:fillRect/>
+          </a:stretch>
+        </p:blipFill>
+        <p:spPr>
+          <a:xfrm>
+            <a:off x="5719665" y="1653981"/>
+            <a:ext cx="6335487" cy="1057852"/>
+          </a:xfrm>
+          <a:prstGeom prst="rect">
+            <a:avLst/>
+          </a:prstGeom>
+        </p:spPr>
+      </p:pic>
+      <p:sp>
+        <p:nvSpPr>
+          <p:cNvPr id="10" name="TextBox 9">
+            <a:extLst>
+              <a:ext uri="{FF2B5EF4-FFF2-40B4-BE49-F238E27FC236}">
+                <a16:creationId xmlns:a16="http://schemas.microsoft.com/office/drawing/2014/main" id="{AEAA399E-4595-BBB0-FB12-1D64406D44B5}"/>
+              </a:ext>
+            </a:extLst>
+          </p:cNvPr>
+          <p:cNvSpPr txBox="1"/>
+          <p:nvPr/>
+        </p:nvSpPr>
+        <p:spPr>
+          <a:xfrm>
+            <a:off x="5719665" y="2711833"/>
+            <a:ext cx="2456283" cy="369332"/>
+          </a:xfrm>
+          <a:prstGeom prst="rect">
+            <a:avLst/>
+          </a:prstGeom>
+          <a:noFill/>
+          <a:ln>
+            <a:solidFill>
+              <a:schemeClr val="bg2"/>
+            </a:solidFill>
+          </a:ln>
+        </p:spPr>
+        <p:txBody>
+          <a:bodyPr wrap="square">
+            <a:spAutoFit/>
+          </a:bodyPr>
+          <a:lstStyle/>
+          <a:p>
+            <a:r>
+              <a:rPr lang="en-US" dirty="0"/>
+              <a:t>b'1'- b'2'- b'3'-</a:t>
+            </a:r>
+          </a:p>
+        </p:txBody>
+      </p:sp>
+    </p:spTree>
+    <p:extLst>
+      <p:ext uri="{BB962C8B-B14F-4D97-AF65-F5344CB8AC3E}">
+        <p14:creationId xmlns:p14="http://schemas.microsoft.com/office/powerpoint/2010/main" val="2903502093"/>
       </p:ext>
     </p:extLst>
   </p:cSld>
@@ -16589,6 +18310,3056 @@
 </p:sld>
 </file>
 
+<file path=ppt/slides/slide40.xml><?xml version="1.0" encoding="utf-8"?>
+<p:sld xmlns:a="http://schemas.openxmlformats.org/drawingml/2006/main" xmlns:r="http://schemas.openxmlformats.org/officeDocument/2006/relationships" xmlns:p="http://schemas.openxmlformats.org/presentationml/2006/main">
+  <p:cSld>
+    <p:spTree>
+      <p:nvGrpSpPr>
+        <p:cNvPr id="1" name=""/>
+        <p:cNvGrpSpPr/>
+        <p:nvPr/>
+      </p:nvGrpSpPr>
+      <p:grpSpPr>
+        <a:xfrm>
+          <a:off x="0" y="0"/>
+          <a:ext cx="0" cy="0"/>
+          <a:chOff x="0" y="0"/>
+          <a:chExt cx="0" cy="0"/>
+        </a:xfrm>
+      </p:grpSpPr>
+      <p:sp>
+        <p:nvSpPr>
+          <p:cNvPr id="8" name="Title 7">
+            <a:extLst>
+              <a:ext uri="{FF2B5EF4-FFF2-40B4-BE49-F238E27FC236}">
+                <a16:creationId xmlns:a16="http://schemas.microsoft.com/office/drawing/2014/main" id="{3A2B4216-F292-2162-72D4-BAA2F4DC9E2E}"/>
+              </a:ext>
+            </a:extLst>
+          </p:cNvPr>
+          <p:cNvSpPr>
+            <a:spLocks noGrp="1"/>
+          </p:cNvSpPr>
+          <p:nvPr>
+            <p:ph type="title"/>
+          </p:nvPr>
+        </p:nvSpPr>
+        <p:spPr>
+          <a:xfrm>
+            <a:off x="862014" y="457200"/>
+            <a:ext cx="3932237" cy="1600200"/>
+          </a:xfrm>
+        </p:spPr>
+        <p:txBody>
+          <a:bodyPr/>
+          <a:lstStyle/>
+          <a:p>
+            <a:r>
+              <a:rPr lang="en-US" sz="3200" dirty="0"/>
+              <a:t>Iterating With Different Step Size</a:t>
+            </a:r>
+            <a:endParaRPr lang="en-US" dirty="0"/>
+          </a:p>
+        </p:txBody>
+      </p:sp>
+      <p:sp>
+        <p:nvSpPr>
+          <p:cNvPr id="12" name="Content Placeholder 11">
+            <a:extLst>
+              <a:ext uri="{FF2B5EF4-FFF2-40B4-BE49-F238E27FC236}">
+                <a16:creationId xmlns:a16="http://schemas.microsoft.com/office/drawing/2014/main" id="{03D22FEA-DD8C-5B43-3FB9-C6AE8941B753}"/>
+              </a:ext>
+            </a:extLst>
+          </p:cNvPr>
+          <p:cNvSpPr>
+            <a:spLocks noGrp="1"/>
+          </p:cNvSpPr>
+          <p:nvPr>
+            <p:ph idx="1"/>
+          </p:nvPr>
+        </p:nvSpPr>
+        <p:spPr>
+          <a:xfrm>
+            <a:off x="862014" y="2057400"/>
+            <a:ext cx="4727024" cy="3895531"/>
+          </a:xfrm>
+        </p:spPr>
+        <p:txBody>
+          <a:bodyPr>
+            <a:normAutofit/>
+          </a:bodyPr>
+          <a:lstStyle/>
+          <a:p>
+            <a:r>
+              <a:rPr lang="en-US" sz="2400" dirty="0"/>
+              <a:t>We can filter the iteration by define the step.</a:t>
+            </a:r>
+          </a:p>
+          <a:p>
+            <a:r>
+              <a:rPr lang="en-US" sz="2400" dirty="0"/>
+              <a:t>Similar to array indexing.</a:t>
+            </a:r>
+          </a:p>
+        </p:txBody>
+      </p:sp>
+      <p:sp>
+        <p:nvSpPr>
+          <p:cNvPr id="5" name="Date Placeholder 4">
+            <a:extLst>
+              <a:ext uri="{FF2B5EF4-FFF2-40B4-BE49-F238E27FC236}">
+                <a16:creationId xmlns:a16="http://schemas.microsoft.com/office/drawing/2014/main" id="{D2D8192C-ED32-9C95-BB7D-6658022D69BE}"/>
+              </a:ext>
+            </a:extLst>
+          </p:cNvPr>
+          <p:cNvSpPr>
+            <a:spLocks noGrp="1"/>
+          </p:cNvSpPr>
+          <p:nvPr>
+            <p:ph type="dt" sz="half" idx="10"/>
+          </p:nvPr>
+        </p:nvSpPr>
+        <p:spPr/>
+        <p:txBody>
+          <a:bodyPr/>
+          <a:lstStyle/>
+          <a:p>
+            <a:r>
+              <a:rPr lang="en-US"/>
+              <a:t>12/14/2022</a:t>
+            </a:r>
+          </a:p>
+        </p:txBody>
+      </p:sp>
+      <p:sp>
+        <p:nvSpPr>
+          <p:cNvPr id="6" name="Footer Placeholder 5">
+            <a:extLst>
+              <a:ext uri="{FF2B5EF4-FFF2-40B4-BE49-F238E27FC236}">
+                <a16:creationId xmlns:a16="http://schemas.microsoft.com/office/drawing/2014/main" id="{B77156E0-19A3-FD18-25E3-D893D2F2B027}"/>
+              </a:ext>
+            </a:extLst>
+          </p:cNvPr>
+          <p:cNvSpPr>
+            <a:spLocks noGrp="1"/>
+          </p:cNvSpPr>
+          <p:nvPr>
+            <p:ph type="ftr" sz="quarter" idx="11"/>
+          </p:nvPr>
+        </p:nvSpPr>
+        <p:spPr/>
+        <p:txBody>
+          <a:bodyPr/>
+          <a:lstStyle/>
+          <a:p>
+            <a:r>
+              <a:rPr lang="en-US"/>
+              <a:t>Pham Trung Kien - Python NumPy</a:t>
+            </a:r>
+            <a:endParaRPr lang="en-US" dirty="0"/>
+          </a:p>
+        </p:txBody>
+      </p:sp>
+      <p:sp>
+        <p:nvSpPr>
+          <p:cNvPr id="7" name="Slide Number Placeholder 6">
+            <a:extLst>
+              <a:ext uri="{FF2B5EF4-FFF2-40B4-BE49-F238E27FC236}">
+                <a16:creationId xmlns:a16="http://schemas.microsoft.com/office/drawing/2014/main" id="{4765B08F-33A3-D7F9-A246-AEE7A9779909}"/>
+              </a:ext>
+            </a:extLst>
+          </p:cNvPr>
+          <p:cNvSpPr>
+            <a:spLocks noGrp="1"/>
+          </p:cNvSpPr>
+          <p:nvPr>
+            <p:ph type="sldNum" sz="quarter" idx="12"/>
+          </p:nvPr>
+        </p:nvSpPr>
+        <p:spPr/>
+        <p:txBody>
+          <a:bodyPr/>
+          <a:lstStyle/>
+          <a:p>
+            <a:fld id="{C62155A9-2BEA-4E1A-A809-3AB570F0F126}" type="slidenum">
+              <a:rPr lang="en-US" smtClean="0"/>
+              <a:pPr/>
+              <a:t>40</a:t>
+            </a:fld>
+            <a:endParaRPr lang="en-US"/>
+          </a:p>
+        </p:txBody>
+      </p:sp>
+      <p:pic>
+        <p:nvPicPr>
+          <p:cNvPr id="11" name="Picture 10">
+            <a:extLst>
+              <a:ext uri="{FF2B5EF4-FFF2-40B4-BE49-F238E27FC236}">
+                <a16:creationId xmlns:a16="http://schemas.microsoft.com/office/drawing/2014/main" id="{513412B7-32A2-5B9B-AEA2-E0B67644DE25}"/>
+              </a:ext>
+            </a:extLst>
+          </p:cNvPr>
+          <p:cNvPicPr>
+            <a:picLocks noChangeAspect="1"/>
+          </p:cNvPicPr>
+          <p:nvPr/>
+        </p:nvPicPr>
+        <p:blipFill>
+          <a:blip r:embed="rId2"/>
+          <a:stretch>
+            <a:fillRect/>
+          </a:stretch>
+        </p:blipFill>
+        <p:spPr>
+          <a:xfrm>
+            <a:off x="862014" y="4012163"/>
+            <a:ext cx="8574336" cy="1768977"/>
+          </a:xfrm>
+          <a:prstGeom prst="rect">
+            <a:avLst/>
+          </a:prstGeom>
+        </p:spPr>
+      </p:pic>
+      <p:sp>
+        <p:nvSpPr>
+          <p:cNvPr id="14" name="TextBox 13">
+            <a:extLst>
+              <a:ext uri="{FF2B5EF4-FFF2-40B4-BE49-F238E27FC236}">
+                <a16:creationId xmlns:a16="http://schemas.microsoft.com/office/drawing/2014/main" id="{9CFE0F36-E0C5-689D-9EFF-3D7C531371F4}"/>
+              </a:ext>
+            </a:extLst>
+          </p:cNvPr>
+          <p:cNvSpPr txBox="1"/>
+          <p:nvPr/>
+        </p:nvSpPr>
+        <p:spPr>
+          <a:xfrm>
+            <a:off x="9436350" y="4005165"/>
+            <a:ext cx="1924438" cy="1200329"/>
+          </a:xfrm>
+          <a:prstGeom prst="rect">
+            <a:avLst/>
+          </a:prstGeom>
+          <a:noFill/>
+          <a:ln>
+            <a:solidFill>
+              <a:schemeClr val="bg2"/>
+            </a:solidFill>
+          </a:ln>
+        </p:spPr>
+        <p:txBody>
+          <a:bodyPr wrap="square">
+            <a:spAutoFit/>
+          </a:bodyPr>
+          <a:lstStyle/>
+          <a:p>
+            <a:r>
+              <a:rPr lang="en-US" dirty="0"/>
+              <a:t>1</a:t>
+            </a:r>
+          </a:p>
+          <a:p>
+            <a:r>
+              <a:rPr lang="en-US" dirty="0"/>
+              <a:t>3</a:t>
+            </a:r>
+          </a:p>
+          <a:p>
+            <a:r>
+              <a:rPr lang="en-US" dirty="0"/>
+              <a:t>5</a:t>
+            </a:r>
+          </a:p>
+          <a:p>
+            <a:r>
+              <a:rPr lang="en-US" dirty="0"/>
+              <a:t>7</a:t>
+            </a:r>
+          </a:p>
+        </p:txBody>
+      </p:sp>
+    </p:spTree>
+    <p:extLst>
+      <p:ext uri="{BB962C8B-B14F-4D97-AF65-F5344CB8AC3E}">
+        <p14:creationId xmlns:p14="http://schemas.microsoft.com/office/powerpoint/2010/main" val="3527221174"/>
+      </p:ext>
+    </p:extLst>
+  </p:cSld>
+  <p:clrMapOvr>
+    <a:masterClrMapping/>
+  </p:clrMapOvr>
+  <mc:AlternateContent xmlns:mc="http://schemas.openxmlformats.org/markup-compatibility/2006" xmlns:p14="http://schemas.microsoft.com/office/powerpoint/2010/main">
+    <mc:Choice Requires="p14">
+      <p:transition spd="med" p14:dur="700">
+        <p:fade/>
+      </p:transition>
+    </mc:Choice>
+    <mc:Fallback xmlns="">
+      <p:transition spd="med">
+        <p:fade/>
+      </p:transition>
+    </mc:Fallback>
+  </mc:AlternateContent>
+</p:sld>
+</file>
+
+<file path=ppt/slides/slide41.xml><?xml version="1.0" encoding="utf-8"?>
+<p:sld xmlns:a="http://schemas.openxmlformats.org/drawingml/2006/main" xmlns:r="http://schemas.openxmlformats.org/officeDocument/2006/relationships" xmlns:p="http://schemas.openxmlformats.org/presentationml/2006/main">
+  <p:cSld>
+    <p:spTree>
+      <p:nvGrpSpPr>
+        <p:cNvPr id="1" name=""/>
+        <p:cNvGrpSpPr/>
+        <p:nvPr/>
+      </p:nvGrpSpPr>
+      <p:grpSpPr>
+        <a:xfrm>
+          <a:off x="0" y="0"/>
+          <a:ext cx="0" cy="0"/>
+          <a:chOff x="0" y="0"/>
+          <a:chExt cx="0" cy="0"/>
+        </a:xfrm>
+      </p:grpSpPr>
+      <p:sp>
+        <p:nvSpPr>
+          <p:cNvPr id="8" name="Title 7">
+            <a:extLst>
+              <a:ext uri="{FF2B5EF4-FFF2-40B4-BE49-F238E27FC236}">
+                <a16:creationId xmlns:a16="http://schemas.microsoft.com/office/drawing/2014/main" id="{3A2B4216-F292-2162-72D4-BAA2F4DC9E2E}"/>
+              </a:ext>
+            </a:extLst>
+          </p:cNvPr>
+          <p:cNvSpPr>
+            <a:spLocks noGrp="1"/>
+          </p:cNvSpPr>
+          <p:nvPr>
+            <p:ph type="title"/>
+          </p:nvPr>
+        </p:nvSpPr>
+        <p:spPr>
+          <a:xfrm>
+            <a:off x="862014" y="457200"/>
+            <a:ext cx="3932237" cy="1600200"/>
+          </a:xfrm>
+        </p:spPr>
+        <p:txBody>
+          <a:bodyPr/>
+          <a:lstStyle/>
+          <a:p>
+            <a:r>
+              <a:rPr lang="en-US" sz="3200" dirty="0"/>
+              <a:t>Enumerated Iteration Using </a:t>
+            </a:r>
+            <a:r>
+              <a:rPr lang="en-US" sz="3200" dirty="0" err="1"/>
+              <a:t>ndenumerate</a:t>
+            </a:r>
+            <a:r>
+              <a:rPr lang="en-US" sz="3200" dirty="0"/>
+              <a:t>()</a:t>
+            </a:r>
+            <a:endParaRPr lang="en-US" dirty="0"/>
+          </a:p>
+        </p:txBody>
+      </p:sp>
+      <p:sp>
+        <p:nvSpPr>
+          <p:cNvPr id="12" name="Content Placeholder 11">
+            <a:extLst>
+              <a:ext uri="{FF2B5EF4-FFF2-40B4-BE49-F238E27FC236}">
+                <a16:creationId xmlns:a16="http://schemas.microsoft.com/office/drawing/2014/main" id="{03D22FEA-DD8C-5B43-3FB9-C6AE8941B753}"/>
+              </a:ext>
+            </a:extLst>
+          </p:cNvPr>
+          <p:cNvSpPr>
+            <a:spLocks noGrp="1"/>
+          </p:cNvSpPr>
+          <p:nvPr>
+            <p:ph idx="1"/>
+          </p:nvPr>
+        </p:nvSpPr>
+        <p:spPr>
+          <a:xfrm>
+            <a:off x="862013" y="2057400"/>
+            <a:ext cx="11258451" cy="1674845"/>
+          </a:xfrm>
+        </p:spPr>
+        <p:txBody>
+          <a:bodyPr>
+            <a:normAutofit/>
+          </a:bodyPr>
+          <a:lstStyle/>
+          <a:p>
+            <a:r>
+              <a:rPr lang="en-US" sz="2400" dirty="0"/>
+              <a:t>Enumeration means mentioning sequence number of somethings one by one.</a:t>
+            </a:r>
+          </a:p>
+          <a:p>
+            <a:r>
+              <a:rPr lang="en-US" sz="1400" dirty="0" err="1">
+                <a:solidFill>
+                  <a:srgbClr val="DC143C"/>
+                </a:solidFill>
+                <a:latin typeface="Consolas" panose="020B0609020204030204" pitchFamily="49" charset="0"/>
+              </a:rPr>
+              <a:t>n</a:t>
+            </a:r>
+            <a:r>
+              <a:rPr lang="en-US" sz="1400" b="0" i="0" dirty="0" err="1">
+                <a:solidFill>
+                  <a:srgbClr val="DC143C"/>
+                </a:solidFill>
+                <a:effectLst/>
+                <a:latin typeface="Consolas" panose="020B0609020204030204" pitchFamily="49" charset="0"/>
+              </a:rPr>
+              <a:t>denumerate</a:t>
+            </a:r>
+            <a:r>
+              <a:rPr lang="en-US" sz="1400" b="0" i="0" dirty="0">
+                <a:solidFill>
+                  <a:srgbClr val="DC143C"/>
+                </a:solidFill>
+                <a:effectLst/>
+                <a:latin typeface="Consolas" panose="020B0609020204030204" pitchFamily="49" charset="0"/>
+              </a:rPr>
+              <a:t>()</a:t>
+            </a:r>
+            <a:r>
+              <a:rPr lang="en-US" sz="2400" dirty="0"/>
+              <a:t> method let us know corresponding index of the element while iterating</a:t>
+            </a:r>
+          </a:p>
+        </p:txBody>
+      </p:sp>
+      <p:sp>
+        <p:nvSpPr>
+          <p:cNvPr id="5" name="Date Placeholder 4">
+            <a:extLst>
+              <a:ext uri="{FF2B5EF4-FFF2-40B4-BE49-F238E27FC236}">
+                <a16:creationId xmlns:a16="http://schemas.microsoft.com/office/drawing/2014/main" id="{D2D8192C-ED32-9C95-BB7D-6658022D69BE}"/>
+              </a:ext>
+            </a:extLst>
+          </p:cNvPr>
+          <p:cNvSpPr>
+            <a:spLocks noGrp="1"/>
+          </p:cNvSpPr>
+          <p:nvPr>
+            <p:ph type="dt" sz="half" idx="10"/>
+          </p:nvPr>
+        </p:nvSpPr>
+        <p:spPr/>
+        <p:txBody>
+          <a:bodyPr/>
+          <a:lstStyle/>
+          <a:p>
+            <a:r>
+              <a:rPr lang="en-US"/>
+              <a:t>12/14/2022</a:t>
+            </a:r>
+          </a:p>
+        </p:txBody>
+      </p:sp>
+      <p:sp>
+        <p:nvSpPr>
+          <p:cNvPr id="6" name="Footer Placeholder 5">
+            <a:extLst>
+              <a:ext uri="{FF2B5EF4-FFF2-40B4-BE49-F238E27FC236}">
+                <a16:creationId xmlns:a16="http://schemas.microsoft.com/office/drawing/2014/main" id="{B77156E0-19A3-FD18-25E3-D893D2F2B027}"/>
+              </a:ext>
+            </a:extLst>
+          </p:cNvPr>
+          <p:cNvSpPr>
+            <a:spLocks noGrp="1"/>
+          </p:cNvSpPr>
+          <p:nvPr>
+            <p:ph type="ftr" sz="quarter" idx="11"/>
+          </p:nvPr>
+        </p:nvSpPr>
+        <p:spPr/>
+        <p:txBody>
+          <a:bodyPr/>
+          <a:lstStyle/>
+          <a:p>
+            <a:r>
+              <a:rPr lang="en-US"/>
+              <a:t>Pham Trung Kien - Python NumPy</a:t>
+            </a:r>
+            <a:endParaRPr lang="en-US" dirty="0"/>
+          </a:p>
+        </p:txBody>
+      </p:sp>
+      <p:sp>
+        <p:nvSpPr>
+          <p:cNvPr id="7" name="Slide Number Placeholder 6">
+            <a:extLst>
+              <a:ext uri="{FF2B5EF4-FFF2-40B4-BE49-F238E27FC236}">
+                <a16:creationId xmlns:a16="http://schemas.microsoft.com/office/drawing/2014/main" id="{4765B08F-33A3-D7F9-A246-AEE7A9779909}"/>
+              </a:ext>
+            </a:extLst>
+          </p:cNvPr>
+          <p:cNvSpPr>
+            <a:spLocks noGrp="1"/>
+          </p:cNvSpPr>
+          <p:nvPr>
+            <p:ph type="sldNum" sz="quarter" idx="12"/>
+          </p:nvPr>
+        </p:nvSpPr>
+        <p:spPr/>
+        <p:txBody>
+          <a:bodyPr/>
+          <a:lstStyle/>
+          <a:p>
+            <a:fld id="{C62155A9-2BEA-4E1A-A809-3AB570F0F126}" type="slidenum">
+              <a:rPr lang="en-US" smtClean="0"/>
+              <a:pPr/>
+              <a:t>41</a:t>
+            </a:fld>
+            <a:endParaRPr lang="en-US"/>
+          </a:p>
+        </p:txBody>
+      </p:sp>
+      <p:pic>
+        <p:nvPicPr>
+          <p:cNvPr id="3" name="Picture 2">
+            <a:extLst>
+              <a:ext uri="{FF2B5EF4-FFF2-40B4-BE49-F238E27FC236}">
+                <a16:creationId xmlns:a16="http://schemas.microsoft.com/office/drawing/2014/main" id="{632EBE25-CE91-3386-4CF4-26CBE5BE620A}"/>
+              </a:ext>
+            </a:extLst>
+          </p:cNvPr>
+          <p:cNvPicPr>
+            <a:picLocks noChangeAspect="1"/>
+          </p:cNvPicPr>
+          <p:nvPr/>
+        </p:nvPicPr>
+        <p:blipFill>
+          <a:blip r:embed="rId2"/>
+          <a:stretch>
+            <a:fillRect/>
+          </a:stretch>
+        </p:blipFill>
+        <p:spPr>
+          <a:xfrm>
+            <a:off x="535197" y="3881535"/>
+            <a:ext cx="8226005" cy="2474815"/>
+          </a:xfrm>
+          <a:prstGeom prst="rect">
+            <a:avLst/>
+          </a:prstGeom>
+        </p:spPr>
+      </p:pic>
+      <p:sp>
+        <p:nvSpPr>
+          <p:cNvPr id="9" name="TextBox 8">
+            <a:extLst>
+              <a:ext uri="{FF2B5EF4-FFF2-40B4-BE49-F238E27FC236}">
+                <a16:creationId xmlns:a16="http://schemas.microsoft.com/office/drawing/2014/main" id="{E60A471A-30E3-181B-C8FC-2991B07571BC}"/>
+              </a:ext>
+            </a:extLst>
+          </p:cNvPr>
+          <p:cNvSpPr txBox="1"/>
+          <p:nvPr/>
+        </p:nvSpPr>
+        <p:spPr>
+          <a:xfrm>
+            <a:off x="8761202" y="3881535"/>
+            <a:ext cx="1523222" cy="2308324"/>
+          </a:xfrm>
+          <a:prstGeom prst="rect">
+            <a:avLst/>
+          </a:prstGeom>
+          <a:noFill/>
+          <a:ln>
+            <a:solidFill>
+              <a:schemeClr val="bg2"/>
+            </a:solidFill>
+          </a:ln>
+        </p:spPr>
+        <p:txBody>
+          <a:bodyPr wrap="square">
+            <a:spAutoFit/>
+          </a:bodyPr>
+          <a:lstStyle/>
+          <a:p>
+            <a:r>
+              <a:rPr lang="en-US" dirty="0"/>
+              <a:t>(0, 0) 1</a:t>
+            </a:r>
+          </a:p>
+          <a:p>
+            <a:r>
+              <a:rPr lang="en-US" dirty="0"/>
+              <a:t>(0, 1) 2</a:t>
+            </a:r>
+          </a:p>
+          <a:p>
+            <a:r>
+              <a:rPr lang="en-US" dirty="0"/>
+              <a:t>(0, 2) 3</a:t>
+            </a:r>
+          </a:p>
+          <a:p>
+            <a:r>
+              <a:rPr lang="en-US" dirty="0"/>
+              <a:t>(0, 3) 4</a:t>
+            </a:r>
+          </a:p>
+          <a:p>
+            <a:r>
+              <a:rPr lang="en-US" dirty="0"/>
+              <a:t>(1, 0) 5</a:t>
+            </a:r>
+          </a:p>
+          <a:p>
+            <a:r>
+              <a:rPr lang="en-US" dirty="0"/>
+              <a:t>(1, 1) 6</a:t>
+            </a:r>
+          </a:p>
+          <a:p>
+            <a:r>
+              <a:rPr lang="en-US" dirty="0"/>
+              <a:t>(1, 2) 7</a:t>
+            </a:r>
+          </a:p>
+          <a:p>
+            <a:r>
+              <a:rPr lang="en-US" dirty="0"/>
+              <a:t>(1, 3) 8</a:t>
+            </a:r>
+          </a:p>
+        </p:txBody>
+      </p:sp>
+    </p:spTree>
+    <p:extLst>
+      <p:ext uri="{BB962C8B-B14F-4D97-AF65-F5344CB8AC3E}">
+        <p14:creationId xmlns:p14="http://schemas.microsoft.com/office/powerpoint/2010/main" val="2526860737"/>
+      </p:ext>
+    </p:extLst>
+  </p:cSld>
+  <p:clrMapOvr>
+    <a:masterClrMapping/>
+  </p:clrMapOvr>
+  <mc:AlternateContent xmlns:mc="http://schemas.openxmlformats.org/markup-compatibility/2006" xmlns:p14="http://schemas.microsoft.com/office/powerpoint/2010/main">
+    <mc:Choice Requires="p14">
+      <p:transition spd="med" p14:dur="700">
+        <p:fade/>
+      </p:transition>
+    </mc:Choice>
+    <mc:Fallback xmlns="">
+      <p:transition spd="med">
+        <p:fade/>
+      </p:transition>
+    </mc:Fallback>
+  </mc:AlternateContent>
+</p:sld>
+</file>
+
+<file path=ppt/slides/slide42.xml><?xml version="1.0" encoding="utf-8"?>
+<p:sld xmlns:a="http://schemas.openxmlformats.org/drawingml/2006/main" xmlns:r="http://schemas.openxmlformats.org/officeDocument/2006/relationships" xmlns:p="http://schemas.openxmlformats.org/presentationml/2006/main">
+  <p:cSld>
+    <p:spTree>
+      <p:nvGrpSpPr>
+        <p:cNvPr id="1" name=""/>
+        <p:cNvGrpSpPr/>
+        <p:nvPr/>
+      </p:nvGrpSpPr>
+      <p:grpSpPr>
+        <a:xfrm>
+          <a:off x="0" y="0"/>
+          <a:ext cx="0" cy="0"/>
+          <a:chOff x="0" y="0"/>
+          <a:chExt cx="0" cy="0"/>
+        </a:xfrm>
+      </p:grpSpPr>
+      <p:sp>
+        <p:nvSpPr>
+          <p:cNvPr id="2" name="Title 1">
+            <a:extLst>
+              <a:ext uri="{FF2B5EF4-FFF2-40B4-BE49-F238E27FC236}">
+                <a16:creationId xmlns:a16="http://schemas.microsoft.com/office/drawing/2014/main" id="{1534501A-90DE-AF90-C5B5-076E14540A78}"/>
+              </a:ext>
+            </a:extLst>
+          </p:cNvPr>
+          <p:cNvSpPr>
+            <a:spLocks noGrp="1"/>
+          </p:cNvSpPr>
+          <p:nvPr>
+            <p:ph type="title"/>
+          </p:nvPr>
+        </p:nvSpPr>
+        <p:spPr/>
+        <p:txBody>
+          <a:bodyPr/>
+          <a:lstStyle/>
+          <a:p>
+            <a:r>
+              <a:rPr lang="en-US" dirty="0"/>
+              <a:t>NumPy Joining Array</a:t>
+            </a:r>
+          </a:p>
+        </p:txBody>
+      </p:sp>
+      <p:sp>
+        <p:nvSpPr>
+          <p:cNvPr id="3" name="Content Placeholder 2">
+            <a:extLst>
+              <a:ext uri="{FF2B5EF4-FFF2-40B4-BE49-F238E27FC236}">
+                <a16:creationId xmlns:a16="http://schemas.microsoft.com/office/drawing/2014/main" id="{B21E9C79-7E5E-0060-1F06-5F4FE78C2619}"/>
+              </a:ext>
+            </a:extLst>
+          </p:cNvPr>
+          <p:cNvSpPr>
+            <a:spLocks noGrp="1"/>
+          </p:cNvSpPr>
+          <p:nvPr>
+            <p:ph sz="half" idx="1"/>
+          </p:nvPr>
+        </p:nvSpPr>
+        <p:spPr>
+          <a:xfrm>
+            <a:off x="838200" y="1415078"/>
+            <a:ext cx="5181600" cy="4941272"/>
+          </a:xfrm>
+        </p:spPr>
+        <p:txBody>
+          <a:bodyPr/>
+          <a:lstStyle/>
+          <a:p>
+            <a:r>
+              <a:rPr lang="en-US" dirty="0"/>
+              <a:t>Joining means putting contents of two or more arrays in a single array.</a:t>
+            </a:r>
+          </a:p>
+          <a:p>
+            <a:r>
+              <a:rPr lang="en-US" dirty="0"/>
+              <a:t>In NumPy we join arrays by axes.</a:t>
+            </a:r>
+          </a:p>
+          <a:p>
+            <a:r>
+              <a:rPr lang="en-US" dirty="0"/>
+              <a:t>To join arrays, pass a sequence of arrays that we want to join to the </a:t>
+            </a:r>
+            <a:r>
+              <a:rPr lang="en-US" b="0" i="0" dirty="0">
+                <a:solidFill>
+                  <a:srgbClr val="DC143C"/>
+                </a:solidFill>
+                <a:effectLst/>
+                <a:latin typeface="Consolas" panose="020B0609020204030204" pitchFamily="49" charset="0"/>
+              </a:rPr>
+              <a:t>concatenate() </a:t>
+            </a:r>
+            <a:r>
+              <a:rPr lang="en-US" dirty="0"/>
+              <a:t>function, along with the axis.</a:t>
+            </a:r>
+          </a:p>
+          <a:p>
+            <a:pPr lvl="1"/>
+            <a:r>
+              <a:rPr lang="en-US" dirty="0"/>
+              <a:t>Default axis is 0.</a:t>
+            </a:r>
+          </a:p>
+        </p:txBody>
+      </p:sp>
+      <p:pic>
+        <p:nvPicPr>
+          <p:cNvPr id="9" name="Content Placeholder 8">
+            <a:extLst>
+              <a:ext uri="{FF2B5EF4-FFF2-40B4-BE49-F238E27FC236}">
+                <a16:creationId xmlns:a16="http://schemas.microsoft.com/office/drawing/2014/main" id="{D7EAB809-AB3D-7273-55FB-D9C1573E11A5}"/>
+              </a:ext>
+            </a:extLst>
+          </p:cNvPr>
+          <p:cNvPicPr>
+            <a:picLocks noGrp="1" noChangeAspect="1"/>
+          </p:cNvPicPr>
+          <p:nvPr>
+            <p:ph sz="half" idx="2"/>
+          </p:nvPr>
+        </p:nvPicPr>
+        <p:blipFill>
+          <a:blip r:embed="rId2"/>
+          <a:stretch>
+            <a:fillRect/>
+          </a:stretch>
+        </p:blipFill>
+        <p:spPr>
+          <a:xfrm>
+            <a:off x="6522301" y="1480738"/>
+            <a:ext cx="4831499" cy="2857748"/>
+          </a:xfrm>
+        </p:spPr>
+      </p:pic>
+      <p:sp>
+        <p:nvSpPr>
+          <p:cNvPr id="5" name="Date Placeholder 4">
+            <a:extLst>
+              <a:ext uri="{FF2B5EF4-FFF2-40B4-BE49-F238E27FC236}">
+                <a16:creationId xmlns:a16="http://schemas.microsoft.com/office/drawing/2014/main" id="{94D9FBAC-2BFE-4BC7-DC57-7D49C02911A4}"/>
+              </a:ext>
+            </a:extLst>
+          </p:cNvPr>
+          <p:cNvSpPr>
+            <a:spLocks noGrp="1"/>
+          </p:cNvSpPr>
+          <p:nvPr>
+            <p:ph type="dt" sz="half" idx="10"/>
+          </p:nvPr>
+        </p:nvSpPr>
+        <p:spPr/>
+        <p:txBody>
+          <a:bodyPr/>
+          <a:lstStyle/>
+          <a:p>
+            <a:r>
+              <a:rPr lang="en-US"/>
+              <a:t>12/14/2022</a:t>
+            </a:r>
+          </a:p>
+        </p:txBody>
+      </p:sp>
+      <p:sp>
+        <p:nvSpPr>
+          <p:cNvPr id="6" name="Footer Placeholder 5">
+            <a:extLst>
+              <a:ext uri="{FF2B5EF4-FFF2-40B4-BE49-F238E27FC236}">
+                <a16:creationId xmlns:a16="http://schemas.microsoft.com/office/drawing/2014/main" id="{2038D149-E6DC-1E2D-4221-34F0B7BBFABA}"/>
+              </a:ext>
+            </a:extLst>
+          </p:cNvPr>
+          <p:cNvSpPr>
+            <a:spLocks noGrp="1"/>
+          </p:cNvSpPr>
+          <p:nvPr>
+            <p:ph type="ftr" sz="quarter" idx="11"/>
+          </p:nvPr>
+        </p:nvSpPr>
+        <p:spPr/>
+        <p:txBody>
+          <a:bodyPr/>
+          <a:lstStyle/>
+          <a:p>
+            <a:r>
+              <a:rPr lang="en-US"/>
+              <a:t>Pham Trung Kien - Python NumPy</a:t>
+            </a:r>
+            <a:endParaRPr lang="en-US" dirty="0"/>
+          </a:p>
+        </p:txBody>
+      </p:sp>
+      <p:sp>
+        <p:nvSpPr>
+          <p:cNvPr id="7" name="Slide Number Placeholder 6">
+            <a:extLst>
+              <a:ext uri="{FF2B5EF4-FFF2-40B4-BE49-F238E27FC236}">
+                <a16:creationId xmlns:a16="http://schemas.microsoft.com/office/drawing/2014/main" id="{63FA4699-4FB2-4964-93B5-C9E49F25D525}"/>
+              </a:ext>
+            </a:extLst>
+          </p:cNvPr>
+          <p:cNvSpPr>
+            <a:spLocks noGrp="1"/>
+          </p:cNvSpPr>
+          <p:nvPr>
+            <p:ph type="sldNum" sz="quarter" idx="12"/>
+          </p:nvPr>
+        </p:nvSpPr>
+        <p:spPr/>
+        <p:txBody>
+          <a:bodyPr/>
+          <a:lstStyle/>
+          <a:p>
+            <a:fld id="{C62155A9-2BEA-4E1A-A809-3AB570F0F126}" type="slidenum">
+              <a:rPr lang="en-US" smtClean="0"/>
+              <a:pPr/>
+              <a:t>42</a:t>
+            </a:fld>
+            <a:endParaRPr lang="en-US"/>
+          </a:p>
+        </p:txBody>
+      </p:sp>
+      <p:sp>
+        <p:nvSpPr>
+          <p:cNvPr id="11" name="TextBox 10">
+            <a:extLst>
+              <a:ext uri="{FF2B5EF4-FFF2-40B4-BE49-F238E27FC236}">
+                <a16:creationId xmlns:a16="http://schemas.microsoft.com/office/drawing/2014/main" id="{EEC07DC7-DB57-47EE-67C9-1159E377F82F}"/>
+              </a:ext>
+            </a:extLst>
+          </p:cNvPr>
+          <p:cNvSpPr txBox="1"/>
+          <p:nvPr/>
+        </p:nvSpPr>
+        <p:spPr>
+          <a:xfrm>
+            <a:off x="6522301" y="4338486"/>
+            <a:ext cx="2302328" cy="369332"/>
+          </a:xfrm>
+          <a:prstGeom prst="rect">
+            <a:avLst/>
+          </a:prstGeom>
+          <a:noFill/>
+          <a:ln>
+            <a:solidFill>
+              <a:schemeClr val="bg2"/>
+            </a:solidFill>
+          </a:ln>
+        </p:spPr>
+        <p:txBody>
+          <a:bodyPr wrap="square">
+            <a:spAutoFit/>
+          </a:bodyPr>
+          <a:lstStyle/>
+          <a:p>
+            <a:r>
+              <a:rPr lang="en-US" dirty="0"/>
+              <a:t>&gt;&gt; [1 2 3 4 5 6]</a:t>
+            </a:r>
+          </a:p>
+        </p:txBody>
+      </p:sp>
+    </p:spTree>
+    <p:extLst>
+      <p:ext uri="{BB962C8B-B14F-4D97-AF65-F5344CB8AC3E}">
+        <p14:creationId xmlns:p14="http://schemas.microsoft.com/office/powerpoint/2010/main" val="1505686690"/>
+      </p:ext>
+    </p:extLst>
+  </p:cSld>
+  <p:clrMapOvr>
+    <a:masterClrMapping/>
+  </p:clrMapOvr>
+  <mc:AlternateContent xmlns:mc="http://schemas.openxmlformats.org/markup-compatibility/2006" xmlns:p14="http://schemas.microsoft.com/office/powerpoint/2010/main">
+    <mc:Choice Requires="p14">
+      <p:transition spd="med" p14:dur="700">
+        <p:fade/>
+      </p:transition>
+    </mc:Choice>
+    <mc:Fallback xmlns="">
+      <p:transition spd="med">
+        <p:fade/>
+      </p:transition>
+    </mc:Fallback>
+  </mc:AlternateContent>
+</p:sld>
+</file>
+
+<file path=ppt/slides/slide43.xml><?xml version="1.0" encoding="utf-8"?>
+<p:sld xmlns:a="http://schemas.openxmlformats.org/drawingml/2006/main" xmlns:r="http://schemas.openxmlformats.org/officeDocument/2006/relationships" xmlns:p="http://schemas.openxmlformats.org/presentationml/2006/main">
+  <p:cSld>
+    <p:spTree>
+      <p:nvGrpSpPr>
+        <p:cNvPr id="1" name=""/>
+        <p:cNvGrpSpPr/>
+        <p:nvPr/>
+      </p:nvGrpSpPr>
+      <p:grpSpPr>
+        <a:xfrm>
+          <a:off x="0" y="0"/>
+          <a:ext cx="0" cy="0"/>
+          <a:chOff x="0" y="0"/>
+          <a:chExt cx="0" cy="0"/>
+        </a:xfrm>
+      </p:grpSpPr>
+      <p:sp>
+        <p:nvSpPr>
+          <p:cNvPr id="8" name="Title 7">
+            <a:extLst>
+              <a:ext uri="{FF2B5EF4-FFF2-40B4-BE49-F238E27FC236}">
+                <a16:creationId xmlns:a16="http://schemas.microsoft.com/office/drawing/2014/main" id="{1E745C4A-EE9F-F095-D8D9-C81F51AA3BAC}"/>
+              </a:ext>
+            </a:extLst>
+          </p:cNvPr>
+          <p:cNvSpPr>
+            <a:spLocks noGrp="1"/>
+          </p:cNvSpPr>
+          <p:nvPr>
+            <p:ph type="title"/>
+          </p:nvPr>
+        </p:nvSpPr>
+        <p:spPr/>
+        <p:txBody>
+          <a:bodyPr/>
+          <a:lstStyle/>
+          <a:p>
+            <a:r>
+              <a:rPr lang="en-US" dirty="0"/>
+              <a:t>Joining 2-d array</a:t>
+            </a:r>
+          </a:p>
+        </p:txBody>
+      </p:sp>
+      <p:pic>
+        <p:nvPicPr>
+          <p:cNvPr id="16" name="Content Placeholder 15">
+            <a:extLst>
+              <a:ext uri="{FF2B5EF4-FFF2-40B4-BE49-F238E27FC236}">
+                <a16:creationId xmlns:a16="http://schemas.microsoft.com/office/drawing/2014/main" id="{25959819-0D82-484E-F2B4-5B4A71463013}"/>
+              </a:ext>
+            </a:extLst>
+          </p:cNvPr>
+          <p:cNvPicPr>
+            <a:picLocks noGrp="1" noChangeAspect="1"/>
+          </p:cNvPicPr>
+          <p:nvPr>
+            <p:ph idx="1"/>
+          </p:nvPr>
+        </p:nvPicPr>
+        <p:blipFill>
+          <a:blip r:embed="rId2"/>
+          <a:stretch>
+            <a:fillRect/>
+          </a:stretch>
+        </p:blipFill>
+        <p:spPr>
+          <a:xfrm>
+            <a:off x="929380" y="2789854"/>
+            <a:ext cx="7779300" cy="2771252"/>
+          </a:xfrm>
+        </p:spPr>
+      </p:pic>
+      <p:sp>
+        <p:nvSpPr>
+          <p:cNvPr id="5" name="Date Placeholder 4">
+            <a:extLst>
+              <a:ext uri="{FF2B5EF4-FFF2-40B4-BE49-F238E27FC236}">
+                <a16:creationId xmlns:a16="http://schemas.microsoft.com/office/drawing/2014/main" id="{9D1B27BF-F1B1-C8F2-1F89-9F9BDE3E90F5}"/>
+              </a:ext>
+            </a:extLst>
+          </p:cNvPr>
+          <p:cNvSpPr>
+            <a:spLocks noGrp="1"/>
+          </p:cNvSpPr>
+          <p:nvPr>
+            <p:ph type="dt" sz="half" idx="10"/>
+          </p:nvPr>
+        </p:nvSpPr>
+        <p:spPr/>
+        <p:txBody>
+          <a:bodyPr/>
+          <a:lstStyle/>
+          <a:p>
+            <a:r>
+              <a:rPr lang="en-US"/>
+              <a:t>12/14/2022</a:t>
+            </a:r>
+          </a:p>
+        </p:txBody>
+      </p:sp>
+      <p:sp>
+        <p:nvSpPr>
+          <p:cNvPr id="6" name="Footer Placeholder 5">
+            <a:extLst>
+              <a:ext uri="{FF2B5EF4-FFF2-40B4-BE49-F238E27FC236}">
+                <a16:creationId xmlns:a16="http://schemas.microsoft.com/office/drawing/2014/main" id="{3B558A32-848B-AA42-4503-7EBEF6C27713}"/>
+              </a:ext>
+            </a:extLst>
+          </p:cNvPr>
+          <p:cNvSpPr>
+            <a:spLocks noGrp="1"/>
+          </p:cNvSpPr>
+          <p:nvPr>
+            <p:ph type="ftr" sz="quarter" idx="11"/>
+          </p:nvPr>
+        </p:nvSpPr>
+        <p:spPr/>
+        <p:txBody>
+          <a:bodyPr/>
+          <a:lstStyle/>
+          <a:p>
+            <a:r>
+              <a:rPr lang="en-US"/>
+              <a:t>Pham Trung Kien - Python NumPy</a:t>
+            </a:r>
+            <a:endParaRPr lang="en-US" dirty="0"/>
+          </a:p>
+        </p:txBody>
+      </p:sp>
+      <p:sp>
+        <p:nvSpPr>
+          <p:cNvPr id="7" name="Slide Number Placeholder 6">
+            <a:extLst>
+              <a:ext uri="{FF2B5EF4-FFF2-40B4-BE49-F238E27FC236}">
+                <a16:creationId xmlns:a16="http://schemas.microsoft.com/office/drawing/2014/main" id="{7EFFD1D8-FEDF-4B43-4312-7096A7A27564}"/>
+              </a:ext>
+            </a:extLst>
+          </p:cNvPr>
+          <p:cNvSpPr>
+            <a:spLocks noGrp="1"/>
+          </p:cNvSpPr>
+          <p:nvPr>
+            <p:ph type="sldNum" sz="quarter" idx="12"/>
+          </p:nvPr>
+        </p:nvSpPr>
+        <p:spPr/>
+        <p:txBody>
+          <a:bodyPr/>
+          <a:lstStyle/>
+          <a:p>
+            <a:fld id="{C62155A9-2BEA-4E1A-A809-3AB570F0F126}" type="slidenum">
+              <a:rPr lang="en-US" smtClean="0"/>
+              <a:pPr/>
+              <a:t>43</a:t>
+            </a:fld>
+            <a:endParaRPr lang="en-US"/>
+          </a:p>
+        </p:txBody>
+      </p:sp>
+      <p:sp>
+        <p:nvSpPr>
+          <p:cNvPr id="12" name="TextBox 11">
+            <a:extLst>
+              <a:ext uri="{FF2B5EF4-FFF2-40B4-BE49-F238E27FC236}">
+                <a16:creationId xmlns:a16="http://schemas.microsoft.com/office/drawing/2014/main" id="{D5E5C9E6-4106-9E33-436E-8E2A1D01EEB2}"/>
+              </a:ext>
+            </a:extLst>
+          </p:cNvPr>
+          <p:cNvSpPr txBox="1"/>
+          <p:nvPr/>
+        </p:nvSpPr>
+        <p:spPr>
+          <a:xfrm>
+            <a:off x="8708680" y="2789854"/>
+            <a:ext cx="1736271" cy="646331"/>
+          </a:xfrm>
+          <a:prstGeom prst="rect">
+            <a:avLst/>
+          </a:prstGeom>
+          <a:noFill/>
+          <a:ln>
+            <a:solidFill>
+              <a:schemeClr val="bg2"/>
+            </a:solidFill>
+          </a:ln>
+        </p:spPr>
+        <p:txBody>
+          <a:bodyPr wrap="square">
+            <a:spAutoFit/>
+          </a:bodyPr>
+          <a:lstStyle/>
+          <a:p>
+            <a:r>
+              <a:rPr lang="en-US" dirty="0"/>
+              <a:t>[[1 2 5 6]</a:t>
+            </a:r>
+          </a:p>
+          <a:p>
+            <a:r>
+              <a:rPr lang="en-US" dirty="0"/>
+              <a:t> [3 4 7 8]]</a:t>
+            </a:r>
+          </a:p>
+        </p:txBody>
+      </p:sp>
+    </p:spTree>
+    <p:extLst>
+      <p:ext uri="{BB962C8B-B14F-4D97-AF65-F5344CB8AC3E}">
+        <p14:creationId xmlns:p14="http://schemas.microsoft.com/office/powerpoint/2010/main" val="360761988"/>
+      </p:ext>
+    </p:extLst>
+  </p:cSld>
+  <p:clrMapOvr>
+    <a:masterClrMapping/>
+  </p:clrMapOvr>
+  <mc:AlternateContent xmlns:mc="http://schemas.openxmlformats.org/markup-compatibility/2006" xmlns:p14="http://schemas.microsoft.com/office/powerpoint/2010/main">
+    <mc:Choice Requires="p14">
+      <p:transition spd="med" p14:dur="700">
+        <p:fade/>
+      </p:transition>
+    </mc:Choice>
+    <mc:Fallback xmlns="">
+      <p:transition spd="med">
+        <p:fade/>
+      </p:transition>
+    </mc:Fallback>
+  </mc:AlternateContent>
+</p:sld>
+</file>
+
+<file path=ppt/slides/slide44.xml><?xml version="1.0" encoding="utf-8"?>
+<p:sld xmlns:a="http://schemas.openxmlformats.org/drawingml/2006/main" xmlns:r="http://schemas.openxmlformats.org/officeDocument/2006/relationships" xmlns:p="http://schemas.openxmlformats.org/presentationml/2006/main">
+  <p:cSld>
+    <p:spTree>
+      <p:nvGrpSpPr>
+        <p:cNvPr id="1" name=""/>
+        <p:cNvGrpSpPr/>
+        <p:nvPr/>
+      </p:nvGrpSpPr>
+      <p:grpSpPr>
+        <a:xfrm>
+          <a:off x="0" y="0"/>
+          <a:ext cx="0" cy="0"/>
+          <a:chOff x="0" y="0"/>
+          <a:chExt cx="0" cy="0"/>
+        </a:xfrm>
+      </p:grpSpPr>
+      <p:sp>
+        <p:nvSpPr>
+          <p:cNvPr id="2" name="Title 1">
+            <a:extLst>
+              <a:ext uri="{FF2B5EF4-FFF2-40B4-BE49-F238E27FC236}">
+                <a16:creationId xmlns:a16="http://schemas.microsoft.com/office/drawing/2014/main" id="{1CF3908D-5A86-E1A3-4786-8456150F8656}"/>
+              </a:ext>
+            </a:extLst>
+          </p:cNvPr>
+          <p:cNvSpPr>
+            <a:spLocks noGrp="1"/>
+          </p:cNvSpPr>
+          <p:nvPr>
+            <p:ph type="title"/>
+          </p:nvPr>
+        </p:nvSpPr>
+        <p:spPr/>
+        <p:txBody>
+          <a:bodyPr/>
+          <a:lstStyle/>
+          <a:p>
+            <a:r>
+              <a:rPr lang="en-US" dirty="0"/>
+              <a:t>Joining Arrays Using Stack Functions</a:t>
+            </a:r>
+          </a:p>
+        </p:txBody>
+      </p:sp>
+      <p:sp>
+        <p:nvSpPr>
+          <p:cNvPr id="3" name="Content Placeholder 2">
+            <a:extLst>
+              <a:ext uri="{FF2B5EF4-FFF2-40B4-BE49-F238E27FC236}">
+                <a16:creationId xmlns:a16="http://schemas.microsoft.com/office/drawing/2014/main" id="{F0AA4F74-AA83-FC38-52CD-A7D95C9E0EFB}"/>
+              </a:ext>
+            </a:extLst>
+          </p:cNvPr>
+          <p:cNvSpPr>
+            <a:spLocks noGrp="1"/>
+          </p:cNvSpPr>
+          <p:nvPr>
+            <p:ph idx="1"/>
+          </p:nvPr>
+        </p:nvSpPr>
+        <p:spPr>
+          <a:xfrm>
+            <a:off x="838200" y="2057400"/>
+            <a:ext cx="5655906" cy="4873625"/>
+          </a:xfrm>
+        </p:spPr>
+        <p:txBody>
+          <a:bodyPr>
+            <a:normAutofit/>
+          </a:bodyPr>
+          <a:lstStyle/>
+          <a:p>
+            <a:r>
+              <a:rPr lang="en-US" sz="2400" dirty="0"/>
+              <a:t>Stacking is same as concatenation, the only difference is that stacking is done along a new axis.</a:t>
+            </a:r>
+          </a:p>
+          <a:p>
+            <a:r>
+              <a:rPr lang="en-US" sz="2400" dirty="0"/>
+              <a:t>It can only concatenate two or more 1-D arrays along the second axis which would result in putting them one over the other.</a:t>
+            </a:r>
+          </a:p>
+          <a:p>
+            <a:r>
+              <a:rPr lang="en-US" sz="2400" dirty="0"/>
+              <a:t>To join 1-d arrays using </a:t>
+            </a:r>
+            <a:r>
+              <a:rPr lang="en-US" sz="1400" b="0" i="0" dirty="0">
+                <a:solidFill>
+                  <a:srgbClr val="DC143C"/>
+                </a:solidFill>
+                <a:effectLst/>
+                <a:latin typeface="Consolas" panose="020B0609020204030204" pitchFamily="49" charset="0"/>
+              </a:rPr>
+              <a:t>stack()</a:t>
+            </a:r>
+            <a:r>
+              <a:rPr lang="en-US" sz="2400" dirty="0"/>
+              <a:t> method with the axis. </a:t>
+            </a:r>
+          </a:p>
+          <a:p>
+            <a:pPr lvl="1"/>
+            <a:r>
+              <a:rPr lang="en-US" sz="2000" dirty="0"/>
+              <a:t>The default axis is 0.</a:t>
+            </a:r>
+          </a:p>
+          <a:p>
+            <a:pPr lvl="1"/>
+            <a:r>
+              <a:rPr lang="en-US" sz="2000" dirty="0"/>
+              <a:t>Axis can be only 0 or 1.</a:t>
+            </a:r>
+          </a:p>
+        </p:txBody>
+      </p:sp>
+      <p:sp>
+        <p:nvSpPr>
+          <p:cNvPr id="5" name="Date Placeholder 4">
+            <a:extLst>
+              <a:ext uri="{FF2B5EF4-FFF2-40B4-BE49-F238E27FC236}">
+                <a16:creationId xmlns:a16="http://schemas.microsoft.com/office/drawing/2014/main" id="{FE2750B4-94C0-BE4B-92B5-DBCC0042573A}"/>
+              </a:ext>
+            </a:extLst>
+          </p:cNvPr>
+          <p:cNvSpPr>
+            <a:spLocks noGrp="1"/>
+          </p:cNvSpPr>
+          <p:nvPr>
+            <p:ph type="dt" sz="half" idx="10"/>
+          </p:nvPr>
+        </p:nvSpPr>
+        <p:spPr/>
+        <p:txBody>
+          <a:bodyPr/>
+          <a:lstStyle/>
+          <a:p>
+            <a:r>
+              <a:rPr lang="en-US"/>
+              <a:t>12/14/2022</a:t>
+            </a:r>
+          </a:p>
+        </p:txBody>
+      </p:sp>
+      <p:sp>
+        <p:nvSpPr>
+          <p:cNvPr id="6" name="Footer Placeholder 5">
+            <a:extLst>
+              <a:ext uri="{FF2B5EF4-FFF2-40B4-BE49-F238E27FC236}">
+                <a16:creationId xmlns:a16="http://schemas.microsoft.com/office/drawing/2014/main" id="{AEA505AB-92F8-E028-6208-EFFCDE3A305D}"/>
+              </a:ext>
+            </a:extLst>
+          </p:cNvPr>
+          <p:cNvSpPr>
+            <a:spLocks noGrp="1"/>
+          </p:cNvSpPr>
+          <p:nvPr>
+            <p:ph type="ftr" sz="quarter" idx="11"/>
+          </p:nvPr>
+        </p:nvSpPr>
+        <p:spPr/>
+        <p:txBody>
+          <a:bodyPr/>
+          <a:lstStyle/>
+          <a:p>
+            <a:r>
+              <a:rPr lang="en-US"/>
+              <a:t>Pham Trung Kien - Python NumPy</a:t>
+            </a:r>
+            <a:endParaRPr lang="en-US" dirty="0"/>
+          </a:p>
+        </p:txBody>
+      </p:sp>
+      <p:sp>
+        <p:nvSpPr>
+          <p:cNvPr id="7" name="Slide Number Placeholder 6">
+            <a:extLst>
+              <a:ext uri="{FF2B5EF4-FFF2-40B4-BE49-F238E27FC236}">
+                <a16:creationId xmlns:a16="http://schemas.microsoft.com/office/drawing/2014/main" id="{7BEE6B53-A210-2BCB-59BE-82C0E00E0BFD}"/>
+              </a:ext>
+            </a:extLst>
+          </p:cNvPr>
+          <p:cNvSpPr>
+            <a:spLocks noGrp="1"/>
+          </p:cNvSpPr>
+          <p:nvPr>
+            <p:ph type="sldNum" sz="quarter" idx="12"/>
+          </p:nvPr>
+        </p:nvSpPr>
+        <p:spPr/>
+        <p:txBody>
+          <a:bodyPr/>
+          <a:lstStyle/>
+          <a:p>
+            <a:fld id="{C62155A9-2BEA-4E1A-A809-3AB570F0F126}" type="slidenum">
+              <a:rPr lang="en-US" smtClean="0"/>
+              <a:pPr/>
+              <a:t>44</a:t>
+            </a:fld>
+            <a:endParaRPr lang="en-US"/>
+          </a:p>
+        </p:txBody>
+      </p:sp>
+      <p:pic>
+        <p:nvPicPr>
+          <p:cNvPr id="9" name="Picture 8">
+            <a:extLst>
+              <a:ext uri="{FF2B5EF4-FFF2-40B4-BE49-F238E27FC236}">
+                <a16:creationId xmlns:a16="http://schemas.microsoft.com/office/drawing/2014/main" id="{E275CFC3-CE79-50AC-4A30-B5B84A8154EF}"/>
+              </a:ext>
+            </a:extLst>
+          </p:cNvPr>
+          <p:cNvPicPr>
+            <a:picLocks noChangeAspect="1"/>
+          </p:cNvPicPr>
+          <p:nvPr/>
+        </p:nvPicPr>
+        <p:blipFill>
+          <a:blip r:embed="rId2"/>
+          <a:stretch>
+            <a:fillRect/>
+          </a:stretch>
+        </p:blipFill>
+        <p:spPr>
+          <a:xfrm>
+            <a:off x="5376545" y="274734"/>
+            <a:ext cx="6823645" cy="2197878"/>
+          </a:xfrm>
+          <a:prstGeom prst="rect">
+            <a:avLst/>
+          </a:prstGeom>
+        </p:spPr>
+      </p:pic>
+      <p:sp>
+        <p:nvSpPr>
+          <p:cNvPr id="11" name="TextBox 10">
+            <a:extLst>
+              <a:ext uri="{FF2B5EF4-FFF2-40B4-BE49-F238E27FC236}">
+                <a16:creationId xmlns:a16="http://schemas.microsoft.com/office/drawing/2014/main" id="{C70CB10E-1E70-A4FE-D6AF-C0E943FEEEAB}"/>
+              </a:ext>
+            </a:extLst>
+          </p:cNvPr>
+          <p:cNvSpPr txBox="1"/>
+          <p:nvPr/>
+        </p:nvSpPr>
+        <p:spPr>
+          <a:xfrm>
+            <a:off x="7680078" y="2472612"/>
+            <a:ext cx="1667069" cy="923330"/>
+          </a:xfrm>
+          <a:prstGeom prst="rect">
+            <a:avLst/>
+          </a:prstGeom>
+          <a:noFill/>
+          <a:ln>
+            <a:solidFill>
+              <a:schemeClr val="bg2"/>
+            </a:solidFill>
+          </a:ln>
+        </p:spPr>
+        <p:txBody>
+          <a:bodyPr wrap="square">
+            <a:spAutoFit/>
+          </a:bodyPr>
+          <a:lstStyle/>
+          <a:p>
+            <a:r>
+              <a:rPr lang="en-US" dirty="0"/>
+              <a:t>[[1 4 4]</a:t>
+            </a:r>
+          </a:p>
+          <a:p>
+            <a:r>
+              <a:rPr lang="en-US" dirty="0"/>
+              <a:t> [2 5 5]</a:t>
+            </a:r>
+          </a:p>
+          <a:p>
+            <a:r>
+              <a:rPr lang="en-US" dirty="0"/>
+              <a:t> [3 6 6]]</a:t>
+            </a:r>
+          </a:p>
+        </p:txBody>
+      </p:sp>
+    </p:spTree>
+    <p:extLst>
+      <p:ext uri="{BB962C8B-B14F-4D97-AF65-F5344CB8AC3E}">
+        <p14:creationId xmlns:p14="http://schemas.microsoft.com/office/powerpoint/2010/main" val="4164024120"/>
+      </p:ext>
+    </p:extLst>
+  </p:cSld>
+  <p:clrMapOvr>
+    <a:masterClrMapping/>
+  </p:clrMapOvr>
+  <mc:AlternateContent xmlns:mc="http://schemas.openxmlformats.org/markup-compatibility/2006" xmlns:p14="http://schemas.microsoft.com/office/powerpoint/2010/main">
+    <mc:Choice Requires="p14">
+      <p:transition spd="med" p14:dur="700">
+        <p:fade/>
+      </p:transition>
+    </mc:Choice>
+    <mc:Fallback xmlns="">
+      <p:transition spd="med">
+        <p:fade/>
+      </p:transition>
+    </mc:Fallback>
+  </mc:AlternateContent>
+</p:sld>
+</file>
+
+<file path=ppt/slides/slide45.xml><?xml version="1.0" encoding="utf-8"?>
+<p:sld xmlns:a="http://schemas.openxmlformats.org/drawingml/2006/main" xmlns:r="http://schemas.openxmlformats.org/officeDocument/2006/relationships" xmlns:p="http://schemas.openxmlformats.org/presentationml/2006/main">
+  <p:cSld>
+    <p:spTree>
+      <p:nvGrpSpPr>
+        <p:cNvPr id="1" name=""/>
+        <p:cNvGrpSpPr/>
+        <p:nvPr/>
+      </p:nvGrpSpPr>
+      <p:grpSpPr>
+        <a:xfrm>
+          <a:off x="0" y="0"/>
+          <a:ext cx="0" cy="0"/>
+          <a:chOff x="0" y="0"/>
+          <a:chExt cx="0" cy="0"/>
+        </a:xfrm>
+      </p:grpSpPr>
+      <p:sp>
+        <p:nvSpPr>
+          <p:cNvPr id="2" name="Title 1">
+            <a:extLst>
+              <a:ext uri="{FF2B5EF4-FFF2-40B4-BE49-F238E27FC236}">
+                <a16:creationId xmlns:a16="http://schemas.microsoft.com/office/drawing/2014/main" id="{B5C1C06B-937A-A254-C100-988115F252FA}"/>
+              </a:ext>
+            </a:extLst>
+          </p:cNvPr>
+          <p:cNvSpPr>
+            <a:spLocks noGrp="1"/>
+          </p:cNvSpPr>
+          <p:nvPr>
+            <p:ph type="title"/>
+          </p:nvPr>
+        </p:nvSpPr>
+        <p:spPr/>
+        <p:txBody>
+          <a:bodyPr/>
+          <a:lstStyle/>
+          <a:p>
+            <a:r>
+              <a:rPr lang="en-US" dirty="0"/>
+              <a:t>NumPy Splitting Array</a:t>
+            </a:r>
+          </a:p>
+        </p:txBody>
+      </p:sp>
+      <p:sp>
+        <p:nvSpPr>
+          <p:cNvPr id="3" name="Content Placeholder 2">
+            <a:extLst>
+              <a:ext uri="{FF2B5EF4-FFF2-40B4-BE49-F238E27FC236}">
+                <a16:creationId xmlns:a16="http://schemas.microsoft.com/office/drawing/2014/main" id="{B8E041F1-F72F-1AAC-1AC5-7459A17017FA}"/>
+              </a:ext>
+            </a:extLst>
+          </p:cNvPr>
+          <p:cNvSpPr>
+            <a:spLocks noGrp="1"/>
+          </p:cNvSpPr>
+          <p:nvPr>
+            <p:ph idx="1"/>
+          </p:nvPr>
+        </p:nvSpPr>
+        <p:spPr>
+          <a:xfrm>
+            <a:off x="838200" y="2057400"/>
+            <a:ext cx="4732176" cy="4873625"/>
+          </a:xfrm>
+        </p:spPr>
+        <p:txBody>
+          <a:bodyPr>
+            <a:normAutofit/>
+          </a:bodyPr>
+          <a:lstStyle/>
+          <a:p>
+            <a:r>
+              <a:rPr lang="en-US" sz="2400" dirty="0"/>
+              <a:t>Splitting is reverse operation of Joining.</a:t>
+            </a:r>
+          </a:p>
+          <a:p>
+            <a:r>
+              <a:rPr lang="en-US" sz="2400" dirty="0"/>
+              <a:t>Joining merges multiple arrays into one and Splitting breaks one array into multiple.</a:t>
+            </a:r>
+          </a:p>
+          <a:p>
+            <a:r>
+              <a:rPr lang="en-US" sz="2400" dirty="0"/>
+              <a:t>use </a:t>
+            </a:r>
+            <a:r>
+              <a:rPr lang="en-US" sz="1400" b="0" i="0" dirty="0">
+                <a:solidFill>
+                  <a:srgbClr val="DC143C"/>
+                </a:solidFill>
+                <a:effectLst/>
+                <a:latin typeface="Consolas" panose="020B0609020204030204" pitchFamily="49" charset="0"/>
+              </a:rPr>
+              <a:t>array_split() </a:t>
+            </a:r>
+            <a:r>
+              <a:rPr lang="en-US" sz="2400" dirty="0"/>
+              <a:t>for splitting arrays:</a:t>
+            </a:r>
+          </a:p>
+          <a:p>
+            <a:pPr lvl="1"/>
+            <a:r>
+              <a:rPr lang="en-US" sz="2000" dirty="0"/>
+              <a:t>Pass the array about to be splitted and the number of splits.</a:t>
+            </a:r>
+          </a:p>
+        </p:txBody>
+      </p:sp>
+      <p:sp>
+        <p:nvSpPr>
+          <p:cNvPr id="5" name="Date Placeholder 4">
+            <a:extLst>
+              <a:ext uri="{FF2B5EF4-FFF2-40B4-BE49-F238E27FC236}">
+                <a16:creationId xmlns:a16="http://schemas.microsoft.com/office/drawing/2014/main" id="{210F8ABC-FD9E-AE0C-2131-5939A9668BBD}"/>
+              </a:ext>
+            </a:extLst>
+          </p:cNvPr>
+          <p:cNvSpPr>
+            <a:spLocks noGrp="1"/>
+          </p:cNvSpPr>
+          <p:nvPr>
+            <p:ph type="dt" sz="half" idx="10"/>
+          </p:nvPr>
+        </p:nvSpPr>
+        <p:spPr/>
+        <p:txBody>
+          <a:bodyPr/>
+          <a:lstStyle/>
+          <a:p>
+            <a:r>
+              <a:rPr lang="en-US"/>
+              <a:t>12/14/2022</a:t>
+            </a:r>
+          </a:p>
+        </p:txBody>
+      </p:sp>
+      <p:sp>
+        <p:nvSpPr>
+          <p:cNvPr id="6" name="Footer Placeholder 5">
+            <a:extLst>
+              <a:ext uri="{FF2B5EF4-FFF2-40B4-BE49-F238E27FC236}">
+                <a16:creationId xmlns:a16="http://schemas.microsoft.com/office/drawing/2014/main" id="{50451D0A-1743-AF32-9BEC-1FAD45469A4C}"/>
+              </a:ext>
+            </a:extLst>
+          </p:cNvPr>
+          <p:cNvSpPr>
+            <a:spLocks noGrp="1"/>
+          </p:cNvSpPr>
+          <p:nvPr>
+            <p:ph type="ftr" sz="quarter" idx="11"/>
+          </p:nvPr>
+        </p:nvSpPr>
+        <p:spPr/>
+        <p:txBody>
+          <a:bodyPr/>
+          <a:lstStyle/>
+          <a:p>
+            <a:r>
+              <a:rPr lang="en-US"/>
+              <a:t>Pham Trung Kien - Python NumPy</a:t>
+            </a:r>
+            <a:endParaRPr lang="en-US" dirty="0"/>
+          </a:p>
+        </p:txBody>
+      </p:sp>
+      <p:sp>
+        <p:nvSpPr>
+          <p:cNvPr id="7" name="Slide Number Placeholder 6">
+            <a:extLst>
+              <a:ext uri="{FF2B5EF4-FFF2-40B4-BE49-F238E27FC236}">
+                <a16:creationId xmlns:a16="http://schemas.microsoft.com/office/drawing/2014/main" id="{2CBA0709-9CB1-2D17-D041-D8463E58B262}"/>
+              </a:ext>
+            </a:extLst>
+          </p:cNvPr>
+          <p:cNvSpPr>
+            <a:spLocks noGrp="1"/>
+          </p:cNvSpPr>
+          <p:nvPr>
+            <p:ph type="sldNum" sz="quarter" idx="12"/>
+          </p:nvPr>
+        </p:nvSpPr>
+        <p:spPr/>
+        <p:txBody>
+          <a:bodyPr/>
+          <a:lstStyle/>
+          <a:p>
+            <a:fld id="{C62155A9-2BEA-4E1A-A809-3AB570F0F126}" type="slidenum">
+              <a:rPr lang="en-US" smtClean="0"/>
+              <a:pPr/>
+              <a:t>45</a:t>
+            </a:fld>
+            <a:endParaRPr lang="en-US"/>
+          </a:p>
+        </p:txBody>
+      </p:sp>
+      <p:pic>
+        <p:nvPicPr>
+          <p:cNvPr id="11" name="Picture 10">
+            <a:extLst>
+              <a:ext uri="{FF2B5EF4-FFF2-40B4-BE49-F238E27FC236}">
+                <a16:creationId xmlns:a16="http://schemas.microsoft.com/office/drawing/2014/main" id="{AB67B143-238F-18D9-65DF-52B6CAAE804B}"/>
+              </a:ext>
+            </a:extLst>
+          </p:cNvPr>
+          <p:cNvPicPr>
+            <a:picLocks noChangeAspect="1"/>
+          </p:cNvPicPr>
+          <p:nvPr/>
+        </p:nvPicPr>
+        <p:blipFill>
+          <a:blip r:embed="rId2"/>
+          <a:stretch>
+            <a:fillRect/>
+          </a:stretch>
+        </p:blipFill>
+        <p:spPr>
+          <a:xfrm>
+            <a:off x="6096000" y="1644579"/>
+            <a:ext cx="4930567" cy="2225233"/>
+          </a:xfrm>
+          <a:prstGeom prst="rect">
+            <a:avLst/>
+          </a:prstGeom>
+        </p:spPr>
+      </p:pic>
+      <p:sp>
+        <p:nvSpPr>
+          <p:cNvPr id="13" name="TextBox 12">
+            <a:extLst>
+              <a:ext uri="{FF2B5EF4-FFF2-40B4-BE49-F238E27FC236}">
+                <a16:creationId xmlns:a16="http://schemas.microsoft.com/office/drawing/2014/main" id="{B88933DE-E7C5-6770-816A-CF6C74C5BD7F}"/>
+              </a:ext>
+            </a:extLst>
+          </p:cNvPr>
+          <p:cNvSpPr txBox="1"/>
+          <p:nvPr/>
+        </p:nvSpPr>
+        <p:spPr>
+          <a:xfrm>
+            <a:off x="6096000" y="3869812"/>
+            <a:ext cx="6097554" cy="369332"/>
+          </a:xfrm>
+          <a:prstGeom prst="rect">
+            <a:avLst/>
+          </a:prstGeom>
+          <a:noFill/>
+          <a:ln>
+            <a:solidFill>
+              <a:schemeClr val="bg2"/>
+            </a:solidFill>
+          </a:ln>
+        </p:spPr>
+        <p:txBody>
+          <a:bodyPr wrap="square">
+            <a:spAutoFit/>
+          </a:bodyPr>
+          <a:lstStyle/>
+          <a:p>
+            <a:r>
+              <a:rPr lang="en-US" dirty="0"/>
+              <a:t>[array([1, 2, 3]), array([4, 5, 6])]</a:t>
+            </a:r>
+          </a:p>
+        </p:txBody>
+      </p:sp>
+    </p:spTree>
+    <p:extLst>
+      <p:ext uri="{BB962C8B-B14F-4D97-AF65-F5344CB8AC3E}">
+        <p14:creationId xmlns:p14="http://schemas.microsoft.com/office/powerpoint/2010/main" val="2049091354"/>
+      </p:ext>
+    </p:extLst>
+  </p:cSld>
+  <p:clrMapOvr>
+    <a:masterClrMapping/>
+  </p:clrMapOvr>
+  <mc:AlternateContent xmlns:mc="http://schemas.openxmlformats.org/markup-compatibility/2006" xmlns:p14="http://schemas.microsoft.com/office/powerpoint/2010/main">
+    <mc:Choice Requires="p14">
+      <p:transition spd="med" p14:dur="700">
+        <p:fade/>
+      </p:transition>
+    </mc:Choice>
+    <mc:Fallback xmlns="">
+      <p:transition spd="med">
+        <p:fade/>
+      </p:transition>
+    </mc:Fallback>
+  </mc:AlternateContent>
+</p:sld>
+</file>
+
+<file path=ppt/slides/slide46.xml><?xml version="1.0" encoding="utf-8"?>
+<p:sld xmlns:a="http://schemas.openxmlformats.org/drawingml/2006/main" xmlns:r="http://schemas.openxmlformats.org/officeDocument/2006/relationships" xmlns:p="http://schemas.openxmlformats.org/presentationml/2006/main">
+  <p:cSld>
+    <p:spTree>
+      <p:nvGrpSpPr>
+        <p:cNvPr id="1" name=""/>
+        <p:cNvGrpSpPr/>
+        <p:nvPr/>
+      </p:nvGrpSpPr>
+      <p:grpSpPr>
+        <a:xfrm>
+          <a:off x="0" y="0"/>
+          <a:ext cx="0" cy="0"/>
+          <a:chOff x="0" y="0"/>
+          <a:chExt cx="0" cy="0"/>
+        </a:xfrm>
+      </p:grpSpPr>
+      <p:sp>
+        <p:nvSpPr>
+          <p:cNvPr id="3" name="Content Placeholder 2">
+            <a:extLst>
+              <a:ext uri="{FF2B5EF4-FFF2-40B4-BE49-F238E27FC236}">
+                <a16:creationId xmlns:a16="http://schemas.microsoft.com/office/drawing/2014/main" id="{B8E041F1-F72F-1AAC-1AC5-7459A17017FA}"/>
+              </a:ext>
+            </a:extLst>
+          </p:cNvPr>
+          <p:cNvSpPr>
+            <a:spLocks noGrp="1"/>
+          </p:cNvSpPr>
+          <p:nvPr>
+            <p:ph idx="1"/>
+          </p:nvPr>
+        </p:nvSpPr>
+        <p:spPr>
+          <a:xfrm>
+            <a:off x="838200" y="2057400"/>
+            <a:ext cx="4732176" cy="4873625"/>
+          </a:xfrm>
+        </p:spPr>
+        <p:txBody>
+          <a:bodyPr>
+            <a:normAutofit/>
+          </a:bodyPr>
+          <a:lstStyle/>
+          <a:p>
+            <a:r>
+              <a:rPr lang="en-US" sz="2000" dirty="0"/>
+              <a:t>If the array has less elements than required, it will adjust from the end accordingly.</a:t>
+            </a:r>
+          </a:p>
+          <a:p>
+            <a:r>
+              <a:rPr lang="en-US" sz="2000" dirty="0"/>
+              <a:t>If the number of splits is 0</a:t>
+            </a:r>
+          </a:p>
+          <a:p>
+            <a:pPr lvl="1"/>
+            <a:r>
+              <a:rPr lang="en-US" sz="1600" dirty="0"/>
+              <a:t>It raise a ‘ValueError: number sections must be larger than 0’</a:t>
+            </a:r>
+          </a:p>
+          <a:p>
+            <a:pPr lvl="1"/>
+            <a:endParaRPr lang="en-US" sz="1600" dirty="0"/>
+          </a:p>
+        </p:txBody>
+      </p:sp>
+      <p:sp>
+        <p:nvSpPr>
+          <p:cNvPr id="5" name="Date Placeholder 4">
+            <a:extLst>
+              <a:ext uri="{FF2B5EF4-FFF2-40B4-BE49-F238E27FC236}">
+                <a16:creationId xmlns:a16="http://schemas.microsoft.com/office/drawing/2014/main" id="{210F8ABC-FD9E-AE0C-2131-5939A9668BBD}"/>
+              </a:ext>
+            </a:extLst>
+          </p:cNvPr>
+          <p:cNvSpPr>
+            <a:spLocks noGrp="1"/>
+          </p:cNvSpPr>
+          <p:nvPr>
+            <p:ph type="dt" sz="half" idx="10"/>
+          </p:nvPr>
+        </p:nvSpPr>
+        <p:spPr/>
+        <p:txBody>
+          <a:bodyPr/>
+          <a:lstStyle/>
+          <a:p>
+            <a:r>
+              <a:rPr lang="en-US"/>
+              <a:t>12/14/2022</a:t>
+            </a:r>
+          </a:p>
+        </p:txBody>
+      </p:sp>
+      <p:sp>
+        <p:nvSpPr>
+          <p:cNvPr id="6" name="Footer Placeholder 5">
+            <a:extLst>
+              <a:ext uri="{FF2B5EF4-FFF2-40B4-BE49-F238E27FC236}">
+                <a16:creationId xmlns:a16="http://schemas.microsoft.com/office/drawing/2014/main" id="{50451D0A-1743-AF32-9BEC-1FAD45469A4C}"/>
+              </a:ext>
+            </a:extLst>
+          </p:cNvPr>
+          <p:cNvSpPr>
+            <a:spLocks noGrp="1"/>
+          </p:cNvSpPr>
+          <p:nvPr>
+            <p:ph type="ftr" sz="quarter" idx="11"/>
+          </p:nvPr>
+        </p:nvSpPr>
+        <p:spPr/>
+        <p:txBody>
+          <a:bodyPr/>
+          <a:lstStyle/>
+          <a:p>
+            <a:r>
+              <a:rPr lang="en-US"/>
+              <a:t>Pham Trung Kien - Python NumPy</a:t>
+            </a:r>
+            <a:endParaRPr lang="en-US" dirty="0"/>
+          </a:p>
+        </p:txBody>
+      </p:sp>
+      <p:sp>
+        <p:nvSpPr>
+          <p:cNvPr id="7" name="Slide Number Placeholder 6">
+            <a:extLst>
+              <a:ext uri="{FF2B5EF4-FFF2-40B4-BE49-F238E27FC236}">
+                <a16:creationId xmlns:a16="http://schemas.microsoft.com/office/drawing/2014/main" id="{2CBA0709-9CB1-2D17-D041-D8463E58B262}"/>
+              </a:ext>
+            </a:extLst>
+          </p:cNvPr>
+          <p:cNvSpPr>
+            <a:spLocks noGrp="1"/>
+          </p:cNvSpPr>
+          <p:nvPr>
+            <p:ph type="sldNum" sz="quarter" idx="12"/>
+          </p:nvPr>
+        </p:nvSpPr>
+        <p:spPr/>
+        <p:txBody>
+          <a:bodyPr/>
+          <a:lstStyle/>
+          <a:p>
+            <a:fld id="{C62155A9-2BEA-4E1A-A809-3AB570F0F126}" type="slidenum">
+              <a:rPr lang="en-US" smtClean="0"/>
+              <a:pPr/>
+              <a:t>46</a:t>
+            </a:fld>
+            <a:endParaRPr lang="en-US"/>
+          </a:p>
+        </p:txBody>
+      </p:sp>
+      <p:pic>
+        <p:nvPicPr>
+          <p:cNvPr id="8" name="Picture 7">
+            <a:extLst>
+              <a:ext uri="{FF2B5EF4-FFF2-40B4-BE49-F238E27FC236}">
+                <a16:creationId xmlns:a16="http://schemas.microsoft.com/office/drawing/2014/main" id="{F9084479-70C9-F491-05DF-B961AC7FB026}"/>
+              </a:ext>
+            </a:extLst>
+          </p:cNvPr>
+          <p:cNvPicPr>
+            <a:picLocks noChangeAspect="1"/>
+          </p:cNvPicPr>
+          <p:nvPr/>
+        </p:nvPicPr>
+        <p:blipFill>
+          <a:blip r:embed="rId2"/>
+          <a:stretch>
+            <a:fillRect/>
+          </a:stretch>
+        </p:blipFill>
+        <p:spPr>
+          <a:xfrm>
+            <a:off x="6006784" y="705641"/>
+            <a:ext cx="5347016" cy="2519187"/>
+          </a:xfrm>
+          <a:prstGeom prst="rect">
+            <a:avLst/>
+          </a:prstGeom>
+        </p:spPr>
+      </p:pic>
+      <p:sp>
+        <p:nvSpPr>
+          <p:cNvPr id="14" name="TextBox 13">
+            <a:extLst>
+              <a:ext uri="{FF2B5EF4-FFF2-40B4-BE49-F238E27FC236}">
+                <a16:creationId xmlns:a16="http://schemas.microsoft.com/office/drawing/2014/main" id="{93D1B953-A87C-07AE-3DCE-12D00B7B8936}"/>
+              </a:ext>
+            </a:extLst>
+          </p:cNvPr>
+          <p:cNvSpPr txBox="1"/>
+          <p:nvPr/>
+        </p:nvSpPr>
+        <p:spPr>
+          <a:xfrm>
+            <a:off x="6006784" y="3209350"/>
+            <a:ext cx="6096000" cy="369332"/>
+          </a:xfrm>
+          <a:prstGeom prst="rect">
+            <a:avLst/>
+          </a:prstGeom>
+          <a:noFill/>
+          <a:ln>
+            <a:solidFill>
+              <a:schemeClr val="bg2"/>
+            </a:solidFill>
+          </a:ln>
+        </p:spPr>
+        <p:txBody>
+          <a:bodyPr wrap="square">
+            <a:spAutoFit/>
+          </a:bodyPr>
+          <a:lstStyle/>
+          <a:p>
+            <a:r>
+              <a:rPr lang="en-US" dirty="0"/>
+              <a:t>[array([1, 2]), array([3, 4]), array([5]), array([6])]</a:t>
+            </a:r>
+          </a:p>
+        </p:txBody>
+      </p:sp>
+    </p:spTree>
+    <p:extLst>
+      <p:ext uri="{BB962C8B-B14F-4D97-AF65-F5344CB8AC3E}">
+        <p14:creationId xmlns:p14="http://schemas.microsoft.com/office/powerpoint/2010/main" val="4197990860"/>
+      </p:ext>
+    </p:extLst>
+  </p:cSld>
+  <p:clrMapOvr>
+    <a:masterClrMapping/>
+  </p:clrMapOvr>
+  <mc:AlternateContent xmlns:mc="http://schemas.openxmlformats.org/markup-compatibility/2006" xmlns:p14="http://schemas.microsoft.com/office/powerpoint/2010/main">
+    <mc:Choice Requires="p14">
+      <p:transition spd="med" p14:dur="700">
+        <p:fade/>
+      </p:transition>
+    </mc:Choice>
+    <mc:Fallback xmlns="">
+      <p:transition spd="med">
+        <p:fade/>
+      </p:transition>
+    </mc:Fallback>
+  </mc:AlternateContent>
+</p:sld>
+</file>
+
+<file path=ppt/slides/slide47.xml><?xml version="1.0" encoding="utf-8"?>
+<p:sld xmlns:a="http://schemas.openxmlformats.org/drawingml/2006/main" xmlns:r="http://schemas.openxmlformats.org/officeDocument/2006/relationships" xmlns:p="http://schemas.openxmlformats.org/presentationml/2006/main">
+  <p:cSld>
+    <p:spTree>
+      <p:nvGrpSpPr>
+        <p:cNvPr id="1" name=""/>
+        <p:cNvGrpSpPr/>
+        <p:nvPr/>
+      </p:nvGrpSpPr>
+      <p:grpSpPr>
+        <a:xfrm>
+          <a:off x="0" y="0"/>
+          <a:ext cx="0" cy="0"/>
+          <a:chOff x="0" y="0"/>
+          <a:chExt cx="0" cy="0"/>
+        </a:xfrm>
+      </p:grpSpPr>
+      <p:sp>
+        <p:nvSpPr>
+          <p:cNvPr id="8" name="Title 7">
+            <a:extLst>
+              <a:ext uri="{FF2B5EF4-FFF2-40B4-BE49-F238E27FC236}">
+                <a16:creationId xmlns:a16="http://schemas.microsoft.com/office/drawing/2014/main" id="{4C16DA77-07D1-62CB-4F59-059A99DF3081}"/>
+              </a:ext>
+            </a:extLst>
+          </p:cNvPr>
+          <p:cNvSpPr>
+            <a:spLocks noGrp="1"/>
+          </p:cNvSpPr>
+          <p:nvPr>
+            <p:ph type="title"/>
+          </p:nvPr>
+        </p:nvSpPr>
+        <p:spPr/>
+        <p:txBody>
+          <a:bodyPr/>
+          <a:lstStyle/>
+          <a:p>
+            <a:r>
+              <a:rPr lang="en-US" dirty="0"/>
+              <a:t>NumPy Searching Arrays</a:t>
+            </a:r>
+          </a:p>
+        </p:txBody>
+      </p:sp>
+      <p:sp>
+        <p:nvSpPr>
+          <p:cNvPr id="9" name="Content Placeholder 8">
+            <a:extLst>
+              <a:ext uri="{FF2B5EF4-FFF2-40B4-BE49-F238E27FC236}">
+                <a16:creationId xmlns:a16="http://schemas.microsoft.com/office/drawing/2014/main" id="{53134CAA-50C4-FB08-8D42-A0BA1C3C9460}"/>
+              </a:ext>
+            </a:extLst>
+          </p:cNvPr>
+          <p:cNvSpPr>
+            <a:spLocks noGrp="1"/>
+          </p:cNvSpPr>
+          <p:nvPr>
+            <p:ph sz="half" idx="1"/>
+          </p:nvPr>
+        </p:nvSpPr>
+        <p:spPr/>
+        <p:txBody>
+          <a:bodyPr>
+            <a:normAutofit/>
+          </a:bodyPr>
+          <a:lstStyle/>
+          <a:p>
+            <a:r>
+              <a:rPr lang="en-US" sz="2400" dirty="0"/>
+              <a:t>We can search an array for a certain value.</a:t>
+            </a:r>
+          </a:p>
+          <a:p>
+            <a:r>
+              <a:rPr lang="en-US" sz="2400" dirty="0"/>
+              <a:t>To search an array, use the </a:t>
+            </a:r>
+            <a:r>
+              <a:rPr lang="en-US" sz="1600" b="0" i="0" dirty="0">
+                <a:solidFill>
+                  <a:srgbClr val="DC143C"/>
+                </a:solidFill>
+                <a:effectLst/>
+                <a:latin typeface="Consolas" panose="020B0609020204030204" pitchFamily="49" charset="0"/>
+              </a:rPr>
+              <a:t>where() </a:t>
+            </a:r>
+            <a:r>
+              <a:rPr lang="en-US" sz="2400" dirty="0"/>
+              <a:t>method.</a:t>
+            </a:r>
+          </a:p>
+          <a:p>
+            <a:pPr lvl="1"/>
+            <a:r>
+              <a:rPr lang="en-US" sz="2000" dirty="0"/>
+              <a:t>If the value being searched is in the array, the method return the indexes that get a match.</a:t>
+            </a:r>
+          </a:p>
+        </p:txBody>
+      </p:sp>
+      <p:pic>
+        <p:nvPicPr>
+          <p:cNvPr id="12" name="Content Placeholder 11">
+            <a:extLst>
+              <a:ext uri="{FF2B5EF4-FFF2-40B4-BE49-F238E27FC236}">
+                <a16:creationId xmlns:a16="http://schemas.microsoft.com/office/drawing/2014/main" id="{221FDCF7-8992-F2F8-DDAE-F9A6ABFF3D0C}"/>
+              </a:ext>
+            </a:extLst>
+          </p:cNvPr>
+          <p:cNvPicPr>
+            <a:picLocks noGrp="1" noChangeAspect="1"/>
+          </p:cNvPicPr>
+          <p:nvPr>
+            <p:ph sz="half" idx="2"/>
+          </p:nvPr>
+        </p:nvPicPr>
+        <p:blipFill>
+          <a:blip r:embed="rId2"/>
+          <a:stretch>
+            <a:fillRect/>
+          </a:stretch>
+        </p:blipFill>
+        <p:spPr>
+          <a:xfrm>
+            <a:off x="6172202" y="1379121"/>
+            <a:ext cx="5181600" cy="2093132"/>
+          </a:xfrm>
+        </p:spPr>
+      </p:pic>
+      <p:sp>
+        <p:nvSpPr>
+          <p:cNvPr id="5" name="Date Placeholder 4">
+            <a:extLst>
+              <a:ext uri="{FF2B5EF4-FFF2-40B4-BE49-F238E27FC236}">
+                <a16:creationId xmlns:a16="http://schemas.microsoft.com/office/drawing/2014/main" id="{0A18A7B8-6C49-B63D-ABF8-EA534D49ECB6}"/>
+              </a:ext>
+            </a:extLst>
+          </p:cNvPr>
+          <p:cNvSpPr>
+            <a:spLocks noGrp="1"/>
+          </p:cNvSpPr>
+          <p:nvPr>
+            <p:ph type="dt" sz="half" idx="10"/>
+          </p:nvPr>
+        </p:nvSpPr>
+        <p:spPr/>
+        <p:txBody>
+          <a:bodyPr/>
+          <a:lstStyle/>
+          <a:p>
+            <a:r>
+              <a:rPr lang="en-US"/>
+              <a:t>12/14/2022</a:t>
+            </a:r>
+          </a:p>
+        </p:txBody>
+      </p:sp>
+      <p:sp>
+        <p:nvSpPr>
+          <p:cNvPr id="6" name="Footer Placeholder 5">
+            <a:extLst>
+              <a:ext uri="{FF2B5EF4-FFF2-40B4-BE49-F238E27FC236}">
+                <a16:creationId xmlns:a16="http://schemas.microsoft.com/office/drawing/2014/main" id="{03500B6D-B739-8163-D8B9-40FD2C5CAB84}"/>
+              </a:ext>
+            </a:extLst>
+          </p:cNvPr>
+          <p:cNvSpPr>
+            <a:spLocks noGrp="1"/>
+          </p:cNvSpPr>
+          <p:nvPr>
+            <p:ph type="ftr" sz="quarter" idx="11"/>
+          </p:nvPr>
+        </p:nvSpPr>
+        <p:spPr/>
+        <p:txBody>
+          <a:bodyPr/>
+          <a:lstStyle/>
+          <a:p>
+            <a:r>
+              <a:rPr lang="en-US"/>
+              <a:t>Pham Trung Kien - Python NumPy</a:t>
+            </a:r>
+            <a:endParaRPr lang="en-US" dirty="0"/>
+          </a:p>
+        </p:txBody>
+      </p:sp>
+      <p:sp>
+        <p:nvSpPr>
+          <p:cNvPr id="7" name="Slide Number Placeholder 6">
+            <a:extLst>
+              <a:ext uri="{FF2B5EF4-FFF2-40B4-BE49-F238E27FC236}">
+                <a16:creationId xmlns:a16="http://schemas.microsoft.com/office/drawing/2014/main" id="{19A2BE48-2ECF-F6DA-D00D-54961CEDA955}"/>
+              </a:ext>
+            </a:extLst>
+          </p:cNvPr>
+          <p:cNvSpPr>
+            <a:spLocks noGrp="1"/>
+          </p:cNvSpPr>
+          <p:nvPr>
+            <p:ph type="sldNum" sz="quarter" idx="12"/>
+          </p:nvPr>
+        </p:nvSpPr>
+        <p:spPr/>
+        <p:txBody>
+          <a:bodyPr/>
+          <a:lstStyle/>
+          <a:p>
+            <a:fld id="{C62155A9-2BEA-4E1A-A809-3AB570F0F126}" type="slidenum">
+              <a:rPr lang="en-US" smtClean="0"/>
+              <a:pPr/>
+              <a:t>47</a:t>
+            </a:fld>
+            <a:endParaRPr lang="en-US"/>
+          </a:p>
+        </p:txBody>
+      </p:sp>
+      <p:sp>
+        <p:nvSpPr>
+          <p:cNvPr id="14" name="TextBox 13">
+            <a:extLst>
+              <a:ext uri="{FF2B5EF4-FFF2-40B4-BE49-F238E27FC236}">
+                <a16:creationId xmlns:a16="http://schemas.microsoft.com/office/drawing/2014/main" id="{6B880AEF-1C10-68B9-BBD8-C0001E6A8956}"/>
+              </a:ext>
+            </a:extLst>
+          </p:cNvPr>
+          <p:cNvSpPr txBox="1"/>
+          <p:nvPr/>
+        </p:nvSpPr>
+        <p:spPr>
+          <a:xfrm>
+            <a:off x="6172202" y="3472253"/>
+            <a:ext cx="6096000" cy="369332"/>
+          </a:xfrm>
+          <a:prstGeom prst="rect">
+            <a:avLst/>
+          </a:prstGeom>
+          <a:noFill/>
+          <a:ln>
+            <a:solidFill>
+              <a:schemeClr val="bg2"/>
+            </a:solidFill>
+          </a:ln>
+        </p:spPr>
+        <p:txBody>
+          <a:bodyPr wrap="square">
+            <a:spAutoFit/>
+          </a:bodyPr>
+          <a:lstStyle/>
+          <a:p>
+            <a:r>
+              <a:rPr lang="en-US" dirty="0"/>
+              <a:t>(array([3, 5, 6], </a:t>
+            </a:r>
+            <a:r>
+              <a:rPr lang="en-US" dirty="0" err="1"/>
+              <a:t>dtype</a:t>
+            </a:r>
+            <a:r>
+              <a:rPr lang="en-US" dirty="0"/>
+              <a:t>=int64),)</a:t>
+            </a:r>
+          </a:p>
+        </p:txBody>
+      </p:sp>
+      <p:pic>
+        <p:nvPicPr>
+          <p:cNvPr id="16" name="Picture 15">
+            <a:extLst>
+              <a:ext uri="{FF2B5EF4-FFF2-40B4-BE49-F238E27FC236}">
+                <a16:creationId xmlns:a16="http://schemas.microsoft.com/office/drawing/2014/main" id="{82E929CB-1550-893E-99E1-623725063422}"/>
+              </a:ext>
+            </a:extLst>
+          </p:cNvPr>
+          <p:cNvPicPr>
+            <a:picLocks noChangeAspect="1"/>
+          </p:cNvPicPr>
+          <p:nvPr/>
+        </p:nvPicPr>
+        <p:blipFill>
+          <a:blip r:embed="rId3"/>
+          <a:stretch>
+            <a:fillRect/>
+          </a:stretch>
+        </p:blipFill>
+        <p:spPr>
+          <a:xfrm>
+            <a:off x="6096000" y="4026012"/>
+            <a:ext cx="5845047" cy="1539373"/>
+          </a:xfrm>
+          <a:prstGeom prst="rect">
+            <a:avLst/>
+          </a:prstGeom>
+        </p:spPr>
+      </p:pic>
+      <p:sp>
+        <p:nvSpPr>
+          <p:cNvPr id="18" name="TextBox 17">
+            <a:extLst>
+              <a:ext uri="{FF2B5EF4-FFF2-40B4-BE49-F238E27FC236}">
+                <a16:creationId xmlns:a16="http://schemas.microsoft.com/office/drawing/2014/main" id="{5F720980-98B3-058A-4272-1C7D5ADABB2E}"/>
+              </a:ext>
+            </a:extLst>
+          </p:cNvPr>
+          <p:cNvSpPr txBox="1"/>
+          <p:nvPr/>
+        </p:nvSpPr>
+        <p:spPr>
+          <a:xfrm>
+            <a:off x="6096000" y="5571457"/>
+            <a:ext cx="6138862" cy="369332"/>
+          </a:xfrm>
+          <a:prstGeom prst="rect">
+            <a:avLst/>
+          </a:prstGeom>
+          <a:noFill/>
+          <a:ln>
+            <a:solidFill>
+              <a:schemeClr val="bg2"/>
+            </a:solidFill>
+          </a:ln>
+        </p:spPr>
+        <p:txBody>
+          <a:bodyPr wrap="square">
+            <a:spAutoFit/>
+          </a:bodyPr>
+          <a:lstStyle/>
+          <a:p>
+            <a:r>
+              <a:rPr lang="en-US" dirty="0"/>
+              <a:t>(array([1, 3, 5, 7], </a:t>
+            </a:r>
+            <a:r>
+              <a:rPr lang="en-US" dirty="0" err="1"/>
+              <a:t>dtype</a:t>
+            </a:r>
+            <a:r>
+              <a:rPr lang="en-US" dirty="0"/>
+              <a:t>=int64),)</a:t>
+            </a:r>
+          </a:p>
+        </p:txBody>
+      </p:sp>
+    </p:spTree>
+    <p:extLst>
+      <p:ext uri="{BB962C8B-B14F-4D97-AF65-F5344CB8AC3E}">
+        <p14:creationId xmlns:p14="http://schemas.microsoft.com/office/powerpoint/2010/main" val="3167651915"/>
+      </p:ext>
+    </p:extLst>
+  </p:cSld>
+  <p:clrMapOvr>
+    <a:masterClrMapping/>
+  </p:clrMapOvr>
+  <mc:AlternateContent xmlns:mc="http://schemas.openxmlformats.org/markup-compatibility/2006" xmlns:p14="http://schemas.microsoft.com/office/powerpoint/2010/main">
+    <mc:Choice Requires="p14">
+      <p:transition spd="med" p14:dur="700">
+        <p:fade/>
+      </p:transition>
+    </mc:Choice>
+    <mc:Fallback xmlns="">
+      <p:transition spd="med">
+        <p:fade/>
+      </p:transition>
+    </mc:Fallback>
+  </mc:AlternateContent>
+</p:sld>
+</file>
+
+<file path=ppt/slides/slide48.xml><?xml version="1.0" encoding="utf-8"?>
+<p:sld xmlns:a="http://schemas.openxmlformats.org/drawingml/2006/main" xmlns:r="http://schemas.openxmlformats.org/officeDocument/2006/relationships" xmlns:p="http://schemas.openxmlformats.org/presentationml/2006/main">
+  <p:cSld>
+    <p:spTree>
+      <p:nvGrpSpPr>
+        <p:cNvPr id="1" name=""/>
+        <p:cNvGrpSpPr/>
+        <p:nvPr/>
+      </p:nvGrpSpPr>
+      <p:grpSpPr>
+        <a:xfrm>
+          <a:off x="0" y="0"/>
+          <a:ext cx="0" cy="0"/>
+          <a:chOff x="0" y="0"/>
+          <a:chExt cx="0" cy="0"/>
+        </a:xfrm>
+      </p:grpSpPr>
+      <p:sp>
+        <p:nvSpPr>
+          <p:cNvPr id="2" name="Title 1">
+            <a:extLst>
+              <a:ext uri="{FF2B5EF4-FFF2-40B4-BE49-F238E27FC236}">
+                <a16:creationId xmlns:a16="http://schemas.microsoft.com/office/drawing/2014/main" id="{B5C1C06B-937A-A254-C100-988115F252FA}"/>
+              </a:ext>
+            </a:extLst>
+          </p:cNvPr>
+          <p:cNvSpPr>
+            <a:spLocks noGrp="1"/>
+          </p:cNvSpPr>
+          <p:nvPr>
+            <p:ph type="title"/>
+          </p:nvPr>
+        </p:nvSpPr>
+        <p:spPr/>
+        <p:txBody>
+          <a:bodyPr/>
+          <a:lstStyle/>
+          <a:p>
+            <a:r>
+              <a:rPr lang="en-US" dirty="0"/>
+              <a:t>Search Sorted</a:t>
+            </a:r>
+          </a:p>
+        </p:txBody>
+      </p:sp>
+      <p:sp>
+        <p:nvSpPr>
+          <p:cNvPr id="3" name="Content Placeholder 2">
+            <a:extLst>
+              <a:ext uri="{FF2B5EF4-FFF2-40B4-BE49-F238E27FC236}">
+                <a16:creationId xmlns:a16="http://schemas.microsoft.com/office/drawing/2014/main" id="{B8E041F1-F72F-1AAC-1AC5-7459A17017FA}"/>
+              </a:ext>
+            </a:extLst>
+          </p:cNvPr>
+          <p:cNvSpPr>
+            <a:spLocks noGrp="1"/>
+          </p:cNvSpPr>
+          <p:nvPr>
+            <p:ph idx="1"/>
+          </p:nvPr>
+        </p:nvSpPr>
+        <p:spPr>
+          <a:xfrm>
+            <a:off x="838200" y="2057400"/>
+            <a:ext cx="4732176" cy="4873625"/>
+          </a:xfrm>
+        </p:spPr>
+        <p:txBody>
+          <a:bodyPr>
+            <a:normAutofit/>
+          </a:bodyPr>
+          <a:lstStyle/>
+          <a:p>
+            <a:r>
+              <a:rPr lang="en-US" sz="2000" dirty="0"/>
+              <a:t>There is a method called </a:t>
+            </a:r>
+            <a:r>
+              <a:rPr lang="en-US" sz="2000" b="0" i="0" dirty="0" err="1">
+                <a:solidFill>
+                  <a:srgbClr val="DC143C"/>
+                </a:solidFill>
+                <a:effectLst/>
+                <a:latin typeface="Consolas" panose="020B0609020204030204" pitchFamily="49" charset="0"/>
+              </a:rPr>
+              <a:t>searchsorted</a:t>
+            </a:r>
+            <a:r>
+              <a:rPr lang="en-US" sz="2000" b="0" i="0" dirty="0">
+                <a:solidFill>
+                  <a:srgbClr val="DC143C"/>
+                </a:solidFill>
+                <a:effectLst/>
+                <a:latin typeface="Consolas" panose="020B0609020204030204" pitchFamily="49" charset="0"/>
+              </a:rPr>
+              <a:t>() </a:t>
+            </a:r>
+            <a:r>
+              <a:rPr lang="en-US" sz="2000" dirty="0"/>
+              <a:t>which performs a binary search in the array.</a:t>
+            </a:r>
+          </a:p>
+          <a:p>
+            <a:pPr lvl="1"/>
+            <a:r>
+              <a:rPr lang="en-US" sz="1600" dirty="0"/>
+              <a:t>Return the index where the specified value would be inserted to maintain the search order</a:t>
+            </a:r>
+            <a:endParaRPr lang="en-US" sz="2000" dirty="0"/>
+          </a:p>
+          <a:p>
+            <a:r>
+              <a:rPr lang="en-US" sz="2000" dirty="0"/>
+              <a:t>The </a:t>
+            </a:r>
+            <a:r>
+              <a:rPr lang="en-US" sz="2000" b="0" i="0" dirty="0" err="1">
+                <a:solidFill>
+                  <a:srgbClr val="DC143C"/>
+                </a:solidFill>
+                <a:effectLst/>
+                <a:latin typeface="Consolas" panose="020B0609020204030204" pitchFamily="49" charset="0"/>
+              </a:rPr>
+              <a:t>searchsorted</a:t>
+            </a:r>
+            <a:r>
+              <a:rPr lang="en-US" sz="2000" b="0" i="0" dirty="0">
+                <a:solidFill>
+                  <a:srgbClr val="DC143C"/>
+                </a:solidFill>
+                <a:effectLst/>
+                <a:latin typeface="Consolas" panose="020B0609020204030204" pitchFamily="49" charset="0"/>
+              </a:rPr>
+              <a:t>() </a:t>
+            </a:r>
+            <a:r>
+              <a:rPr lang="en-US" sz="2000" dirty="0"/>
+              <a:t>method is assumed to be used on sorted arrays.</a:t>
+            </a:r>
+          </a:p>
+          <a:p>
+            <a:r>
+              <a:rPr lang="en-US" sz="2000" dirty="0"/>
+              <a:t>By default the left most index is returned, but we can give </a:t>
+            </a:r>
+            <a:r>
+              <a:rPr lang="en-US" sz="2000" b="0" i="0" dirty="0">
+                <a:solidFill>
+                  <a:srgbClr val="DC143C"/>
+                </a:solidFill>
+                <a:effectLst/>
+                <a:latin typeface="Consolas" panose="020B0609020204030204" pitchFamily="49" charset="0"/>
+              </a:rPr>
+              <a:t>side='right'</a:t>
+            </a:r>
+            <a:r>
+              <a:rPr lang="en-US" sz="2000" dirty="0"/>
+              <a:t> to return the right most index instead</a:t>
+            </a:r>
+          </a:p>
+          <a:p>
+            <a:pPr lvl="1"/>
+            <a:endParaRPr lang="en-US" sz="1600" dirty="0"/>
+          </a:p>
+        </p:txBody>
+      </p:sp>
+      <p:sp>
+        <p:nvSpPr>
+          <p:cNvPr id="5" name="Date Placeholder 4">
+            <a:extLst>
+              <a:ext uri="{FF2B5EF4-FFF2-40B4-BE49-F238E27FC236}">
+                <a16:creationId xmlns:a16="http://schemas.microsoft.com/office/drawing/2014/main" id="{210F8ABC-FD9E-AE0C-2131-5939A9668BBD}"/>
+              </a:ext>
+            </a:extLst>
+          </p:cNvPr>
+          <p:cNvSpPr>
+            <a:spLocks noGrp="1"/>
+          </p:cNvSpPr>
+          <p:nvPr>
+            <p:ph type="dt" sz="half" idx="10"/>
+          </p:nvPr>
+        </p:nvSpPr>
+        <p:spPr/>
+        <p:txBody>
+          <a:bodyPr/>
+          <a:lstStyle/>
+          <a:p>
+            <a:r>
+              <a:rPr lang="en-US"/>
+              <a:t>12/14/2022</a:t>
+            </a:r>
+          </a:p>
+        </p:txBody>
+      </p:sp>
+      <p:sp>
+        <p:nvSpPr>
+          <p:cNvPr id="6" name="Footer Placeholder 5">
+            <a:extLst>
+              <a:ext uri="{FF2B5EF4-FFF2-40B4-BE49-F238E27FC236}">
+                <a16:creationId xmlns:a16="http://schemas.microsoft.com/office/drawing/2014/main" id="{50451D0A-1743-AF32-9BEC-1FAD45469A4C}"/>
+              </a:ext>
+            </a:extLst>
+          </p:cNvPr>
+          <p:cNvSpPr>
+            <a:spLocks noGrp="1"/>
+          </p:cNvSpPr>
+          <p:nvPr>
+            <p:ph type="ftr" sz="quarter" idx="11"/>
+          </p:nvPr>
+        </p:nvSpPr>
+        <p:spPr/>
+        <p:txBody>
+          <a:bodyPr/>
+          <a:lstStyle/>
+          <a:p>
+            <a:r>
+              <a:rPr lang="en-US"/>
+              <a:t>Pham Trung Kien - Python NumPy</a:t>
+            </a:r>
+            <a:endParaRPr lang="en-US" dirty="0"/>
+          </a:p>
+        </p:txBody>
+      </p:sp>
+      <p:sp>
+        <p:nvSpPr>
+          <p:cNvPr id="7" name="Slide Number Placeholder 6">
+            <a:extLst>
+              <a:ext uri="{FF2B5EF4-FFF2-40B4-BE49-F238E27FC236}">
+                <a16:creationId xmlns:a16="http://schemas.microsoft.com/office/drawing/2014/main" id="{2CBA0709-9CB1-2D17-D041-D8463E58B262}"/>
+              </a:ext>
+            </a:extLst>
+          </p:cNvPr>
+          <p:cNvSpPr>
+            <a:spLocks noGrp="1"/>
+          </p:cNvSpPr>
+          <p:nvPr>
+            <p:ph type="sldNum" sz="quarter" idx="12"/>
+          </p:nvPr>
+        </p:nvSpPr>
+        <p:spPr/>
+        <p:txBody>
+          <a:bodyPr/>
+          <a:lstStyle/>
+          <a:p>
+            <a:fld id="{C62155A9-2BEA-4E1A-A809-3AB570F0F126}" type="slidenum">
+              <a:rPr lang="en-US" smtClean="0"/>
+              <a:pPr/>
+              <a:t>48</a:t>
+            </a:fld>
+            <a:endParaRPr lang="en-US"/>
+          </a:p>
+        </p:txBody>
+      </p:sp>
+      <p:pic>
+        <p:nvPicPr>
+          <p:cNvPr id="8" name="Picture 7">
+            <a:extLst>
+              <a:ext uri="{FF2B5EF4-FFF2-40B4-BE49-F238E27FC236}">
+                <a16:creationId xmlns:a16="http://schemas.microsoft.com/office/drawing/2014/main" id="{55E69F5E-AA64-EB3C-A586-7CEF0533EB29}"/>
+              </a:ext>
+            </a:extLst>
+          </p:cNvPr>
+          <p:cNvPicPr>
+            <a:picLocks noChangeAspect="1"/>
+          </p:cNvPicPr>
+          <p:nvPr/>
+        </p:nvPicPr>
+        <p:blipFill>
+          <a:blip r:embed="rId2"/>
+          <a:stretch>
+            <a:fillRect/>
+          </a:stretch>
+        </p:blipFill>
+        <p:spPr>
+          <a:xfrm>
+            <a:off x="6364416" y="1447732"/>
+            <a:ext cx="4359018" cy="1562235"/>
+          </a:xfrm>
+          <a:prstGeom prst="rect">
+            <a:avLst/>
+          </a:prstGeom>
+        </p:spPr>
+      </p:pic>
+      <p:sp>
+        <p:nvSpPr>
+          <p:cNvPr id="10" name="TextBox 9">
+            <a:extLst>
+              <a:ext uri="{FF2B5EF4-FFF2-40B4-BE49-F238E27FC236}">
+                <a16:creationId xmlns:a16="http://schemas.microsoft.com/office/drawing/2014/main" id="{E591D9AA-F481-C2BD-0B24-0953B6FDA2B7}"/>
+              </a:ext>
+            </a:extLst>
+          </p:cNvPr>
+          <p:cNvSpPr txBox="1"/>
+          <p:nvPr/>
+        </p:nvSpPr>
+        <p:spPr>
+          <a:xfrm>
+            <a:off x="6364416" y="3009967"/>
+            <a:ext cx="6096000" cy="369332"/>
+          </a:xfrm>
+          <a:prstGeom prst="rect">
+            <a:avLst/>
+          </a:prstGeom>
+          <a:noFill/>
+          <a:ln>
+            <a:solidFill>
+              <a:schemeClr val="bg2"/>
+            </a:solidFill>
+          </a:ln>
+        </p:spPr>
+        <p:txBody>
+          <a:bodyPr wrap="square">
+            <a:spAutoFit/>
+          </a:bodyPr>
+          <a:lstStyle/>
+          <a:p>
+            <a:r>
+              <a:rPr lang="en-US" dirty="0"/>
+              <a:t>1</a:t>
+            </a:r>
+          </a:p>
+        </p:txBody>
+      </p:sp>
+      <p:pic>
+        <p:nvPicPr>
+          <p:cNvPr id="14" name="Picture 13">
+            <a:extLst>
+              <a:ext uri="{FF2B5EF4-FFF2-40B4-BE49-F238E27FC236}">
+                <a16:creationId xmlns:a16="http://schemas.microsoft.com/office/drawing/2014/main" id="{14623D46-5B85-A14E-966D-12BA9670D622}"/>
+              </a:ext>
+            </a:extLst>
+          </p:cNvPr>
+          <p:cNvPicPr>
+            <a:picLocks noChangeAspect="1"/>
+          </p:cNvPicPr>
+          <p:nvPr/>
+        </p:nvPicPr>
+        <p:blipFill>
+          <a:blip r:embed="rId3"/>
+          <a:stretch>
+            <a:fillRect/>
+          </a:stretch>
+        </p:blipFill>
+        <p:spPr>
+          <a:xfrm>
+            <a:off x="6037068" y="3590921"/>
+            <a:ext cx="5383633" cy="1476379"/>
+          </a:xfrm>
+          <a:prstGeom prst="rect">
+            <a:avLst/>
+          </a:prstGeom>
+        </p:spPr>
+      </p:pic>
+      <p:sp>
+        <p:nvSpPr>
+          <p:cNvPr id="16" name="TextBox 15">
+            <a:extLst>
+              <a:ext uri="{FF2B5EF4-FFF2-40B4-BE49-F238E27FC236}">
+                <a16:creationId xmlns:a16="http://schemas.microsoft.com/office/drawing/2014/main" id="{D469BB90-E0E2-079B-189C-468E6135161B}"/>
+              </a:ext>
+            </a:extLst>
+          </p:cNvPr>
+          <p:cNvSpPr txBox="1"/>
+          <p:nvPr/>
+        </p:nvSpPr>
+        <p:spPr>
+          <a:xfrm>
+            <a:off x="6037068" y="5097054"/>
+            <a:ext cx="6234112" cy="369332"/>
+          </a:xfrm>
+          <a:prstGeom prst="rect">
+            <a:avLst/>
+          </a:prstGeom>
+          <a:noFill/>
+          <a:ln>
+            <a:solidFill>
+              <a:schemeClr val="bg2"/>
+            </a:solidFill>
+          </a:ln>
+        </p:spPr>
+        <p:txBody>
+          <a:bodyPr wrap="square">
+            <a:spAutoFit/>
+          </a:bodyPr>
+          <a:lstStyle/>
+          <a:p>
+            <a:r>
+              <a:rPr lang="en-US" dirty="0"/>
+              <a:t>2</a:t>
+            </a:r>
+          </a:p>
+        </p:txBody>
+      </p:sp>
+    </p:spTree>
+    <p:extLst>
+      <p:ext uri="{BB962C8B-B14F-4D97-AF65-F5344CB8AC3E}">
+        <p14:creationId xmlns:p14="http://schemas.microsoft.com/office/powerpoint/2010/main" val="2761875048"/>
+      </p:ext>
+    </p:extLst>
+  </p:cSld>
+  <p:clrMapOvr>
+    <a:masterClrMapping/>
+  </p:clrMapOvr>
+  <mc:AlternateContent xmlns:mc="http://schemas.openxmlformats.org/markup-compatibility/2006" xmlns:p14="http://schemas.microsoft.com/office/powerpoint/2010/main">
+    <mc:Choice Requires="p14">
+      <p:transition spd="med" p14:dur="700">
+        <p:fade/>
+      </p:transition>
+    </mc:Choice>
+    <mc:Fallback xmlns="">
+      <p:transition spd="med">
+        <p:fade/>
+      </p:transition>
+    </mc:Fallback>
+  </mc:AlternateContent>
+</p:sld>
+</file>
+
+<file path=ppt/slides/slide49.xml><?xml version="1.0" encoding="utf-8"?>
+<p:sld xmlns:a="http://schemas.openxmlformats.org/drawingml/2006/main" xmlns:r="http://schemas.openxmlformats.org/officeDocument/2006/relationships" xmlns:p="http://schemas.openxmlformats.org/presentationml/2006/main">
+  <p:cSld>
+    <p:spTree>
+      <p:nvGrpSpPr>
+        <p:cNvPr id="1" name=""/>
+        <p:cNvGrpSpPr/>
+        <p:nvPr/>
+      </p:nvGrpSpPr>
+      <p:grpSpPr>
+        <a:xfrm>
+          <a:off x="0" y="0"/>
+          <a:ext cx="0" cy="0"/>
+          <a:chOff x="0" y="0"/>
+          <a:chExt cx="0" cy="0"/>
+        </a:xfrm>
+      </p:grpSpPr>
+      <p:sp>
+        <p:nvSpPr>
+          <p:cNvPr id="3" name="Content Placeholder 2">
+            <a:extLst>
+              <a:ext uri="{FF2B5EF4-FFF2-40B4-BE49-F238E27FC236}">
+                <a16:creationId xmlns:a16="http://schemas.microsoft.com/office/drawing/2014/main" id="{B8E041F1-F72F-1AAC-1AC5-7459A17017FA}"/>
+              </a:ext>
+            </a:extLst>
+          </p:cNvPr>
+          <p:cNvSpPr>
+            <a:spLocks noGrp="1"/>
+          </p:cNvSpPr>
+          <p:nvPr>
+            <p:ph idx="1"/>
+          </p:nvPr>
+        </p:nvSpPr>
+        <p:spPr>
+          <a:xfrm>
+            <a:off x="838200" y="2057400"/>
+            <a:ext cx="4732176" cy="4873625"/>
+          </a:xfrm>
+        </p:spPr>
+        <p:txBody>
+          <a:bodyPr>
+            <a:normAutofit/>
+          </a:bodyPr>
+          <a:lstStyle/>
+          <a:p>
+            <a:r>
+              <a:rPr lang="en-US" sz="2000" dirty="0"/>
+              <a:t>To search for more than one value, use an array with the specified values.</a:t>
+            </a:r>
+          </a:p>
+        </p:txBody>
+      </p:sp>
+      <p:sp>
+        <p:nvSpPr>
+          <p:cNvPr id="5" name="Date Placeholder 4">
+            <a:extLst>
+              <a:ext uri="{FF2B5EF4-FFF2-40B4-BE49-F238E27FC236}">
+                <a16:creationId xmlns:a16="http://schemas.microsoft.com/office/drawing/2014/main" id="{210F8ABC-FD9E-AE0C-2131-5939A9668BBD}"/>
+              </a:ext>
+            </a:extLst>
+          </p:cNvPr>
+          <p:cNvSpPr>
+            <a:spLocks noGrp="1"/>
+          </p:cNvSpPr>
+          <p:nvPr>
+            <p:ph type="dt" sz="half" idx="10"/>
+          </p:nvPr>
+        </p:nvSpPr>
+        <p:spPr/>
+        <p:txBody>
+          <a:bodyPr/>
+          <a:lstStyle/>
+          <a:p>
+            <a:r>
+              <a:rPr lang="en-US"/>
+              <a:t>12/14/2022</a:t>
+            </a:r>
+          </a:p>
+        </p:txBody>
+      </p:sp>
+      <p:sp>
+        <p:nvSpPr>
+          <p:cNvPr id="6" name="Footer Placeholder 5">
+            <a:extLst>
+              <a:ext uri="{FF2B5EF4-FFF2-40B4-BE49-F238E27FC236}">
+                <a16:creationId xmlns:a16="http://schemas.microsoft.com/office/drawing/2014/main" id="{50451D0A-1743-AF32-9BEC-1FAD45469A4C}"/>
+              </a:ext>
+            </a:extLst>
+          </p:cNvPr>
+          <p:cNvSpPr>
+            <a:spLocks noGrp="1"/>
+          </p:cNvSpPr>
+          <p:nvPr>
+            <p:ph type="ftr" sz="quarter" idx="11"/>
+          </p:nvPr>
+        </p:nvSpPr>
+        <p:spPr/>
+        <p:txBody>
+          <a:bodyPr/>
+          <a:lstStyle/>
+          <a:p>
+            <a:r>
+              <a:rPr lang="en-US"/>
+              <a:t>Pham Trung Kien - Python NumPy</a:t>
+            </a:r>
+            <a:endParaRPr lang="en-US" dirty="0"/>
+          </a:p>
+        </p:txBody>
+      </p:sp>
+      <p:sp>
+        <p:nvSpPr>
+          <p:cNvPr id="7" name="Slide Number Placeholder 6">
+            <a:extLst>
+              <a:ext uri="{FF2B5EF4-FFF2-40B4-BE49-F238E27FC236}">
+                <a16:creationId xmlns:a16="http://schemas.microsoft.com/office/drawing/2014/main" id="{2CBA0709-9CB1-2D17-D041-D8463E58B262}"/>
+              </a:ext>
+            </a:extLst>
+          </p:cNvPr>
+          <p:cNvSpPr>
+            <a:spLocks noGrp="1"/>
+          </p:cNvSpPr>
+          <p:nvPr>
+            <p:ph type="sldNum" sz="quarter" idx="12"/>
+          </p:nvPr>
+        </p:nvSpPr>
+        <p:spPr/>
+        <p:txBody>
+          <a:bodyPr/>
+          <a:lstStyle/>
+          <a:p>
+            <a:fld id="{C62155A9-2BEA-4E1A-A809-3AB570F0F126}" type="slidenum">
+              <a:rPr lang="en-US" smtClean="0"/>
+              <a:pPr/>
+              <a:t>49</a:t>
+            </a:fld>
+            <a:endParaRPr lang="en-US"/>
+          </a:p>
+        </p:txBody>
+      </p:sp>
+      <p:pic>
+        <p:nvPicPr>
+          <p:cNvPr id="12" name="Picture 11">
+            <a:extLst>
+              <a:ext uri="{FF2B5EF4-FFF2-40B4-BE49-F238E27FC236}">
+                <a16:creationId xmlns:a16="http://schemas.microsoft.com/office/drawing/2014/main" id="{4AF4933D-50FE-AB88-FAEF-14A4BCCD30F9}"/>
+              </a:ext>
+            </a:extLst>
+          </p:cNvPr>
+          <p:cNvPicPr>
+            <a:picLocks noChangeAspect="1"/>
+          </p:cNvPicPr>
+          <p:nvPr/>
+        </p:nvPicPr>
+        <p:blipFill>
+          <a:blip r:embed="rId2"/>
+          <a:stretch>
+            <a:fillRect/>
+          </a:stretch>
+        </p:blipFill>
+        <p:spPr>
+          <a:xfrm>
+            <a:off x="6248139" y="1476313"/>
+            <a:ext cx="3658121" cy="2038411"/>
+          </a:xfrm>
+          <a:prstGeom prst="rect">
+            <a:avLst/>
+          </a:prstGeom>
+        </p:spPr>
+      </p:pic>
+      <p:sp>
+        <p:nvSpPr>
+          <p:cNvPr id="20" name="TextBox 19">
+            <a:extLst>
+              <a:ext uri="{FF2B5EF4-FFF2-40B4-BE49-F238E27FC236}">
+                <a16:creationId xmlns:a16="http://schemas.microsoft.com/office/drawing/2014/main" id="{4DE75B10-F6E8-40F7-7F4C-E44DD3FF6D25}"/>
+              </a:ext>
+            </a:extLst>
+          </p:cNvPr>
+          <p:cNvSpPr txBox="1"/>
+          <p:nvPr/>
+        </p:nvSpPr>
+        <p:spPr>
+          <a:xfrm>
+            <a:off x="6248139" y="3514724"/>
+            <a:ext cx="6096000" cy="369332"/>
+          </a:xfrm>
+          <a:prstGeom prst="rect">
+            <a:avLst/>
+          </a:prstGeom>
+          <a:noFill/>
+          <a:ln>
+            <a:solidFill>
+              <a:schemeClr val="bg2"/>
+            </a:solidFill>
+          </a:ln>
+        </p:spPr>
+        <p:txBody>
+          <a:bodyPr wrap="square">
+            <a:spAutoFit/>
+          </a:bodyPr>
+          <a:lstStyle/>
+          <a:p>
+            <a:r>
+              <a:rPr lang="en-US" dirty="0"/>
+              <a:t>[1 2 3]</a:t>
+            </a:r>
+          </a:p>
+        </p:txBody>
+      </p:sp>
+    </p:spTree>
+    <p:extLst>
+      <p:ext uri="{BB962C8B-B14F-4D97-AF65-F5344CB8AC3E}">
+        <p14:creationId xmlns:p14="http://schemas.microsoft.com/office/powerpoint/2010/main" val="2174694592"/>
+      </p:ext>
+    </p:extLst>
+  </p:cSld>
+  <p:clrMapOvr>
+    <a:masterClrMapping/>
+  </p:clrMapOvr>
+  <mc:AlternateContent xmlns:mc="http://schemas.openxmlformats.org/markup-compatibility/2006" xmlns:p14="http://schemas.microsoft.com/office/powerpoint/2010/main">
+    <mc:Choice Requires="p14">
+      <p:transition spd="med" p14:dur="700">
+        <p:fade/>
+      </p:transition>
+    </mc:Choice>
+    <mc:Fallback xmlns="">
+      <p:transition spd="med">
+        <p:fade/>
+      </p:transition>
+    </mc:Fallback>
+  </mc:AlternateContent>
+</p:sld>
+</file>
+
 <file path=ppt/slides/slide5.xml><?xml version="1.0" encoding="utf-8"?>
 <p:sld xmlns:a="http://schemas.openxmlformats.org/drawingml/2006/main" xmlns:r="http://schemas.openxmlformats.org/officeDocument/2006/relationships" xmlns:p="http://schemas.openxmlformats.org/presentationml/2006/main">
   <p:cSld>
@@ -16867,6 +21638,823 @@
     <p:extLst>
       <p:ext uri="{BB962C8B-B14F-4D97-AF65-F5344CB8AC3E}">
         <p14:creationId xmlns:p14="http://schemas.microsoft.com/office/powerpoint/2010/main" val="80959901"/>
+      </p:ext>
+    </p:extLst>
+  </p:cSld>
+  <p:clrMapOvr>
+    <a:masterClrMapping/>
+  </p:clrMapOvr>
+  <mc:AlternateContent xmlns:mc="http://schemas.openxmlformats.org/markup-compatibility/2006" xmlns:p14="http://schemas.microsoft.com/office/powerpoint/2010/main">
+    <mc:Choice Requires="p14">
+      <p:transition spd="med" p14:dur="700">
+        <p:fade/>
+      </p:transition>
+    </mc:Choice>
+    <mc:Fallback xmlns="">
+      <p:transition spd="med">
+        <p:fade/>
+      </p:transition>
+    </mc:Fallback>
+  </mc:AlternateContent>
+</p:sld>
+</file>
+
+<file path=ppt/slides/slide50.xml><?xml version="1.0" encoding="utf-8"?>
+<p:sld xmlns:a="http://schemas.openxmlformats.org/drawingml/2006/main" xmlns:r="http://schemas.openxmlformats.org/officeDocument/2006/relationships" xmlns:p="http://schemas.openxmlformats.org/presentationml/2006/main">
+  <p:cSld>
+    <p:spTree>
+      <p:nvGrpSpPr>
+        <p:cNvPr id="1" name=""/>
+        <p:cNvGrpSpPr/>
+        <p:nvPr/>
+      </p:nvGrpSpPr>
+      <p:grpSpPr>
+        <a:xfrm>
+          <a:off x="0" y="0"/>
+          <a:ext cx="0" cy="0"/>
+          <a:chOff x="0" y="0"/>
+          <a:chExt cx="0" cy="0"/>
+        </a:xfrm>
+      </p:grpSpPr>
+      <p:sp>
+        <p:nvSpPr>
+          <p:cNvPr id="8" name="Title 7">
+            <a:extLst>
+              <a:ext uri="{FF2B5EF4-FFF2-40B4-BE49-F238E27FC236}">
+                <a16:creationId xmlns:a16="http://schemas.microsoft.com/office/drawing/2014/main" id="{97F5C032-CD53-AF17-341F-A9B9ECE58E2E}"/>
+              </a:ext>
+            </a:extLst>
+          </p:cNvPr>
+          <p:cNvSpPr>
+            <a:spLocks noGrp="1"/>
+          </p:cNvSpPr>
+          <p:nvPr>
+            <p:ph type="title"/>
+          </p:nvPr>
+        </p:nvSpPr>
+        <p:spPr/>
+        <p:txBody>
+          <a:bodyPr/>
+          <a:lstStyle/>
+          <a:p>
+            <a:r>
+              <a:rPr lang="en-US" dirty="0"/>
+              <a:t>NumPy Sorting Arrays</a:t>
+            </a:r>
+          </a:p>
+        </p:txBody>
+      </p:sp>
+      <p:sp>
+        <p:nvSpPr>
+          <p:cNvPr id="13" name="Content Placeholder 12">
+            <a:extLst>
+              <a:ext uri="{FF2B5EF4-FFF2-40B4-BE49-F238E27FC236}">
+                <a16:creationId xmlns:a16="http://schemas.microsoft.com/office/drawing/2014/main" id="{2E5DB812-A138-2E19-9414-6ED3E3DCBB28}"/>
+              </a:ext>
+            </a:extLst>
+          </p:cNvPr>
+          <p:cNvSpPr>
+            <a:spLocks noGrp="1"/>
+          </p:cNvSpPr>
+          <p:nvPr>
+            <p:ph sz="half" idx="1"/>
+          </p:nvPr>
+        </p:nvSpPr>
+        <p:spPr/>
+        <p:txBody>
+          <a:bodyPr/>
+          <a:lstStyle/>
+          <a:p>
+            <a:r>
+              <a:rPr lang="en-US" dirty="0"/>
+              <a:t>Sorting means putting elements in an ordered sequence.</a:t>
+            </a:r>
+          </a:p>
+          <a:p>
+            <a:r>
+              <a:rPr lang="en-US" dirty="0"/>
+              <a:t>The NumPy </a:t>
+            </a:r>
+            <a:r>
+              <a:rPr lang="en-US" dirty="0" err="1"/>
+              <a:t>ndarray</a:t>
+            </a:r>
+            <a:r>
+              <a:rPr lang="en-US" dirty="0"/>
+              <a:t> object has a function called </a:t>
+            </a:r>
+            <a:r>
+              <a:rPr lang="en-US" b="0" i="0" dirty="0">
+                <a:solidFill>
+                  <a:srgbClr val="DC143C"/>
+                </a:solidFill>
+                <a:effectLst/>
+                <a:latin typeface="Consolas" panose="020B0609020204030204" pitchFamily="49" charset="0"/>
+              </a:rPr>
+              <a:t>sort()</a:t>
+            </a:r>
+            <a:r>
+              <a:rPr lang="en-US" dirty="0"/>
+              <a:t>, that will sort a specified array.</a:t>
+            </a:r>
+          </a:p>
+        </p:txBody>
+      </p:sp>
+      <p:pic>
+        <p:nvPicPr>
+          <p:cNvPr id="16" name="Content Placeholder 15">
+            <a:extLst>
+              <a:ext uri="{FF2B5EF4-FFF2-40B4-BE49-F238E27FC236}">
+                <a16:creationId xmlns:a16="http://schemas.microsoft.com/office/drawing/2014/main" id="{79C6F9A2-19AD-BB29-53FA-1BFDA7C57EDD}"/>
+              </a:ext>
+            </a:extLst>
+          </p:cNvPr>
+          <p:cNvPicPr>
+            <a:picLocks noGrp="1" noChangeAspect="1"/>
+          </p:cNvPicPr>
+          <p:nvPr>
+            <p:ph sz="half" idx="2"/>
+          </p:nvPr>
+        </p:nvPicPr>
+        <p:blipFill>
+          <a:blip r:embed="rId2"/>
+          <a:stretch>
+            <a:fillRect/>
+          </a:stretch>
+        </p:blipFill>
+        <p:spPr>
+          <a:xfrm>
+            <a:off x="6873147" y="1384314"/>
+            <a:ext cx="3745540" cy="1759470"/>
+          </a:xfrm>
+        </p:spPr>
+      </p:pic>
+      <p:sp>
+        <p:nvSpPr>
+          <p:cNvPr id="5" name="Date Placeholder 4">
+            <a:extLst>
+              <a:ext uri="{FF2B5EF4-FFF2-40B4-BE49-F238E27FC236}">
+                <a16:creationId xmlns:a16="http://schemas.microsoft.com/office/drawing/2014/main" id="{9BBCBBF8-A9F8-81AA-BC94-666ADB68C2C2}"/>
+              </a:ext>
+            </a:extLst>
+          </p:cNvPr>
+          <p:cNvSpPr>
+            <a:spLocks noGrp="1"/>
+          </p:cNvSpPr>
+          <p:nvPr>
+            <p:ph type="dt" sz="half" idx="10"/>
+          </p:nvPr>
+        </p:nvSpPr>
+        <p:spPr/>
+        <p:txBody>
+          <a:bodyPr/>
+          <a:lstStyle/>
+          <a:p>
+            <a:r>
+              <a:rPr lang="en-US"/>
+              <a:t>12/14/2022</a:t>
+            </a:r>
+          </a:p>
+        </p:txBody>
+      </p:sp>
+      <p:sp>
+        <p:nvSpPr>
+          <p:cNvPr id="6" name="Footer Placeholder 5">
+            <a:extLst>
+              <a:ext uri="{FF2B5EF4-FFF2-40B4-BE49-F238E27FC236}">
+                <a16:creationId xmlns:a16="http://schemas.microsoft.com/office/drawing/2014/main" id="{8DE6FAD6-6EAB-8ADF-AC9D-B7BF93797DC2}"/>
+              </a:ext>
+            </a:extLst>
+          </p:cNvPr>
+          <p:cNvSpPr>
+            <a:spLocks noGrp="1"/>
+          </p:cNvSpPr>
+          <p:nvPr>
+            <p:ph type="ftr" sz="quarter" idx="11"/>
+          </p:nvPr>
+        </p:nvSpPr>
+        <p:spPr/>
+        <p:txBody>
+          <a:bodyPr/>
+          <a:lstStyle/>
+          <a:p>
+            <a:r>
+              <a:rPr lang="en-US"/>
+              <a:t>Pham Trung Kien - Python NumPy</a:t>
+            </a:r>
+            <a:endParaRPr lang="en-US" dirty="0"/>
+          </a:p>
+        </p:txBody>
+      </p:sp>
+      <p:sp>
+        <p:nvSpPr>
+          <p:cNvPr id="7" name="Slide Number Placeholder 6">
+            <a:extLst>
+              <a:ext uri="{FF2B5EF4-FFF2-40B4-BE49-F238E27FC236}">
+                <a16:creationId xmlns:a16="http://schemas.microsoft.com/office/drawing/2014/main" id="{6B652D3A-5696-2A4F-9CDF-760A6668F610}"/>
+              </a:ext>
+            </a:extLst>
+          </p:cNvPr>
+          <p:cNvSpPr>
+            <a:spLocks noGrp="1"/>
+          </p:cNvSpPr>
+          <p:nvPr>
+            <p:ph type="sldNum" sz="quarter" idx="12"/>
+          </p:nvPr>
+        </p:nvSpPr>
+        <p:spPr/>
+        <p:txBody>
+          <a:bodyPr/>
+          <a:lstStyle/>
+          <a:p>
+            <a:fld id="{C62155A9-2BEA-4E1A-A809-3AB570F0F126}" type="slidenum">
+              <a:rPr lang="en-US" smtClean="0"/>
+              <a:pPr/>
+              <a:t>50</a:t>
+            </a:fld>
+            <a:endParaRPr lang="en-US"/>
+          </a:p>
+        </p:txBody>
+      </p:sp>
+      <p:sp>
+        <p:nvSpPr>
+          <p:cNvPr id="20" name="TextBox 19">
+            <a:extLst>
+              <a:ext uri="{FF2B5EF4-FFF2-40B4-BE49-F238E27FC236}">
+                <a16:creationId xmlns:a16="http://schemas.microsoft.com/office/drawing/2014/main" id="{46DB112C-C268-43FF-89AC-83A8C89A4309}"/>
+              </a:ext>
+            </a:extLst>
+          </p:cNvPr>
+          <p:cNvSpPr txBox="1"/>
+          <p:nvPr/>
+        </p:nvSpPr>
+        <p:spPr>
+          <a:xfrm>
+            <a:off x="6873147" y="3143784"/>
+            <a:ext cx="6096000" cy="369332"/>
+          </a:xfrm>
+          <a:prstGeom prst="rect">
+            <a:avLst/>
+          </a:prstGeom>
+          <a:noFill/>
+          <a:ln>
+            <a:solidFill>
+              <a:schemeClr val="bg2"/>
+            </a:solidFill>
+          </a:ln>
+        </p:spPr>
+        <p:txBody>
+          <a:bodyPr wrap="square">
+            <a:spAutoFit/>
+          </a:bodyPr>
+          <a:lstStyle/>
+          <a:p>
+            <a:r>
+              <a:rPr lang="en-US" dirty="0"/>
+              <a:t>[0 1 2 3]</a:t>
+            </a:r>
+          </a:p>
+        </p:txBody>
+      </p:sp>
+      <p:sp>
+        <p:nvSpPr>
+          <p:cNvPr id="22" name="TextBox 21">
+            <a:extLst>
+              <a:ext uri="{FF2B5EF4-FFF2-40B4-BE49-F238E27FC236}">
+                <a16:creationId xmlns:a16="http://schemas.microsoft.com/office/drawing/2014/main" id="{47603FA3-B8EE-2262-FC8D-F54B684F7FB3}"/>
+              </a:ext>
+            </a:extLst>
+          </p:cNvPr>
+          <p:cNvSpPr txBox="1"/>
+          <p:nvPr/>
+        </p:nvSpPr>
+        <p:spPr>
+          <a:xfrm>
+            <a:off x="6019800" y="5305535"/>
+            <a:ext cx="6491286" cy="646331"/>
+          </a:xfrm>
+          <a:prstGeom prst="rect">
+            <a:avLst/>
+          </a:prstGeom>
+          <a:noFill/>
+          <a:ln>
+            <a:solidFill>
+              <a:schemeClr val="bg2"/>
+            </a:solidFill>
+          </a:ln>
+        </p:spPr>
+        <p:txBody>
+          <a:bodyPr wrap="square">
+            <a:spAutoFit/>
+          </a:bodyPr>
+          <a:lstStyle/>
+          <a:p>
+            <a:r>
+              <a:rPr lang="en-US" dirty="0"/>
+              <a:t>[[2 3 4]</a:t>
+            </a:r>
+          </a:p>
+          <a:p>
+            <a:r>
+              <a:rPr lang="en-US" dirty="0"/>
+              <a:t> [0 1 5]]</a:t>
+            </a:r>
+          </a:p>
+        </p:txBody>
+      </p:sp>
+      <p:pic>
+        <p:nvPicPr>
+          <p:cNvPr id="24" name="Picture 23">
+            <a:extLst>
+              <a:ext uri="{FF2B5EF4-FFF2-40B4-BE49-F238E27FC236}">
+                <a16:creationId xmlns:a16="http://schemas.microsoft.com/office/drawing/2014/main" id="{74FD740A-2E32-4E01-0E65-B0E41611034C}"/>
+              </a:ext>
+            </a:extLst>
+          </p:cNvPr>
+          <p:cNvPicPr>
+            <a:picLocks noChangeAspect="1"/>
+          </p:cNvPicPr>
+          <p:nvPr/>
+        </p:nvPicPr>
+        <p:blipFill>
+          <a:blip r:embed="rId3"/>
+          <a:stretch>
+            <a:fillRect/>
+          </a:stretch>
+        </p:blipFill>
+        <p:spPr>
+          <a:xfrm>
+            <a:off x="6019800" y="3656085"/>
+            <a:ext cx="4383571" cy="1643839"/>
+          </a:xfrm>
+          <a:prstGeom prst="rect">
+            <a:avLst/>
+          </a:prstGeom>
+        </p:spPr>
+      </p:pic>
+    </p:spTree>
+    <p:extLst>
+      <p:ext uri="{BB962C8B-B14F-4D97-AF65-F5344CB8AC3E}">
+        <p14:creationId xmlns:p14="http://schemas.microsoft.com/office/powerpoint/2010/main" val="3064442923"/>
+      </p:ext>
+    </p:extLst>
+  </p:cSld>
+  <p:clrMapOvr>
+    <a:masterClrMapping/>
+  </p:clrMapOvr>
+  <mc:AlternateContent xmlns:mc="http://schemas.openxmlformats.org/markup-compatibility/2006" xmlns:p14="http://schemas.microsoft.com/office/powerpoint/2010/main">
+    <mc:Choice Requires="p14">
+      <p:transition spd="med" p14:dur="700">
+        <p:fade/>
+      </p:transition>
+    </mc:Choice>
+    <mc:Fallback xmlns="">
+      <p:transition spd="med">
+        <p:fade/>
+      </p:transition>
+    </mc:Fallback>
+  </mc:AlternateContent>
+</p:sld>
+</file>
+
+<file path=ppt/slides/slide51.xml><?xml version="1.0" encoding="utf-8"?>
+<p:sld xmlns:a="http://schemas.openxmlformats.org/drawingml/2006/main" xmlns:r="http://schemas.openxmlformats.org/officeDocument/2006/relationships" xmlns:p="http://schemas.openxmlformats.org/presentationml/2006/main">
+  <p:cSld>
+    <p:spTree>
+      <p:nvGrpSpPr>
+        <p:cNvPr id="1" name=""/>
+        <p:cNvGrpSpPr/>
+        <p:nvPr/>
+      </p:nvGrpSpPr>
+      <p:grpSpPr>
+        <a:xfrm>
+          <a:off x="0" y="0"/>
+          <a:ext cx="0" cy="0"/>
+          <a:chOff x="0" y="0"/>
+          <a:chExt cx="0" cy="0"/>
+        </a:xfrm>
+      </p:grpSpPr>
+      <p:sp>
+        <p:nvSpPr>
+          <p:cNvPr id="2" name="Title 1">
+            <a:extLst>
+              <a:ext uri="{FF2B5EF4-FFF2-40B4-BE49-F238E27FC236}">
+                <a16:creationId xmlns:a16="http://schemas.microsoft.com/office/drawing/2014/main" id="{9019FEC2-C904-D2EF-33E6-5E1F6175F649}"/>
+              </a:ext>
+            </a:extLst>
+          </p:cNvPr>
+          <p:cNvSpPr>
+            <a:spLocks noGrp="1"/>
+          </p:cNvSpPr>
+          <p:nvPr>
+            <p:ph type="title"/>
+          </p:nvPr>
+        </p:nvSpPr>
+        <p:spPr/>
+        <p:txBody>
+          <a:bodyPr/>
+          <a:lstStyle/>
+          <a:p>
+            <a:r>
+              <a:rPr lang="en-US" dirty="0"/>
+              <a:t>NumPy Filter Array</a:t>
+            </a:r>
+          </a:p>
+        </p:txBody>
+      </p:sp>
+      <p:sp>
+        <p:nvSpPr>
+          <p:cNvPr id="3" name="Content Placeholder 2">
+            <a:extLst>
+              <a:ext uri="{FF2B5EF4-FFF2-40B4-BE49-F238E27FC236}">
+                <a16:creationId xmlns:a16="http://schemas.microsoft.com/office/drawing/2014/main" id="{D684117B-FB3C-E47A-7673-31F2F3A06B8D}"/>
+              </a:ext>
+            </a:extLst>
+          </p:cNvPr>
+          <p:cNvSpPr>
+            <a:spLocks noGrp="1"/>
+          </p:cNvSpPr>
+          <p:nvPr>
+            <p:ph sz="half" idx="1"/>
+          </p:nvPr>
+        </p:nvSpPr>
+        <p:spPr/>
+        <p:txBody>
+          <a:bodyPr>
+            <a:normAutofit/>
+          </a:bodyPr>
+          <a:lstStyle/>
+          <a:p>
+            <a:r>
+              <a:rPr lang="en-US" sz="2400" dirty="0"/>
+              <a:t>Getting some elements out of an existing array and creating a new array out of them is called filtering.</a:t>
+            </a:r>
+          </a:p>
+          <a:p>
+            <a:r>
+              <a:rPr lang="en-US" sz="2400" dirty="0"/>
+              <a:t>Using a </a:t>
+            </a:r>
+            <a:r>
+              <a:rPr lang="en-US" sz="2400" dirty="0" err="1"/>
+              <a:t>boolean</a:t>
+            </a:r>
+            <a:r>
+              <a:rPr lang="en-US" sz="2400" dirty="0"/>
+              <a:t> index list to fill the array</a:t>
+            </a:r>
+          </a:p>
+          <a:p>
+            <a:pPr lvl="1"/>
+            <a:r>
+              <a:rPr lang="en-US" sz="2000" dirty="0"/>
+              <a:t>If the value at an index is True that element is contained in the filtered array, if the value at that index is False that element is excluded from the filtered array.</a:t>
+            </a:r>
+          </a:p>
+        </p:txBody>
+      </p:sp>
+      <p:pic>
+        <p:nvPicPr>
+          <p:cNvPr id="11" name="Content Placeholder 10">
+            <a:extLst>
+              <a:ext uri="{FF2B5EF4-FFF2-40B4-BE49-F238E27FC236}">
+                <a16:creationId xmlns:a16="http://schemas.microsoft.com/office/drawing/2014/main" id="{B6EC9F64-648E-2665-CC84-A659E3EB043A}"/>
+              </a:ext>
+            </a:extLst>
+          </p:cNvPr>
+          <p:cNvPicPr>
+            <a:picLocks noGrp="1" noChangeAspect="1"/>
+          </p:cNvPicPr>
+          <p:nvPr>
+            <p:ph sz="half" idx="2"/>
+          </p:nvPr>
+        </p:nvPicPr>
+        <p:blipFill>
+          <a:blip r:embed="rId2"/>
+          <a:stretch>
+            <a:fillRect/>
+          </a:stretch>
+        </p:blipFill>
+        <p:spPr>
+          <a:xfrm>
+            <a:off x="6612250" y="619126"/>
+            <a:ext cx="4339600" cy="3144836"/>
+          </a:xfrm>
+        </p:spPr>
+      </p:pic>
+      <p:sp>
+        <p:nvSpPr>
+          <p:cNvPr id="5" name="Date Placeholder 4">
+            <a:extLst>
+              <a:ext uri="{FF2B5EF4-FFF2-40B4-BE49-F238E27FC236}">
+                <a16:creationId xmlns:a16="http://schemas.microsoft.com/office/drawing/2014/main" id="{12AEA49A-36D9-AA16-28E9-7E90AC42AE95}"/>
+              </a:ext>
+            </a:extLst>
+          </p:cNvPr>
+          <p:cNvSpPr>
+            <a:spLocks noGrp="1"/>
+          </p:cNvSpPr>
+          <p:nvPr>
+            <p:ph type="dt" sz="half" idx="10"/>
+          </p:nvPr>
+        </p:nvSpPr>
+        <p:spPr/>
+        <p:txBody>
+          <a:bodyPr/>
+          <a:lstStyle/>
+          <a:p>
+            <a:r>
+              <a:rPr lang="en-US"/>
+              <a:t>12/14/2022</a:t>
+            </a:r>
+          </a:p>
+        </p:txBody>
+      </p:sp>
+      <p:sp>
+        <p:nvSpPr>
+          <p:cNvPr id="6" name="Footer Placeholder 5">
+            <a:extLst>
+              <a:ext uri="{FF2B5EF4-FFF2-40B4-BE49-F238E27FC236}">
+                <a16:creationId xmlns:a16="http://schemas.microsoft.com/office/drawing/2014/main" id="{1D2A2B24-2879-76A5-9A36-C63648087995}"/>
+              </a:ext>
+            </a:extLst>
+          </p:cNvPr>
+          <p:cNvSpPr>
+            <a:spLocks noGrp="1"/>
+          </p:cNvSpPr>
+          <p:nvPr>
+            <p:ph type="ftr" sz="quarter" idx="11"/>
+          </p:nvPr>
+        </p:nvSpPr>
+        <p:spPr/>
+        <p:txBody>
+          <a:bodyPr/>
+          <a:lstStyle/>
+          <a:p>
+            <a:r>
+              <a:rPr lang="en-US"/>
+              <a:t>Pham Trung Kien - Python NumPy</a:t>
+            </a:r>
+            <a:endParaRPr lang="en-US" dirty="0"/>
+          </a:p>
+        </p:txBody>
+      </p:sp>
+      <p:sp>
+        <p:nvSpPr>
+          <p:cNvPr id="7" name="Slide Number Placeholder 6">
+            <a:extLst>
+              <a:ext uri="{FF2B5EF4-FFF2-40B4-BE49-F238E27FC236}">
+                <a16:creationId xmlns:a16="http://schemas.microsoft.com/office/drawing/2014/main" id="{343FDC1C-9161-AE62-77F5-A751CDDA6C22}"/>
+              </a:ext>
+            </a:extLst>
+          </p:cNvPr>
+          <p:cNvSpPr>
+            <a:spLocks noGrp="1"/>
+          </p:cNvSpPr>
+          <p:nvPr>
+            <p:ph type="sldNum" sz="quarter" idx="12"/>
+          </p:nvPr>
+        </p:nvSpPr>
+        <p:spPr/>
+        <p:txBody>
+          <a:bodyPr/>
+          <a:lstStyle/>
+          <a:p>
+            <a:fld id="{C62155A9-2BEA-4E1A-A809-3AB570F0F126}" type="slidenum">
+              <a:rPr lang="en-US" smtClean="0"/>
+              <a:pPr/>
+              <a:t>51</a:t>
+            </a:fld>
+            <a:endParaRPr lang="en-US"/>
+          </a:p>
+        </p:txBody>
+      </p:sp>
+      <p:sp>
+        <p:nvSpPr>
+          <p:cNvPr id="13" name="TextBox 12">
+            <a:extLst>
+              <a:ext uri="{FF2B5EF4-FFF2-40B4-BE49-F238E27FC236}">
+                <a16:creationId xmlns:a16="http://schemas.microsoft.com/office/drawing/2014/main" id="{B1CC2E2B-8FEE-A01F-B25C-9A6E2BF1B001}"/>
+              </a:ext>
+            </a:extLst>
+          </p:cNvPr>
+          <p:cNvSpPr txBox="1"/>
+          <p:nvPr/>
+        </p:nvSpPr>
+        <p:spPr>
+          <a:xfrm>
+            <a:off x="6621677" y="3758683"/>
+            <a:ext cx="6096000" cy="369332"/>
+          </a:xfrm>
+          <a:prstGeom prst="rect">
+            <a:avLst/>
+          </a:prstGeom>
+          <a:noFill/>
+          <a:ln>
+            <a:solidFill>
+              <a:schemeClr val="bg2"/>
+            </a:solidFill>
+          </a:ln>
+        </p:spPr>
+        <p:txBody>
+          <a:bodyPr wrap="square">
+            <a:spAutoFit/>
+          </a:bodyPr>
+          <a:lstStyle/>
+          <a:p>
+            <a:r>
+              <a:rPr lang="en-US" dirty="0"/>
+              <a:t>[41 43]</a:t>
+            </a:r>
+          </a:p>
+        </p:txBody>
+      </p:sp>
+    </p:spTree>
+    <p:extLst>
+      <p:ext uri="{BB962C8B-B14F-4D97-AF65-F5344CB8AC3E}">
+        <p14:creationId xmlns:p14="http://schemas.microsoft.com/office/powerpoint/2010/main" val="2463338156"/>
+      </p:ext>
+    </p:extLst>
+  </p:cSld>
+  <p:clrMapOvr>
+    <a:masterClrMapping/>
+  </p:clrMapOvr>
+  <mc:AlternateContent xmlns:mc="http://schemas.openxmlformats.org/markup-compatibility/2006" xmlns:p14="http://schemas.microsoft.com/office/powerpoint/2010/main">
+    <mc:Choice Requires="p14">
+      <p:transition spd="med" p14:dur="700">
+        <p:fade/>
+      </p:transition>
+    </mc:Choice>
+    <mc:Fallback xmlns="">
+      <p:transition spd="med">
+        <p:fade/>
+      </p:transition>
+    </mc:Fallback>
+  </mc:AlternateContent>
+</p:sld>
+</file>
+
+<file path=ppt/slides/slide52.xml><?xml version="1.0" encoding="utf-8"?>
+<p:sld xmlns:a="http://schemas.openxmlformats.org/drawingml/2006/main" xmlns:r="http://schemas.openxmlformats.org/officeDocument/2006/relationships" xmlns:p="http://schemas.openxmlformats.org/presentationml/2006/main">
+  <p:cSld>
+    <p:spTree>
+      <p:nvGrpSpPr>
+        <p:cNvPr id="1" name=""/>
+        <p:cNvGrpSpPr/>
+        <p:nvPr/>
+      </p:nvGrpSpPr>
+      <p:grpSpPr>
+        <a:xfrm>
+          <a:off x="0" y="0"/>
+          <a:ext cx="0" cy="0"/>
+          <a:chOff x="0" y="0"/>
+          <a:chExt cx="0" cy="0"/>
+        </a:xfrm>
+      </p:grpSpPr>
+      <p:sp>
+        <p:nvSpPr>
+          <p:cNvPr id="10" name="Title 9">
+            <a:extLst>
+              <a:ext uri="{FF2B5EF4-FFF2-40B4-BE49-F238E27FC236}">
+                <a16:creationId xmlns:a16="http://schemas.microsoft.com/office/drawing/2014/main" id="{0F98D7A8-7AD0-677C-F608-103C9B49527D}"/>
+              </a:ext>
+            </a:extLst>
+          </p:cNvPr>
+          <p:cNvSpPr>
+            <a:spLocks noGrp="1"/>
+          </p:cNvSpPr>
+          <p:nvPr>
+            <p:ph type="title"/>
+          </p:nvPr>
+        </p:nvSpPr>
+        <p:spPr/>
+        <p:txBody>
+          <a:bodyPr/>
+          <a:lstStyle/>
+          <a:p>
+            <a:r>
+              <a:rPr lang="en-US" dirty="0"/>
+              <a:t>Resources</a:t>
+            </a:r>
+          </a:p>
+        </p:txBody>
+      </p:sp>
+      <p:sp>
+        <p:nvSpPr>
+          <p:cNvPr id="11" name="Content Placeholder 10">
+            <a:extLst>
+              <a:ext uri="{FF2B5EF4-FFF2-40B4-BE49-F238E27FC236}">
+                <a16:creationId xmlns:a16="http://schemas.microsoft.com/office/drawing/2014/main" id="{57FFBF78-1D5E-74B1-7218-CAEB1612EEFA}"/>
+              </a:ext>
+            </a:extLst>
+          </p:cNvPr>
+          <p:cNvSpPr>
+            <a:spLocks noGrp="1"/>
+          </p:cNvSpPr>
+          <p:nvPr>
+            <p:ph idx="1"/>
+          </p:nvPr>
+        </p:nvSpPr>
+        <p:spPr/>
+        <p:txBody>
+          <a:bodyPr/>
+          <a:lstStyle/>
+          <a:p>
+            <a:endParaRPr lang="en-US"/>
+          </a:p>
+        </p:txBody>
+      </p:sp>
+      <p:sp>
+        <p:nvSpPr>
+          <p:cNvPr id="5" name="Date Placeholder 4">
+            <a:extLst>
+              <a:ext uri="{FF2B5EF4-FFF2-40B4-BE49-F238E27FC236}">
+                <a16:creationId xmlns:a16="http://schemas.microsoft.com/office/drawing/2014/main" id="{0B79F4AC-8FF0-024C-A51B-B3DDAF397EFE}"/>
+              </a:ext>
+            </a:extLst>
+          </p:cNvPr>
+          <p:cNvSpPr>
+            <a:spLocks noGrp="1"/>
+          </p:cNvSpPr>
+          <p:nvPr>
+            <p:ph type="dt" sz="half" idx="2"/>
+          </p:nvPr>
+        </p:nvSpPr>
+        <p:spPr/>
+        <p:txBody>
+          <a:bodyPr/>
+          <a:lstStyle/>
+          <a:p>
+            <a:r>
+              <a:rPr lang="en-US"/>
+              <a:t>12/14/2022</a:t>
+            </a:r>
+          </a:p>
+        </p:txBody>
+      </p:sp>
+      <p:sp>
+        <p:nvSpPr>
+          <p:cNvPr id="6" name="Footer Placeholder 5">
+            <a:extLst>
+              <a:ext uri="{FF2B5EF4-FFF2-40B4-BE49-F238E27FC236}">
+                <a16:creationId xmlns:a16="http://schemas.microsoft.com/office/drawing/2014/main" id="{2DD827CF-7957-1E98-E0AB-E2CE7B003D45}"/>
+              </a:ext>
+            </a:extLst>
+          </p:cNvPr>
+          <p:cNvSpPr>
+            <a:spLocks noGrp="1"/>
+          </p:cNvSpPr>
+          <p:nvPr>
+            <p:ph type="ftr" sz="quarter" idx="3"/>
+          </p:nvPr>
+        </p:nvSpPr>
+        <p:spPr/>
+        <p:txBody>
+          <a:bodyPr/>
+          <a:lstStyle/>
+          <a:p>
+            <a:r>
+              <a:rPr lang="en-US"/>
+              <a:t>Pham Trung Kien - Python NumPy</a:t>
+            </a:r>
+            <a:endParaRPr lang="en-US" dirty="0"/>
+          </a:p>
+        </p:txBody>
+      </p:sp>
+      <p:sp>
+        <p:nvSpPr>
+          <p:cNvPr id="7" name="Slide Number Placeholder 6">
+            <a:extLst>
+              <a:ext uri="{FF2B5EF4-FFF2-40B4-BE49-F238E27FC236}">
+                <a16:creationId xmlns:a16="http://schemas.microsoft.com/office/drawing/2014/main" id="{A5008EF7-9F0E-1B83-89B0-5A9FD46AF1D5}"/>
+              </a:ext>
+            </a:extLst>
+          </p:cNvPr>
+          <p:cNvSpPr>
+            <a:spLocks noGrp="1"/>
+          </p:cNvSpPr>
+          <p:nvPr>
+            <p:ph type="sldNum" sz="quarter" idx="4"/>
+          </p:nvPr>
+        </p:nvSpPr>
+        <p:spPr/>
+        <p:txBody>
+          <a:bodyPr/>
+          <a:lstStyle/>
+          <a:p>
+            <a:fld id="{C62155A9-2BEA-4E1A-A809-3AB570F0F126}" type="slidenum">
+              <a:rPr lang="en-US" smtClean="0"/>
+              <a:pPr/>
+              <a:t>52</a:t>
+            </a:fld>
+            <a:endParaRPr lang="en-US"/>
+          </a:p>
+        </p:txBody>
+      </p:sp>
+    </p:spTree>
+    <p:extLst>
+      <p:ext uri="{BB962C8B-B14F-4D97-AF65-F5344CB8AC3E}">
+        <p14:creationId xmlns:p14="http://schemas.microsoft.com/office/powerpoint/2010/main" val="2762786277"/>
       </p:ext>
     </p:extLst>
   </p:cSld>
